--- a/Requirements-Engineering/RE-L11_Traceability.pptx
+++ b/Requirements-Engineering/RE-L11_Traceability.pptx
@@ -116,15 +116,51 @@
           <a:p>
             <a:pPr algn="ctr"/>
             <a:r>
-              <a:rPr b="0" lang="en-GB" sz="4400" spc="-1" strike="noStrike">
+              <a:rPr b="0" lang="en-US" sz="4400" spc="-1" strike="noStrike">
                 <a:solidFill>
                   <a:srgbClr val="000000"/>
                 </a:solidFill>
                 <a:latin typeface="Arial"/>
               </a:rPr>
-              <a:t>Click to move the slide</a:t>
-            </a:r>
-            <a:endParaRPr b="0" lang="en-GB" sz="4400" spc="-1" strike="noStrike">
+              <a:t>Click </a:t>
+            </a:r>
+            <a:r>
+              <a:rPr b="0" lang="en-US" sz="4400" spc="-1" strike="noStrike">
+                <a:solidFill>
+                  <a:srgbClr val="000000"/>
+                </a:solidFill>
+                <a:latin typeface="Arial"/>
+              </a:rPr>
+              <a:t>to </a:t>
+            </a:r>
+            <a:r>
+              <a:rPr b="0" lang="en-US" sz="4400" spc="-1" strike="noStrike">
+                <a:solidFill>
+                  <a:srgbClr val="000000"/>
+                </a:solidFill>
+                <a:latin typeface="Arial"/>
+              </a:rPr>
+              <a:t>mov</a:t>
+            </a:r>
+            <a:r>
+              <a:rPr b="0" lang="en-US" sz="4400" spc="-1" strike="noStrike">
+                <a:solidFill>
+                  <a:srgbClr val="000000"/>
+                </a:solidFill>
+                <a:latin typeface="Arial"/>
+              </a:rPr>
+              <a:t>e the </a:t>
+            </a:r>
+            <a:r>
+              <a:rPr b="0" lang="en-US" sz="4400" spc="-1" strike="noStrike">
+                <a:solidFill>
+                  <a:srgbClr val="000000"/>
+                </a:solidFill>
+                <a:latin typeface="Arial"/>
+              </a:rPr>
+              <a:t>slide</a:t>
+            </a:r>
+            <a:endParaRPr b="0" lang="en-US" sz="4400" spc="-1" strike="noStrike">
               <a:solidFill>
                 <a:srgbClr val="000000"/>
               </a:solidFill>
@@ -165,15 +201,42 @@
               <a:buNone/>
             </a:pPr>
             <a:r>
-              <a:rPr b="0" lang="en-GB" sz="2000" spc="-1" strike="noStrike">
+              <a:rPr b="0" lang="en-US" sz="2000" spc="-1" strike="noStrike">
                 <a:solidFill>
                   <a:srgbClr val="000000"/>
                 </a:solidFill>
                 <a:latin typeface="Arial"/>
               </a:rPr>
-              <a:t>Click to edit the notes' format</a:t>
-            </a:r>
-            <a:endParaRPr b="0" lang="en-GB" sz="2000" spc="-1" strike="noStrike">
+              <a:t>Click to </a:t>
+            </a:r>
+            <a:r>
+              <a:rPr b="0" lang="en-US" sz="2000" spc="-1" strike="noStrike">
+                <a:solidFill>
+                  <a:srgbClr val="000000"/>
+                </a:solidFill>
+                <a:latin typeface="Arial"/>
+              </a:rPr>
+              <a:t>edit the </a:t>
+            </a:r>
+            <a:r>
+              <a:rPr b="0" lang="en-US" sz="2000" spc="-1" strike="noStrike">
+                <a:solidFill>
+                  <a:srgbClr val="000000"/>
+                </a:solidFill>
+                <a:latin typeface="Arial"/>
+              </a:rPr>
+              <a:t>notes </a:t>
+            </a:r>
+            <a:r>
+              <a:rPr b="0" lang="en-US" sz="2000" spc="-1" strike="noStrike">
+                <a:solidFill>
+                  <a:srgbClr val="000000"/>
+                </a:solidFill>
+                <a:latin typeface="Arial"/>
+              </a:rPr>
+              <a:t>format</a:t>
+            </a:r>
+            <a:endParaRPr b="0" lang="en-US" sz="2000" spc="-1" strike="noStrike">
               <a:solidFill>
                 <a:srgbClr val="000000"/>
               </a:solidFill>
@@ -214,7 +277,7 @@
               <a:buNone/>
             </a:pPr>
             <a:r>
-              <a:rPr b="0" lang="en-GB" sz="1400" spc="-1" strike="noStrike">
+              <a:rPr b="0" lang="en-US" sz="1400" spc="-1" strike="noStrike">
                 <a:solidFill>
                   <a:srgbClr val="000000"/>
                 </a:solidFill>
@@ -222,7 +285,7 @@
               </a:rPr>
               <a:t>&lt;header&gt;</a:t>
             </a:r>
-            <a:endParaRPr b="0" lang="en-GB" sz="1400" spc="-1" strike="noStrike">
+            <a:endParaRPr b="0" lang="en-US" sz="1400" spc="-1" strike="noStrike">
               <a:solidFill>
                 <a:srgbClr val="000000"/>
               </a:solidFill>
@@ -261,7 +324,7 @@
           <a:lstStyle>
             <a:lvl1pPr indent="0" algn="r">
               <a:buNone/>
-              <a:defRPr b="0" lang="en-GB" sz="1400" spc="-1" strike="noStrike">
+              <a:defRPr b="0" lang="en-US" sz="1400" spc="-1" strike="noStrike">
                 <a:solidFill>
                   <a:srgbClr val="000000"/>
                 </a:solidFill>
@@ -274,7 +337,7 @@
               <a:buNone/>
             </a:pPr>
             <a:r>
-              <a:rPr b="0" lang="en-GB" sz="1400" spc="-1" strike="noStrike">
+              <a:rPr b="0" lang="en-US" sz="1400" spc="-1" strike="noStrike">
                 <a:solidFill>
                   <a:srgbClr val="000000"/>
                 </a:solidFill>
@@ -282,7 +345,7 @@
               </a:rPr>
               <a:t>&lt;date/time&gt;</a:t>
             </a:r>
-            <a:endParaRPr b="0" lang="en-GB" sz="1400" spc="-1" strike="noStrike">
+            <a:endParaRPr b="0" lang="en-US" sz="1400" spc="-1" strike="noStrike">
               <a:solidFill>
                 <a:srgbClr val="000000"/>
               </a:solidFill>
@@ -321,7 +384,7 @@
           <a:lstStyle>
             <a:lvl1pPr indent="0">
               <a:buNone/>
-              <a:defRPr b="0" lang="en-GB" sz="1400" spc="-1" strike="noStrike">
+              <a:defRPr b="0" lang="en-US" sz="1400" spc="-1" strike="noStrike">
                 <a:solidFill>
                   <a:srgbClr val="000000"/>
                 </a:solidFill>
@@ -334,7 +397,7 @@
               <a:buNone/>
             </a:pPr>
             <a:r>
-              <a:rPr b="0" lang="en-GB" sz="1400" spc="-1" strike="noStrike">
+              <a:rPr b="0" lang="en-US" sz="1400" spc="-1" strike="noStrike">
                 <a:solidFill>
                   <a:srgbClr val="000000"/>
                 </a:solidFill>
@@ -342,7 +405,7 @@
               </a:rPr>
               <a:t>&lt;footer&gt;</a:t>
             </a:r>
-            <a:endParaRPr b="0" lang="en-GB" sz="1400" spc="-1" strike="noStrike">
+            <a:endParaRPr b="0" lang="en-US" sz="1400" spc="-1" strike="noStrike">
               <a:solidFill>
                 <a:srgbClr val="000000"/>
               </a:solidFill>
@@ -381,7 +444,7 @@
           <a:lstStyle>
             <a:lvl1pPr indent="0" algn="r">
               <a:buNone/>
-              <a:defRPr b="0" lang="en-GB" sz="1400" spc="-1" strike="noStrike">
+              <a:defRPr b="0" lang="en-US" sz="1400" spc="-1" strike="noStrike">
                 <a:solidFill>
                   <a:srgbClr val="000000"/>
                 </a:solidFill>
@@ -393,8 +456,8 @@
             <a:pPr indent="0" algn="r">
               <a:buNone/>
             </a:pPr>
-            <a:fld id="{3B14629E-AFEC-4EEE-8020-5866EF222189}" type="slidenum">
-              <a:rPr b="0" lang="en-GB" sz="1400" spc="-1" strike="noStrike">
+            <a:fld id="{8D41814D-6741-43FA-9D99-9ACE3B71D1F2}" type="slidenum">
+              <a:rPr b="0" lang="en-US" sz="1400" spc="-1" strike="noStrike">
                 <a:solidFill>
                   <a:srgbClr val="000000"/>
                 </a:solidFill>
@@ -402,7 +465,7 @@
               </a:rPr>
               <a:t>&lt;number&gt;</a:t>
             </a:fld>
-            <a:endParaRPr b="0" lang="en-GB" sz="1400" spc="-1" strike="noStrike">
+            <a:endParaRPr b="0" lang="en-US" sz="1400" spc="-1" strike="noStrike">
               <a:solidFill>
                 <a:srgbClr val="000000"/>
               </a:solidFill>
@@ -447,7 +510,7 @@
         <p:spPr>
           <a:xfrm>
             <a:off x="870120" y="1257480"/>
-            <a:ext cx="6027480" cy="3389040"/>
+            <a:ext cx="6027120" cy="3388680"/>
           </a:xfrm>
           <a:prstGeom prst="rect">
             <a:avLst/>
@@ -470,7 +533,7 @@
         <p:spPr>
           <a:xfrm>
             <a:off x="777960" y="4840200"/>
-            <a:ext cx="6211440" cy="3955680"/>
+            <a:ext cx="6211080" cy="3955320"/>
           </a:xfrm>
           <a:prstGeom prst="rect">
             <a:avLst/>
@@ -488,7 +551,7 @@
             <a:pPr marL="216000" indent="0">
               <a:buNone/>
             </a:pPr>
-            <a:endParaRPr b="0" lang="en-GB" sz="1800" spc="-1" strike="noStrike">
+            <a:endParaRPr b="0" lang="en-US" sz="1800" spc="-1" strike="noStrike">
               <a:solidFill>
                 <a:srgbClr val="000000"/>
               </a:solidFill>
@@ -510,7 +573,7 @@
         <p:spPr>
           <a:xfrm>
             <a:off x="4402080" y="9553680"/>
-            <a:ext cx="3363480" cy="499680"/>
+            <a:ext cx="3363120" cy="499320"/>
           </a:xfrm>
           <a:prstGeom prst="rect">
             <a:avLst/>
@@ -551,16 +614,16 @@
                 <a:tab algn="l" pos="0"/>
               </a:tabLst>
             </a:pPr>
-            <a:fld id="{6AD5DD0F-AA5D-4A27-9A51-777A043E48D9}" type="slidenum">
+            <a:fld id="{99030DC4-37C5-44C0-AFD9-90979801CE5E}" type="slidenum">
               <a:rPr b="0" lang="de-DE" sz="1200" spc="-1" strike="noStrike">
                 <a:solidFill>
                   <a:srgbClr val="000000"/>
                 </a:solidFill>
                 <a:latin typeface="DejaVu Serif"/>
               </a:rPr>
-              <a:t>&lt;number&gt;</a:t>
+              <a:t>35</a:t>
             </a:fld>
-            <a:endParaRPr b="0" lang="en-GB" sz="1200" spc="-1" strike="noStrike">
+            <a:endParaRPr b="0" lang="en-US" sz="1200" spc="-1" strike="noStrike">
               <a:solidFill>
                 <a:srgbClr val="000000"/>
               </a:solidFill>
@@ -604,7 +667,7 @@
         <p:spPr>
           <a:xfrm>
             <a:off x="870120" y="1257480"/>
-            <a:ext cx="6027480" cy="3389040"/>
+            <a:ext cx="6027120" cy="3388680"/>
           </a:xfrm>
           <a:prstGeom prst="rect">
             <a:avLst/>
@@ -627,7 +690,7 @@
         <p:spPr>
           <a:xfrm>
             <a:off x="777960" y="4840200"/>
-            <a:ext cx="6211440" cy="3955680"/>
+            <a:ext cx="6211080" cy="3955320"/>
           </a:xfrm>
           <a:prstGeom prst="rect">
             <a:avLst/>
@@ -645,7 +708,7 @@
             <a:pPr marL="216000" indent="0">
               <a:buNone/>
             </a:pPr>
-            <a:endParaRPr b="0" lang="en-GB" sz="1800" spc="-1" strike="noStrike">
+            <a:endParaRPr b="0" lang="en-US" sz="1800" spc="-1" strike="noStrike">
               <a:solidFill>
                 <a:srgbClr val="000000"/>
               </a:solidFill>
@@ -667,7 +730,7 @@
         <p:spPr>
           <a:xfrm>
             <a:off x="4402080" y="9553680"/>
-            <a:ext cx="3363480" cy="499680"/>
+            <a:ext cx="3363120" cy="499320"/>
           </a:xfrm>
           <a:prstGeom prst="rect">
             <a:avLst/>
@@ -708,16 +771,16 @@
                 <a:tab algn="l" pos="0"/>
               </a:tabLst>
             </a:pPr>
-            <a:fld id="{ECCF2A9A-E737-4564-9D66-D72E985C66A0}" type="slidenum">
+            <a:fld id="{EB6D626F-C39A-4F19-B53A-75E614A0D037}" type="slidenum">
               <a:rPr b="0" lang="de-DE" sz="1200" spc="-1" strike="noStrike">
                 <a:solidFill>
                   <a:srgbClr val="000000"/>
                 </a:solidFill>
                 <a:latin typeface="DejaVu Serif"/>
               </a:rPr>
-              <a:t>&lt;number&gt;</a:t>
+              <a:t>35</a:t>
             </a:fld>
-            <a:endParaRPr b="0" lang="en-GB" sz="1200" spc="-1" strike="noStrike">
+            <a:endParaRPr b="0" lang="en-US" sz="1200" spc="-1" strike="noStrike">
               <a:solidFill>
                 <a:srgbClr val="000000"/>
               </a:solidFill>
@@ -761,7 +824,7 @@
         <p:spPr>
           <a:xfrm>
             <a:off x="870120" y="1257480"/>
-            <a:ext cx="6027480" cy="3389040"/>
+            <a:ext cx="6027120" cy="3388680"/>
           </a:xfrm>
           <a:prstGeom prst="rect">
             <a:avLst/>
@@ -784,7 +847,7 @@
         <p:spPr>
           <a:xfrm>
             <a:off x="777960" y="4840200"/>
-            <a:ext cx="6211440" cy="3955680"/>
+            <a:ext cx="6211080" cy="3955320"/>
           </a:xfrm>
           <a:prstGeom prst="rect">
             <a:avLst/>
@@ -802,7 +865,7 @@
             <a:pPr marL="216000" indent="0">
               <a:buNone/>
             </a:pPr>
-            <a:endParaRPr b="0" lang="en-GB" sz="1800" spc="-1" strike="noStrike">
+            <a:endParaRPr b="0" lang="en-US" sz="1800" spc="-1" strike="noStrike">
               <a:solidFill>
                 <a:srgbClr val="000000"/>
               </a:solidFill>
@@ -824,7 +887,7 @@
         <p:spPr>
           <a:xfrm>
             <a:off x="4402080" y="9553680"/>
-            <a:ext cx="3363480" cy="499680"/>
+            <a:ext cx="3363120" cy="499320"/>
           </a:xfrm>
           <a:prstGeom prst="rect">
             <a:avLst/>
@@ -865,16 +928,16 @@
                 <a:tab algn="l" pos="0"/>
               </a:tabLst>
             </a:pPr>
-            <a:fld id="{BE511D5C-4DDD-41B5-A648-1077412E7C85}" type="slidenum">
+            <a:fld id="{D74CE4BE-5114-4D30-A734-A6926550DB90}" type="slidenum">
               <a:rPr b="0" lang="de-DE" sz="1200" spc="-1" strike="noStrike">
                 <a:solidFill>
                   <a:srgbClr val="000000"/>
                 </a:solidFill>
                 <a:latin typeface="DejaVu Serif"/>
               </a:rPr>
-              <a:t>&lt;number&gt;</a:t>
+              <a:t>35</a:t>
             </a:fld>
-            <a:endParaRPr b="0" lang="en-GB" sz="1200" spc="-1" strike="noStrike">
+            <a:endParaRPr b="0" lang="en-US" sz="1200" spc="-1" strike="noStrike">
               <a:solidFill>
                 <a:srgbClr val="000000"/>
               </a:solidFill>
@@ -918,7 +981,7 @@
         <p:spPr>
           <a:xfrm>
             <a:off x="870120" y="1257480"/>
-            <a:ext cx="6027480" cy="3389040"/>
+            <a:ext cx="6027120" cy="3388680"/>
           </a:xfrm>
           <a:prstGeom prst="rect">
             <a:avLst/>
@@ -941,7 +1004,7 @@
         <p:spPr>
           <a:xfrm>
             <a:off x="777960" y="4840200"/>
-            <a:ext cx="6211440" cy="3955680"/>
+            <a:ext cx="6211080" cy="3955320"/>
           </a:xfrm>
           <a:prstGeom prst="rect">
             <a:avLst/>
@@ -959,7 +1022,7 @@
             <a:pPr marL="216000" indent="0">
               <a:buNone/>
             </a:pPr>
-            <a:endParaRPr b="0" lang="en-GB" sz="1800" spc="-1" strike="noStrike">
+            <a:endParaRPr b="0" lang="en-US" sz="1800" spc="-1" strike="noStrike">
               <a:solidFill>
                 <a:srgbClr val="000000"/>
               </a:solidFill>
@@ -981,7 +1044,7 @@
         <p:spPr>
           <a:xfrm>
             <a:off x="4402080" y="9553680"/>
-            <a:ext cx="3363480" cy="499680"/>
+            <a:ext cx="3363120" cy="499320"/>
           </a:xfrm>
           <a:prstGeom prst="rect">
             <a:avLst/>
@@ -1022,16 +1085,16 @@
                 <a:tab algn="l" pos="0"/>
               </a:tabLst>
             </a:pPr>
-            <a:fld id="{86645512-BEE3-4DB2-B05C-3C8780C639B1}" type="slidenum">
+            <a:fld id="{6FA98A29-4805-4395-BF94-89FF554C64F2}" type="slidenum">
               <a:rPr b="0" lang="de-DE" sz="1200" spc="-1" strike="noStrike">
                 <a:solidFill>
                   <a:srgbClr val="000000"/>
                 </a:solidFill>
                 <a:latin typeface="DejaVu Serif"/>
               </a:rPr>
-              <a:t>&lt;number&gt;</a:t>
+              <a:t>35</a:t>
             </a:fld>
-            <a:endParaRPr b="0" lang="en-GB" sz="1200" spc="-1" strike="noStrike">
+            <a:endParaRPr b="0" lang="en-US" sz="1200" spc="-1" strike="noStrike">
               <a:solidFill>
                 <a:srgbClr val="000000"/>
               </a:solidFill>
@@ -1115,7 +1178,7 @@
             <a:pPr indent="0" algn="ctr">
               <a:buNone/>
             </a:pPr>
-            <a:endParaRPr b="0" lang="en-GB" sz="4400" spc="-1" strike="noStrike">
+            <a:endParaRPr b="0" lang="en-US" sz="4400" spc="-1" strike="noStrike">
               <a:solidFill>
                 <a:srgbClr val="000000"/>
               </a:solidFill>
@@ -1158,7 +1221,7 @@
               </a:spcBef>
               <a:buNone/>
             </a:pPr>
-            <a:endParaRPr b="0" lang="en-GB" sz="3200" spc="-1" strike="noStrike">
+            <a:endParaRPr b="0" lang="en-US" sz="3200" spc="-1" strike="noStrike">
               <a:solidFill>
                 <a:srgbClr val="000000"/>
               </a:solidFill>
@@ -1201,7 +1264,7 @@
               </a:spcBef>
               <a:buNone/>
             </a:pPr>
-            <a:endParaRPr b="0" lang="en-GB" sz="3200" spc="-1" strike="noStrike">
+            <a:endParaRPr b="0" lang="en-US" sz="3200" spc="-1" strike="noStrike">
               <a:solidFill>
                 <a:srgbClr val="000000"/>
               </a:solidFill>
@@ -1263,7 +1326,7 @@
             <a:pPr indent="0" algn="ctr">
               <a:buNone/>
             </a:pPr>
-            <a:endParaRPr b="0" lang="en-GB" sz="4400" spc="-1" strike="noStrike">
+            <a:endParaRPr b="0" lang="en-US" sz="4400" spc="-1" strike="noStrike">
               <a:solidFill>
                 <a:srgbClr val="000000"/>
               </a:solidFill>
@@ -1306,7 +1369,7 @@
               </a:spcBef>
               <a:buNone/>
             </a:pPr>
-            <a:endParaRPr b="0" lang="en-GB" sz="3200" spc="-1" strike="noStrike">
+            <a:endParaRPr b="0" lang="en-US" sz="3200" spc="-1" strike="noStrike">
               <a:solidFill>
                 <a:srgbClr val="000000"/>
               </a:solidFill>
@@ -1349,7 +1412,7 @@
               </a:spcBef>
               <a:buNone/>
             </a:pPr>
-            <a:endParaRPr b="0" lang="en-GB" sz="3200" spc="-1" strike="noStrike">
+            <a:endParaRPr b="0" lang="en-US" sz="3200" spc="-1" strike="noStrike">
               <a:solidFill>
                 <a:srgbClr val="000000"/>
               </a:solidFill>
@@ -1392,7 +1455,7 @@
               </a:spcBef>
               <a:buNone/>
             </a:pPr>
-            <a:endParaRPr b="0" lang="en-GB" sz="3200" spc="-1" strike="noStrike">
+            <a:endParaRPr b="0" lang="en-US" sz="3200" spc="-1" strike="noStrike">
               <a:solidFill>
                 <a:srgbClr val="000000"/>
               </a:solidFill>
@@ -1435,7 +1498,7 @@
               </a:spcBef>
               <a:buNone/>
             </a:pPr>
-            <a:endParaRPr b="0" lang="en-GB" sz="3200" spc="-1" strike="noStrike">
+            <a:endParaRPr b="0" lang="en-US" sz="3200" spc="-1" strike="noStrike">
               <a:solidFill>
                 <a:srgbClr val="000000"/>
               </a:solidFill>
@@ -1497,7 +1560,7 @@
             <a:pPr indent="0" algn="ctr">
               <a:buNone/>
             </a:pPr>
-            <a:endParaRPr b="0" lang="en-GB" sz="4400" spc="-1" strike="noStrike">
+            <a:endParaRPr b="0" lang="en-US" sz="4400" spc="-1" strike="noStrike">
               <a:solidFill>
                 <a:srgbClr val="000000"/>
               </a:solidFill>
@@ -1540,7 +1603,7 @@
               </a:spcBef>
               <a:buNone/>
             </a:pPr>
-            <a:endParaRPr b="0" lang="en-GB" sz="3200" spc="-1" strike="noStrike">
+            <a:endParaRPr b="0" lang="en-US" sz="3200" spc="-1" strike="noStrike">
               <a:solidFill>
                 <a:srgbClr val="000000"/>
               </a:solidFill>
@@ -1583,7 +1646,7 @@
               </a:spcBef>
               <a:buNone/>
             </a:pPr>
-            <a:endParaRPr b="0" lang="en-GB" sz="3200" spc="-1" strike="noStrike">
+            <a:endParaRPr b="0" lang="en-US" sz="3200" spc="-1" strike="noStrike">
               <a:solidFill>
                 <a:srgbClr val="000000"/>
               </a:solidFill>
@@ -1626,7 +1689,7 @@
               </a:spcBef>
               <a:buNone/>
             </a:pPr>
-            <a:endParaRPr b="0" lang="en-GB" sz="3200" spc="-1" strike="noStrike">
+            <a:endParaRPr b="0" lang="en-US" sz="3200" spc="-1" strike="noStrike">
               <a:solidFill>
                 <a:srgbClr val="000000"/>
               </a:solidFill>
@@ -1669,7 +1732,7 @@
               </a:spcBef>
               <a:buNone/>
             </a:pPr>
-            <a:endParaRPr b="0" lang="en-GB" sz="3200" spc="-1" strike="noStrike">
+            <a:endParaRPr b="0" lang="en-US" sz="3200" spc="-1" strike="noStrike">
               <a:solidFill>
                 <a:srgbClr val="000000"/>
               </a:solidFill>
@@ -1712,7 +1775,7 @@
               </a:spcBef>
               <a:buNone/>
             </a:pPr>
-            <a:endParaRPr b="0" lang="en-GB" sz="3200" spc="-1" strike="noStrike">
+            <a:endParaRPr b="0" lang="en-US" sz="3200" spc="-1" strike="noStrike">
               <a:solidFill>
                 <a:srgbClr val="000000"/>
               </a:solidFill>
@@ -1755,7 +1818,7 @@
               </a:spcBef>
               <a:buNone/>
             </a:pPr>
-            <a:endParaRPr b="0" lang="en-GB" sz="3200" spc="-1" strike="noStrike">
+            <a:endParaRPr b="0" lang="en-US" sz="3200" spc="-1" strike="noStrike">
               <a:solidFill>
                 <a:srgbClr val="000000"/>
               </a:solidFill>
@@ -1839,7 +1902,7 @@
             <a:pPr indent="0" algn="ctr">
               <a:buNone/>
             </a:pPr>
-            <a:endParaRPr b="0" lang="en-GB" sz="4400" spc="-1" strike="noStrike">
+            <a:endParaRPr b="0" lang="en-US" sz="4400" spc="-1" strike="noStrike">
               <a:solidFill>
                 <a:srgbClr val="000000"/>
               </a:solidFill>
@@ -1879,7 +1942,7 @@
             <a:pPr indent="0" algn="ctr">
               <a:buNone/>
             </a:pPr>
-            <a:endParaRPr b="0" lang="en-GB" sz="3200" spc="-1" strike="noStrike">
+            <a:endParaRPr b="0" lang="en-US" sz="3200" spc="-1" strike="noStrike">
               <a:solidFill>
                 <a:srgbClr val="000000"/>
               </a:solidFill>
@@ -1941,7 +2004,7 @@
             <a:pPr indent="0" algn="ctr">
               <a:buNone/>
             </a:pPr>
-            <a:endParaRPr b="0" lang="en-GB" sz="4400" spc="-1" strike="noStrike">
+            <a:endParaRPr b="0" lang="en-US" sz="4400" spc="-1" strike="noStrike">
               <a:solidFill>
                 <a:srgbClr val="000000"/>
               </a:solidFill>
@@ -1984,7 +2047,7 @@
               </a:spcBef>
               <a:buNone/>
             </a:pPr>
-            <a:endParaRPr b="0" lang="en-GB" sz="3200" spc="-1" strike="noStrike">
+            <a:endParaRPr b="0" lang="en-US" sz="3200" spc="-1" strike="noStrike">
               <a:solidFill>
                 <a:srgbClr val="000000"/>
               </a:solidFill>
@@ -2046,7 +2109,7 @@
             <a:pPr indent="0" algn="ctr">
               <a:buNone/>
             </a:pPr>
-            <a:endParaRPr b="0" lang="en-GB" sz="4400" spc="-1" strike="noStrike">
+            <a:endParaRPr b="0" lang="en-US" sz="4400" spc="-1" strike="noStrike">
               <a:solidFill>
                 <a:srgbClr val="000000"/>
               </a:solidFill>
@@ -2089,7 +2152,7 @@
               </a:spcBef>
               <a:buNone/>
             </a:pPr>
-            <a:endParaRPr b="0" lang="en-GB" sz="3200" spc="-1" strike="noStrike">
+            <a:endParaRPr b="0" lang="en-US" sz="3200" spc="-1" strike="noStrike">
               <a:solidFill>
                 <a:srgbClr val="000000"/>
               </a:solidFill>
@@ -2132,7 +2195,7 @@
               </a:spcBef>
               <a:buNone/>
             </a:pPr>
-            <a:endParaRPr b="0" lang="en-GB" sz="3200" spc="-1" strike="noStrike">
+            <a:endParaRPr b="0" lang="en-US" sz="3200" spc="-1" strike="noStrike">
               <a:solidFill>
                 <a:srgbClr val="000000"/>
               </a:solidFill>
@@ -2194,7 +2257,7 @@
             <a:pPr indent="0" algn="ctr">
               <a:buNone/>
             </a:pPr>
-            <a:endParaRPr b="0" lang="en-GB" sz="4400" spc="-1" strike="noStrike">
+            <a:endParaRPr b="0" lang="en-US" sz="4400" spc="-1" strike="noStrike">
               <a:solidFill>
                 <a:srgbClr val="000000"/>
               </a:solidFill>
@@ -2254,7 +2317,7 @@
           </a:bodyPr>
           <a:p>
             <a:pPr algn="ctr"/>
-            <a:endParaRPr b="0" lang="en-GB" sz="3200" spc="-1" strike="noStrike">
+            <a:endParaRPr b="0" lang="en-US" sz="3200" spc="-1" strike="noStrike">
               <a:solidFill>
                 <a:srgbClr val="000000"/>
               </a:solidFill>
@@ -2316,7 +2379,7 @@
             <a:pPr indent="0" algn="ctr">
               <a:buNone/>
             </a:pPr>
-            <a:endParaRPr b="0" lang="en-GB" sz="4400" spc="-1" strike="noStrike">
+            <a:endParaRPr b="0" lang="en-US" sz="4400" spc="-1" strike="noStrike">
               <a:solidFill>
                 <a:srgbClr val="000000"/>
               </a:solidFill>
@@ -2359,7 +2422,7 @@
               </a:spcBef>
               <a:buNone/>
             </a:pPr>
-            <a:endParaRPr b="0" lang="en-GB" sz="3200" spc="-1" strike="noStrike">
+            <a:endParaRPr b="0" lang="en-US" sz="3200" spc="-1" strike="noStrike">
               <a:solidFill>
                 <a:srgbClr val="000000"/>
               </a:solidFill>
@@ -2402,7 +2465,7 @@
               </a:spcBef>
               <a:buNone/>
             </a:pPr>
-            <a:endParaRPr b="0" lang="en-GB" sz="3200" spc="-1" strike="noStrike">
+            <a:endParaRPr b="0" lang="en-US" sz="3200" spc="-1" strike="noStrike">
               <a:solidFill>
                 <a:srgbClr val="000000"/>
               </a:solidFill>
@@ -2445,7 +2508,7 @@
               </a:spcBef>
               <a:buNone/>
             </a:pPr>
-            <a:endParaRPr b="0" lang="en-GB" sz="3200" spc="-1" strike="noStrike">
+            <a:endParaRPr b="0" lang="en-US" sz="3200" spc="-1" strike="noStrike">
               <a:solidFill>
                 <a:srgbClr val="000000"/>
               </a:solidFill>
@@ -2507,7 +2570,7 @@
             <a:pPr indent="0" algn="ctr">
               <a:buNone/>
             </a:pPr>
-            <a:endParaRPr b="0" lang="en-GB" sz="4400" spc="-1" strike="noStrike">
+            <a:endParaRPr b="0" lang="en-US" sz="4400" spc="-1" strike="noStrike">
               <a:solidFill>
                 <a:srgbClr val="000000"/>
               </a:solidFill>
@@ -2547,7 +2610,7 @@
             <a:pPr indent="0" algn="ctr">
               <a:buNone/>
             </a:pPr>
-            <a:endParaRPr b="0" lang="en-GB" sz="3200" spc="-1" strike="noStrike">
+            <a:endParaRPr b="0" lang="en-US" sz="3200" spc="-1" strike="noStrike">
               <a:solidFill>
                 <a:srgbClr val="000000"/>
               </a:solidFill>
@@ -2609,7 +2672,7 @@
             <a:pPr indent="0" algn="ctr">
               <a:buNone/>
             </a:pPr>
-            <a:endParaRPr b="0" lang="en-GB" sz="4400" spc="-1" strike="noStrike">
+            <a:endParaRPr b="0" lang="en-US" sz="4400" spc="-1" strike="noStrike">
               <a:solidFill>
                 <a:srgbClr val="000000"/>
               </a:solidFill>
@@ -2652,7 +2715,7 @@
               </a:spcBef>
               <a:buNone/>
             </a:pPr>
-            <a:endParaRPr b="0" lang="en-GB" sz="3200" spc="-1" strike="noStrike">
+            <a:endParaRPr b="0" lang="en-US" sz="3200" spc="-1" strike="noStrike">
               <a:solidFill>
                 <a:srgbClr val="000000"/>
               </a:solidFill>
@@ -2695,7 +2758,7 @@
               </a:spcBef>
               <a:buNone/>
             </a:pPr>
-            <a:endParaRPr b="0" lang="en-GB" sz="3200" spc="-1" strike="noStrike">
+            <a:endParaRPr b="0" lang="en-US" sz="3200" spc="-1" strike="noStrike">
               <a:solidFill>
                 <a:srgbClr val="000000"/>
               </a:solidFill>
@@ -2738,7 +2801,7 @@
               </a:spcBef>
               <a:buNone/>
             </a:pPr>
-            <a:endParaRPr b="0" lang="en-GB" sz="3200" spc="-1" strike="noStrike">
+            <a:endParaRPr b="0" lang="en-US" sz="3200" spc="-1" strike="noStrike">
               <a:solidFill>
                 <a:srgbClr val="000000"/>
               </a:solidFill>
@@ -2800,7 +2863,7 @@
             <a:pPr indent="0" algn="ctr">
               <a:buNone/>
             </a:pPr>
-            <a:endParaRPr b="0" lang="en-GB" sz="4400" spc="-1" strike="noStrike">
+            <a:endParaRPr b="0" lang="en-US" sz="4400" spc="-1" strike="noStrike">
               <a:solidFill>
                 <a:srgbClr val="000000"/>
               </a:solidFill>
@@ -2843,7 +2906,7 @@
               </a:spcBef>
               <a:buNone/>
             </a:pPr>
-            <a:endParaRPr b="0" lang="en-GB" sz="3200" spc="-1" strike="noStrike">
+            <a:endParaRPr b="0" lang="en-US" sz="3200" spc="-1" strike="noStrike">
               <a:solidFill>
                 <a:srgbClr val="000000"/>
               </a:solidFill>
@@ -2886,7 +2949,7 @@
               </a:spcBef>
               <a:buNone/>
             </a:pPr>
-            <a:endParaRPr b="0" lang="en-GB" sz="3200" spc="-1" strike="noStrike">
+            <a:endParaRPr b="0" lang="en-US" sz="3200" spc="-1" strike="noStrike">
               <a:solidFill>
                 <a:srgbClr val="000000"/>
               </a:solidFill>
@@ -2929,7 +2992,7 @@
               </a:spcBef>
               <a:buNone/>
             </a:pPr>
-            <a:endParaRPr b="0" lang="en-GB" sz="3200" spc="-1" strike="noStrike">
+            <a:endParaRPr b="0" lang="en-US" sz="3200" spc="-1" strike="noStrike">
               <a:solidFill>
                 <a:srgbClr val="000000"/>
               </a:solidFill>
@@ -2991,7 +3054,7 @@
             <a:pPr indent="0" algn="ctr">
               <a:buNone/>
             </a:pPr>
-            <a:endParaRPr b="0" lang="en-GB" sz="4400" spc="-1" strike="noStrike">
+            <a:endParaRPr b="0" lang="en-US" sz="4400" spc="-1" strike="noStrike">
               <a:solidFill>
                 <a:srgbClr val="000000"/>
               </a:solidFill>
@@ -3034,7 +3097,7 @@
               </a:spcBef>
               <a:buNone/>
             </a:pPr>
-            <a:endParaRPr b="0" lang="en-GB" sz="3200" spc="-1" strike="noStrike">
+            <a:endParaRPr b="0" lang="en-US" sz="3200" spc="-1" strike="noStrike">
               <a:solidFill>
                 <a:srgbClr val="000000"/>
               </a:solidFill>
@@ -3077,7 +3140,7 @@
               </a:spcBef>
               <a:buNone/>
             </a:pPr>
-            <a:endParaRPr b="0" lang="en-GB" sz="3200" spc="-1" strike="noStrike">
+            <a:endParaRPr b="0" lang="en-US" sz="3200" spc="-1" strike="noStrike">
               <a:solidFill>
                 <a:srgbClr val="000000"/>
               </a:solidFill>
@@ -3139,7 +3202,7 @@
             <a:pPr indent="0" algn="ctr">
               <a:buNone/>
             </a:pPr>
-            <a:endParaRPr b="0" lang="en-GB" sz="4400" spc="-1" strike="noStrike">
+            <a:endParaRPr b="0" lang="en-US" sz="4400" spc="-1" strike="noStrike">
               <a:solidFill>
                 <a:srgbClr val="000000"/>
               </a:solidFill>
@@ -3182,7 +3245,7 @@
               </a:spcBef>
               <a:buNone/>
             </a:pPr>
-            <a:endParaRPr b="0" lang="en-GB" sz="3200" spc="-1" strike="noStrike">
+            <a:endParaRPr b="0" lang="en-US" sz="3200" spc="-1" strike="noStrike">
               <a:solidFill>
                 <a:srgbClr val="000000"/>
               </a:solidFill>
@@ -3225,7 +3288,7 @@
               </a:spcBef>
               <a:buNone/>
             </a:pPr>
-            <a:endParaRPr b="0" lang="en-GB" sz="3200" spc="-1" strike="noStrike">
+            <a:endParaRPr b="0" lang="en-US" sz="3200" spc="-1" strike="noStrike">
               <a:solidFill>
                 <a:srgbClr val="000000"/>
               </a:solidFill>
@@ -3268,7 +3331,7 @@
               </a:spcBef>
               <a:buNone/>
             </a:pPr>
-            <a:endParaRPr b="0" lang="en-GB" sz="3200" spc="-1" strike="noStrike">
+            <a:endParaRPr b="0" lang="en-US" sz="3200" spc="-1" strike="noStrike">
               <a:solidFill>
                 <a:srgbClr val="000000"/>
               </a:solidFill>
@@ -3311,7 +3374,7 @@
               </a:spcBef>
               <a:buNone/>
             </a:pPr>
-            <a:endParaRPr b="0" lang="en-GB" sz="3200" spc="-1" strike="noStrike">
+            <a:endParaRPr b="0" lang="en-US" sz="3200" spc="-1" strike="noStrike">
               <a:solidFill>
                 <a:srgbClr val="000000"/>
               </a:solidFill>
@@ -3373,7 +3436,7 @@
             <a:pPr indent="0" algn="ctr">
               <a:buNone/>
             </a:pPr>
-            <a:endParaRPr b="0" lang="en-GB" sz="4400" spc="-1" strike="noStrike">
+            <a:endParaRPr b="0" lang="en-US" sz="4400" spc="-1" strike="noStrike">
               <a:solidFill>
                 <a:srgbClr val="000000"/>
               </a:solidFill>
@@ -3416,7 +3479,7 @@
               </a:spcBef>
               <a:buNone/>
             </a:pPr>
-            <a:endParaRPr b="0" lang="en-GB" sz="3200" spc="-1" strike="noStrike">
+            <a:endParaRPr b="0" lang="en-US" sz="3200" spc="-1" strike="noStrike">
               <a:solidFill>
                 <a:srgbClr val="000000"/>
               </a:solidFill>
@@ -3459,7 +3522,7 @@
               </a:spcBef>
               <a:buNone/>
             </a:pPr>
-            <a:endParaRPr b="0" lang="en-GB" sz="3200" spc="-1" strike="noStrike">
+            <a:endParaRPr b="0" lang="en-US" sz="3200" spc="-1" strike="noStrike">
               <a:solidFill>
                 <a:srgbClr val="000000"/>
               </a:solidFill>
@@ -3502,7 +3565,7 @@
               </a:spcBef>
               <a:buNone/>
             </a:pPr>
-            <a:endParaRPr b="0" lang="en-GB" sz="3200" spc="-1" strike="noStrike">
+            <a:endParaRPr b="0" lang="en-US" sz="3200" spc="-1" strike="noStrike">
               <a:solidFill>
                 <a:srgbClr val="000000"/>
               </a:solidFill>
@@ -3545,7 +3608,7 @@
               </a:spcBef>
               <a:buNone/>
             </a:pPr>
-            <a:endParaRPr b="0" lang="en-GB" sz="3200" spc="-1" strike="noStrike">
+            <a:endParaRPr b="0" lang="en-US" sz="3200" spc="-1" strike="noStrike">
               <a:solidFill>
                 <a:srgbClr val="000000"/>
               </a:solidFill>
@@ -3588,7 +3651,7 @@
               </a:spcBef>
               <a:buNone/>
             </a:pPr>
-            <a:endParaRPr b="0" lang="en-GB" sz="3200" spc="-1" strike="noStrike">
+            <a:endParaRPr b="0" lang="en-US" sz="3200" spc="-1" strike="noStrike">
               <a:solidFill>
                 <a:srgbClr val="000000"/>
               </a:solidFill>
@@ -3631,7 +3694,7 @@
               </a:spcBef>
               <a:buNone/>
             </a:pPr>
-            <a:endParaRPr b="0" lang="en-GB" sz="3200" spc="-1" strike="noStrike">
+            <a:endParaRPr b="0" lang="en-US" sz="3200" spc="-1" strike="noStrike">
               <a:solidFill>
                 <a:srgbClr val="000000"/>
               </a:solidFill>
@@ -3715,7 +3778,7 @@
             <a:pPr indent="0" algn="ctr">
               <a:buNone/>
             </a:pPr>
-            <a:endParaRPr b="0" lang="en-GB" sz="4400" spc="-1" strike="noStrike">
+            <a:endParaRPr b="0" lang="en-US" sz="4400" spc="-1" strike="noStrike">
               <a:solidFill>
                 <a:srgbClr val="000000"/>
               </a:solidFill>
@@ -3755,7 +3818,7 @@
             <a:pPr indent="0" algn="ctr">
               <a:buNone/>
             </a:pPr>
-            <a:endParaRPr b="0" lang="en-GB" sz="3200" spc="-1" strike="noStrike">
+            <a:endParaRPr b="0" lang="en-US" sz="3200" spc="-1" strike="noStrike">
               <a:solidFill>
                 <a:srgbClr val="000000"/>
               </a:solidFill>
@@ -3817,7 +3880,7 @@
             <a:pPr indent="0" algn="ctr">
               <a:buNone/>
             </a:pPr>
-            <a:endParaRPr b="0" lang="en-GB" sz="4400" spc="-1" strike="noStrike">
+            <a:endParaRPr b="0" lang="en-US" sz="4400" spc="-1" strike="noStrike">
               <a:solidFill>
                 <a:srgbClr val="000000"/>
               </a:solidFill>
@@ -3860,7 +3923,7 @@
               </a:spcBef>
               <a:buNone/>
             </a:pPr>
-            <a:endParaRPr b="0" lang="en-GB" sz="3200" spc="-1" strike="noStrike">
+            <a:endParaRPr b="0" lang="en-US" sz="3200" spc="-1" strike="noStrike">
               <a:solidFill>
                 <a:srgbClr val="000000"/>
               </a:solidFill>
@@ -3922,7 +3985,7 @@
             <a:pPr indent="0" algn="ctr">
               <a:buNone/>
             </a:pPr>
-            <a:endParaRPr b="0" lang="en-GB" sz="4400" spc="-1" strike="noStrike">
+            <a:endParaRPr b="0" lang="en-US" sz="4400" spc="-1" strike="noStrike">
               <a:solidFill>
                 <a:srgbClr val="000000"/>
               </a:solidFill>
@@ -3965,7 +4028,7 @@
               </a:spcBef>
               <a:buNone/>
             </a:pPr>
-            <a:endParaRPr b="0" lang="en-GB" sz="3200" spc="-1" strike="noStrike">
+            <a:endParaRPr b="0" lang="en-US" sz="3200" spc="-1" strike="noStrike">
               <a:solidFill>
                 <a:srgbClr val="000000"/>
               </a:solidFill>
@@ -4008,7 +4071,7 @@
               </a:spcBef>
               <a:buNone/>
             </a:pPr>
-            <a:endParaRPr b="0" lang="en-GB" sz="3200" spc="-1" strike="noStrike">
+            <a:endParaRPr b="0" lang="en-US" sz="3200" spc="-1" strike="noStrike">
               <a:solidFill>
                 <a:srgbClr val="000000"/>
               </a:solidFill>
@@ -4070,7 +4133,7 @@
             <a:pPr indent="0" algn="ctr">
               <a:buNone/>
             </a:pPr>
-            <a:endParaRPr b="0" lang="en-GB" sz="4400" spc="-1" strike="noStrike">
+            <a:endParaRPr b="0" lang="en-US" sz="4400" spc="-1" strike="noStrike">
               <a:solidFill>
                 <a:srgbClr val="000000"/>
               </a:solidFill>
@@ -4132,7 +4195,7 @@
             <a:pPr indent="0" algn="ctr">
               <a:buNone/>
             </a:pPr>
-            <a:endParaRPr b="0" lang="en-GB" sz="4400" spc="-1" strike="noStrike">
+            <a:endParaRPr b="0" lang="en-US" sz="4400" spc="-1" strike="noStrike">
               <a:solidFill>
                 <a:srgbClr val="000000"/>
               </a:solidFill>
@@ -4175,7 +4238,7 @@
               </a:spcBef>
               <a:buNone/>
             </a:pPr>
-            <a:endParaRPr b="0" lang="en-GB" sz="3200" spc="-1" strike="noStrike">
+            <a:endParaRPr b="0" lang="en-US" sz="3200" spc="-1" strike="noStrike">
               <a:solidFill>
                 <a:srgbClr val="000000"/>
               </a:solidFill>
@@ -4235,7 +4298,7 @@
           </a:bodyPr>
           <a:p>
             <a:pPr algn="ctr"/>
-            <a:endParaRPr b="0" lang="en-GB" sz="3200" spc="-1" strike="noStrike">
+            <a:endParaRPr b="0" lang="en-US" sz="3200" spc="-1" strike="noStrike">
               <a:solidFill>
                 <a:srgbClr val="000000"/>
               </a:solidFill>
@@ -4297,7 +4360,7 @@
             <a:pPr indent="0" algn="ctr">
               <a:buNone/>
             </a:pPr>
-            <a:endParaRPr b="0" lang="en-GB" sz="4400" spc="-1" strike="noStrike">
+            <a:endParaRPr b="0" lang="en-US" sz="4400" spc="-1" strike="noStrike">
               <a:solidFill>
                 <a:srgbClr val="000000"/>
               </a:solidFill>
@@ -4340,7 +4403,7 @@
               </a:spcBef>
               <a:buNone/>
             </a:pPr>
-            <a:endParaRPr b="0" lang="en-GB" sz="3200" spc="-1" strike="noStrike">
+            <a:endParaRPr b="0" lang="en-US" sz="3200" spc="-1" strike="noStrike">
               <a:solidFill>
                 <a:srgbClr val="000000"/>
               </a:solidFill>
@@ -4383,7 +4446,7 @@
               </a:spcBef>
               <a:buNone/>
             </a:pPr>
-            <a:endParaRPr b="0" lang="en-GB" sz="3200" spc="-1" strike="noStrike">
+            <a:endParaRPr b="0" lang="en-US" sz="3200" spc="-1" strike="noStrike">
               <a:solidFill>
                 <a:srgbClr val="000000"/>
               </a:solidFill>
@@ -4426,7 +4489,7 @@
               </a:spcBef>
               <a:buNone/>
             </a:pPr>
-            <a:endParaRPr b="0" lang="en-GB" sz="3200" spc="-1" strike="noStrike">
+            <a:endParaRPr b="0" lang="en-US" sz="3200" spc="-1" strike="noStrike">
               <a:solidFill>
                 <a:srgbClr val="000000"/>
               </a:solidFill>
@@ -4488,7 +4551,7 @@
             <a:pPr indent="0" algn="ctr">
               <a:buNone/>
             </a:pPr>
-            <a:endParaRPr b="0" lang="en-GB" sz="4400" spc="-1" strike="noStrike">
+            <a:endParaRPr b="0" lang="en-US" sz="4400" spc="-1" strike="noStrike">
               <a:solidFill>
                 <a:srgbClr val="000000"/>
               </a:solidFill>
@@ -4531,7 +4594,7 @@
               </a:spcBef>
               <a:buNone/>
             </a:pPr>
-            <a:endParaRPr b="0" lang="en-GB" sz="3200" spc="-1" strike="noStrike">
+            <a:endParaRPr b="0" lang="en-US" sz="3200" spc="-1" strike="noStrike">
               <a:solidFill>
                 <a:srgbClr val="000000"/>
               </a:solidFill>
@@ -4574,7 +4637,7 @@
               </a:spcBef>
               <a:buNone/>
             </a:pPr>
-            <a:endParaRPr b="0" lang="en-GB" sz="3200" spc="-1" strike="noStrike">
+            <a:endParaRPr b="0" lang="en-US" sz="3200" spc="-1" strike="noStrike">
               <a:solidFill>
                 <a:srgbClr val="000000"/>
               </a:solidFill>
@@ -4617,7 +4680,7 @@
               </a:spcBef>
               <a:buNone/>
             </a:pPr>
-            <a:endParaRPr b="0" lang="en-GB" sz="3200" spc="-1" strike="noStrike">
+            <a:endParaRPr b="0" lang="en-US" sz="3200" spc="-1" strike="noStrike">
               <a:solidFill>
                 <a:srgbClr val="000000"/>
               </a:solidFill>
@@ -4679,7 +4742,7 @@
             <a:pPr indent="0" algn="ctr">
               <a:buNone/>
             </a:pPr>
-            <a:endParaRPr b="0" lang="en-GB" sz="4400" spc="-1" strike="noStrike">
+            <a:endParaRPr b="0" lang="en-US" sz="4400" spc="-1" strike="noStrike">
               <a:solidFill>
                 <a:srgbClr val="000000"/>
               </a:solidFill>
@@ -4722,7 +4785,7 @@
               </a:spcBef>
               <a:buNone/>
             </a:pPr>
-            <a:endParaRPr b="0" lang="en-GB" sz="3200" spc="-1" strike="noStrike">
+            <a:endParaRPr b="0" lang="en-US" sz="3200" spc="-1" strike="noStrike">
               <a:solidFill>
                 <a:srgbClr val="000000"/>
               </a:solidFill>
@@ -4765,7 +4828,7 @@
               </a:spcBef>
               <a:buNone/>
             </a:pPr>
-            <a:endParaRPr b="0" lang="en-GB" sz="3200" spc="-1" strike="noStrike">
+            <a:endParaRPr b="0" lang="en-US" sz="3200" spc="-1" strike="noStrike">
               <a:solidFill>
                 <a:srgbClr val="000000"/>
               </a:solidFill>
@@ -4808,7 +4871,7 @@
               </a:spcBef>
               <a:buNone/>
             </a:pPr>
-            <a:endParaRPr b="0" lang="en-GB" sz="3200" spc="-1" strike="noStrike">
+            <a:endParaRPr b="0" lang="en-US" sz="3200" spc="-1" strike="noStrike">
               <a:solidFill>
                 <a:srgbClr val="000000"/>
               </a:solidFill>
@@ -4870,7 +4933,7 @@
             <a:pPr indent="0" algn="ctr">
               <a:buNone/>
             </a:pPr>
-            <a:endParaRPr b="0" lang="en-GB" sz="4400" spc="-1" strike="noStrike">
+            <a:endParaRPr b="0" lang="en-US" sz="4400" spc="-1" strike="noStrike">
               <a:solidFill>
                 <a:srgbClr val="000000"/>
               </a:solidFill>
@@ -4913,7 +4976,7 @@
               </a:spcBef>
               <a:buNone/>
             </a:pPr>
-            <a:endParaRPr b="0" lang="en-GB" sz="3200" spc="-1" strike="noStrike">
+            <a:endParaRPr b="0" lang="en-US" sz="3200" spc="-1" strike="noStrike">
               <a:solidFill>
                 <a:srgbClr val="000000"/>
               </a:solidFill>
@@ -4956,7 +5019,7 @@
               </a:spcBef>
               <a:buNone/>
             </a:pPr>
-            <a:endParaRPr b="0" lang="en-GB" sz="3200" spc="-1" strike="noStrike">
+            <a:endParaRPr b="0" lang="en-US" sz="3200" spc="-1" strike="noStrike">
               <a:solidFill>
                 <a:srgbClr val="000000"/>
               </a:solidFill>
@@ -5018,7 +5081,7 @@
             <a:pPr indent="0" algn="ctr">
               <a:buNone/>
             </a:pPr>
-            <a:endParaRPr b="0" lang="en-GB" sz="4400" spc="-1" strike="noStrike">
+            <a:endParaRPr b="0" lang="en-US" sz="4400" spc="-1" strike="noStrike">
               <a:solidFill>
                 <a:srgbClr val="000000"/>
               </a:solidFill>
@@ -5061,7 +5124,7 @@
               </a:spcBef>
               <a:buNone/>
             </a:pPr>
-            <a:endParaRPr b="0" lang="en-GB" sz="3200" spc="-1" strike="noStrike">
+            <a:endParaRPr b="0" lang="en-US" sz="3200" spc="-1" strike="noStrike">
               <a:solidFill>
                 <a:srgbClr val="000000"/>
               </a:solidFill>
@@ -5104,7 +5167,7 @@
               </a:spcBef>
               <a:buNone/>
             </a:pPr>
-            <a:endParaRPr b="0" lang="en-GB" sz="3200" spc="-1" strike="noStrike">
+            <a:endParaRPr b="0" lang="en-US" sz="3200" spc="-1" strike="noStrike">
               <a:solidFill>
                 <a:srgbClr val="000000"/>
               </a:solidFill>
@@ -5147,7 +5210,7 @@
               </a:spcBef>
               <a:buNone/>
             </a:pPr>
-            <a:endParaRPr b="0" lang="en-GB" sz="3200" spc="-1" strike="noStrike">
+            <a:endParaRPr b="0" lang="en-US" sz="3200" spc="-1" strike="noStrike">
               <a:solidFill>
                 <a:srgbClr val="000000"/>
               </a:solidFill>
@@ -5190,7 +5253,7 @@
               </a:spcBef>
               <a:buNone/>
             </a:pPr>
-            <a:endParaRPr b="0" lang="en-GB" sz="3200" spc="-1" strike="noStrike">
+            <a:endParaRPr b="0" lang="en-US" sz="3200" spc="-1" strike="noStrike">
               <a:solidFill>
                 <a:srgbClr val="000000"/>
               </a:solidFill>
@@ -5252,7 +5315,7 @@
             <a:pPr indent="0" algn="ctr">
               <a:buNone/>
             </a:pPr>
-            <a:endParaRPr b="0" lang="en-GB" sz="4400" spc="-1" strike="noStrike">
+            <a:endParaRPr b="0" lang="en-US" sz="4400" spc="-1" strike="noStrike">
               <a:solidFill>
                 <a:srgbClr val="000000"/>
               </a:solidFill>
@@ -5295,7 +5358,7 @@
               </a:spcBef>
               <a:buNone/>
             </a:pPr>
-            <a:endParaRPr b="0" lang="en-GB" sz="3200" spc="-1" strike="noStrike">
+            <a:endParaRPr b="0" lang="en-US" sz="3200" spc="-1" strike="noStrike">
               <a:solidFill>
                 <a:srgbClr val="000000"/>
               </a:solidFill>
@@ -5338,7 +5401,7 @@
               </a:spcBef>
               <a:buNone/>
             </a:pPr>
-            <a:endParaRPr b="0" lang="en-GB" sz="3200" spc="-1" strike="noStrike">
+            <a:endParaRPr b="0" lang="en-US" sz="3200" spc="-1" strike="noStrike">
               <a:solidFill>
                 <a:srgbClr val="000000"/>
               </a:solidFill>
@@ -5381,7 +5444,7 @@
               </a:spcBef>
               <a:buNone/>
             </a:pPr>
-            <a:endParaRPr b="0" lang="en-GB" sz="3200" spc="-1" strike="noStrike">
+            <a:endParaRPr b="0" lang="en-US" sz="3200" spc="-1" strike="noStrike">
               <a:solidFill>
                 <a:srgbClr val="000000"/>
               </a:solidFill>
@@ -5424,7 +5487,7 @@
               </a:spcBef>
               <a:buNone/>
             </a:pPr>
-            <a:endParaRPr b="0" lang="en-GB" sz="3200" spc="-1" strike="noStrike">
+            <a:endParaRPr b="0" lang="en-US" sz="3200" spc="-1" strike="noStrike">
               <a:solidFill>
                 <a:srgbClr val="000000"/>
               </a:solidFill>
@@ -5467,7 +5530,7 @@
               </a:spcBef>
               <a:buNone/>
             </a:pPr>
-            <a:endParaRPr b="0" lang="en-GB" sz="3200" spc="-1" strike="noStrike">
+            <a:endParaRPr b="0" lang="en-US" sz="3200" spc="-1" strike="noStrike">
               <a:solidFill>
                 <a:srgbClr val="000000"/>
               </a:solidFill>
@@ -5510,7 +5573,7 @@
               </a:spcBef>
               <a:buNone/>
             </a:pPr>
-            <a:endParaRPr b="0" lang="en-GB" sz="3200" spc="-1" strike="noStrike">
+            <a:endParaRPr b="0" lang="en-US" sz="3200" spc="-1" strike="noStrike">
               <a:solidFill>
                 <a:srgbClr val="000000"/>
               </a:solidFill>
@@ -5594,7 +5657,7 @@
             <a:pPr indent="0" algn="ctr">
               <a:buNone/>
             </a:pPr>
-            <a:endParaRPr b="0" lang="en-GB" sz="4400" spc="-1" strike="noStrike">
+            <a:endParaRPr b="0" lang="en-US" sz="4400" spc="-1" strike="noStrike">
               <a:solidFill>
                 <a:srgbClr val="000000"/>
               </a:solidFill>
@@ -5634,7 +5697,7 @@
             <a:pPr indent="0" algn="ctr">
               <a:buNone/>
             </a:pPr>
-            <a:endParaRPr b="0" lang="en-GB" sz="3200" spc="-1" strike="noStrike">
+            <a:endParaRPr b="0" lang="en-US" sz="3200" spc="-1" strike="noStrike">
               <a:solidFill>
                 <a:srgbClr val="000000"/>
               </a:solidFill>
@@ -5696,7 +5759,7 @@
             <a:pPr indent="0" algn="ctr">
               <a:buNone/>
             </a:pPr>
-            <a:endParaRPr b="0" lang="en-GB" sz="4400" spc="-1" strike="noStrike">
+            <a:endParaRPr b="0" lang="en-US" sz="4400" spc="-1" strike="noStrike">
               <a:solidFill>
                 <a:srgbClr val="000000"/>
               </a:solidFill>
@@ -5739,7 +5802,7 @@
               </a:spcBef>
               <a:buNone/>
             </a:pPr>
-            <a:endParaRPr b="0" lang="en-GB" sz="3200" spc="-1" strike="noStrike">
+            <a:endParaRPr b="0" lang="en-US" sz="3200" spc="-1" strike="noStrike">
               <a:solidFill>
                 <a:srgbClr val="000000"/>
               </a:solidFill>
@@ -5801,7 +5864,7 @@
             <a:pPr indent="0" algn="ctr">
               <a:buNone/>
             </a:pPr>
-            <a:endParaRPr b="0" lang="en-GB" sz="4400" spc="-1" strike="noStrike">
+            <a:endParaRPr b="0" lang="en-US" sz="4400" spc="-1" strike="noStrike">
               <a:solidFill>
                 <a:srgbClr val="000000"/>
               </a:solidFill>
@@ -5844,7 +5907,7 @@
               </a:spcBef>
               <a:buNone/>
             </a:pPr>
-            <a:endParaRPr b="0" lang="en-GB" sz="3200" spc="-1" strike="noStrike">
+            <a:endParaRPr b="0" lang="en-US" sz="3200" spc="-1" strike="noStrike">
               <a:solidFill>
                 <a:srgbClr val="000000"/>
               </a:solidFill>
@@ -5887,7 +5950,7 @@
               </a:spcBef>
               <a:buNone/>
             </a:pPr>
-            <a:endParaRPr b="0" lang="en-GB" sz="3200" spc="-1" strike="noStrike">
+            <a:endParaRPr b="0" lang="en-US" sz="3200" spc="-1" strike="noStrike">
               <a:solidFill>
                 <a:srgbClr val="000000"/>
               </a:solidFill>
@@ -5949,7 +6012,7 @@
             <a:pPr indent="0" algn="ctr">
               <a:buNone/>
             </a:pPr>
-            <a:endParaRPr b="0" lang="en-GB" sz="4400" spc="-1" strike="noStrike">
+            <a:endParaRPr b="0" lang="en-US" sz="4400" spc="-1" strike="noStrike">
               <a:solidFill>
                 <a:srgbClr val="000000"/>
               </a:solidFill>
@@ -5992,7 +6055,7 @@
               </a:spcBef>
               <a:buNone/>
             </a:pPr>
-            <a:endParaRPr b="0" lang="en-GB" sz="3200" spc="-1" strike="noStrike">
+            <a:endParaRPr b="0" lang="en-US" sz="3200" spc="-1" strike="noStrike">
               <a:solidFill>
                 <a:srgbClr val="000000"/>
               </a:solidFill>
@@ -6035,7 +6098,7 @@
               </a:spcBef>
               <a:buNone/>
             </a:pPr>
-            <a:endParaRPr b="0" lang="en-GB" sz="3200" spc="-1" strike="noStrike">
+            <a:endParaRPr b="0" lang="en-US" sz="3200" spc="-1" strike="noStrike">
               <a:solidFill>
                 <a:srgbClr val="000000"/>
               </a:solidFill>
@@ -6097,7 +6160,7 @@
             <a:pPr indent="0" algn="ctr">
               <a:buNone/>
             </a:pPr>
-            <a:endParaRPr b="0" lang="en-GB" sz="4400" spc="-1" strike="noStrike">
+            <a:endParaRPr b="0" lang="en-US" sz="4400" spc="-1" strike="noStrike">
               <a:solidFill>
                 <a:srgbClr val="000000"/>
               </a:solidFill>
@@ -6157,7 +6220,7 @@
           </a:bodyPr>
           <a:p>
             <a:pPr algn="ctr"/>
-            <a:endParaRPr b="0" lang="en-GB" sz="3200" spc="-1" strike="noStrike">
+            <a:endParaRPr b="0" lang="en-US" sz="3200" spc="-1" strike="noStrike">
               <a:solidFill>
                 <a:srgbClr val="000000"/>
               </a:solidFill>
@@ -6219,7 +6282,7 @@
             <a:pPr indent="0" algn="ctr">
               <a:buNone/>
             </a:pPr>
-            <a:endParaRPr b="0" lang="en-GB" sz="4400" spc="-1" strike="noStrike">
+            <a:endParaRPr b="0" lang="en-US" sz="4400" spc="-1" strike="noStrike">
               <a:solidFill>
                 <a:srgbClr val="000000"/>
               </a:solidFill>
@@ -6262,7 +6325,7 @@
               </a:spcBef>
               <a:buNone/>
             </a:pPr>
-            <a:endParaRPr b="0" lang="en-GB" sz="3200" spc="-1" strike="noStrike">
+            <a:endParaRPr b="0" lang="en-US" sz="3200" spc="-1" strike="noStrike">
               <a:solidFill>
                 <a:srgbClr val="000000"/>
               </a:solidFill>
@@ -6305,7 +6368,7 @@
               </a:spcBef>
               <a:buNone/>
             </a:pPr>
-            <a:endParaRPr b="0" lang="en-GB" sz="3200" spc="-1" strike="noStrike">
+            <a:endParaRPr b="0" lang="en-US" sz="3200" spc="-1" strike="noStrike">
               <a:solidFill>
                 <a:srgbClr val="000000"/>
               </a:solidFill>
@@ -6348,7 +6411,7 @@
               </a:spcBef>
               <a:buNone/>
             </a:pPr>
-            <a:endParaRPr b="0" lang="en-GB" sz="3200" spc="-1" strike="noStrike">
+            <a:endParaRPr b="0" lang="en-US" sz="3200" spc="-1" strike="noStrike">
               <a:solidFill>
                 <a:srgbClr val="000000"/>
               </a:solidFill>
@@ -6410,7 +6473,7 @@
             <a:pPr indent="0" algn="ctr">
               <a:buNone/>
             </a:pPr>
-            <a:endParaRPr b="0" lang="en-GB" sz="4400" spc="-1" strike="noStrike">
+            <a:endParaRPr b="0" lang="en-US" sz="4400" spc="-1" strike="noStrike">
               <a:solidFill>
                 <a:srgbClr val="000000"/>
               </a:solidFill>
@@ -6453,7 +6516,7 @@
               </a:spcBef>
               <a:buNone/>
             </a:pPr>
-            <a:endParaRPr b="0" lang="en-GB" sz="3200" spc="-1" strike="noStrike">
+            <a:endParaRPr b="0" lang="en-US" sz="3200" spc="-1" strike="noStrike">
               <a:solidFill>
                 <a:srgbClr val="000000"/>
               </a:solidFill>
@@ -6496,7 +6559,7 @@
               </a:spcBef>
               <a:buNone/>
             </a:pPr>
-            <a:endParaRPr b="0" lang="en-GB" sz="3200" spc="-1" strike="noStrike">
+            <a:endParaRPr b="0" lang="en-US" sz="3200" spc="-1" strike="noStrike">
               <a:solidFill>
                 <a:srgbClr val="000000"/>
               </a:solidFill>
@@ -6539,7 +6602,7 @@
               </a:spcBef>
               <a:buNone/>
             </a:pPr>
-            <a:endParaRPr b="0" lang="en-GB" sz="3200" spc="-1" strike="noStrike">
+            <a:endParaRPr b="0" lang="en-US" sz="3200" spc="-1" strike="noStrike">
               <a:solidFill>
                 <a:srgbClr val="000000"/>
               </a:solidFill>
@@ -6601,7 +6664,7 @@
             <a:pPr indent="0" algn="ctr">
               <a:buNone/>
             </a:pPr>
-            <a:endParaRPr b="0" lang="en-GB" sz="4400" spc="-1" strike="noStrike">
+            <a:endParaRPr b="0" lang="en-US" sz="4400" spc="-1" strike="noStrike">
               <a:solidFill>
                 <a:srgbClr val="000000"/>
               </a:solidFill>
@@ -6644,7 +6707,7 @@
               </a:spcBef>
               <a:buNone/>
             </a:pPr>
-            <a:endParaRPr b="0" lang="en-GB" sz="3200" spc="-1" strike="noStrike">
+            <a:endParaRPr b="0" lang="en-US" sz="3200" spc="-1" strike="noStrike">
               <a:solidFill>
                 <a:srgbClr val="000000"/>
               </a:solidFill>
@@ -6687,7 +6750,7 @@
               </a:spcBef>
               <a:buNone/>
             </a:pPr>
-            <a:endParaRPr b="0" lang="en-GB" sz="3200" spc="-1" strike="noStrike">
+            <a:endParaRPr b="0" lang="en-US" sz="3200" spc="-1" strike="noStrike">
               <a:solidFill>
                 <a:srgbClr val="000000"/>
               </a:solidFill>
@@ -6730,7 +6793,7 @@
               </a:spcBef>
               <a:buNone/>
             </a:pPr>
-            <a:endParaRPr b="0" lang="en-GB" sz="3200" spc="-1" strike="noStrike">
+            <a:endParaRPr b="0" lang="en-US" sz="3200" spc="-1" strike="noStrike">
               <a:solidFill>
                 <a:srgbClr val="000000"/>
               </a:solidFill>
@@ -6792,7 +6855,7 @@
             <a:pPr indent="0" algn="ctr">
               <a:buNone/>
             </a:pPr>
-            <a:endParaRPr b="0" lang="en-GB" sz="4400" spc="-1" strike="noStrike">
+            <a:endParaRPr b="0" lang="en-US" sz="4400" spc="-1" strike="noStrike">
               <a:solidFill>
                 <a:srgbClr val="000000"/>
               </a:solidFill>
@@ -6835,7 +6898,7 @@
               </a:spcBef>
               <a:buNone/>
             </a:pPr>
-            <a:endParaRPr b="0" lang="en-GB" sz="3200" spc="-1" strike="noStrike">
+            <a:endParaRPr b="0" lang="en-US" sz="3200" spc="-1" strike="noStrike">
               <a:solidFill>
                 <a:srgbClr val="000000"/>
               </a:solidFill>
@@ -6878,7 +6941,7 @@
               </a:spcBef>
               <a:buNone/>
             </a:pPr>
-            <a:endParaRPr b="0" lang="en-GB" sz="3200" spc="-1" strike="noStrike">
+            <a:endParaRPr b="0" lang="en-US" sz="3200" spc="-1" strike="noStrike">
               <a:solidFill>
                 <a:srgbClr val="000000"/>
               </a:solidFill>
@@ -6940,7 +7003,7 @@
             <a:pPr indent="0" algn="ctr">
               <a:buNone/>
             </a:pPr>
-            <a:endParaRPr b="0" lang="en-GB" sz="4400" spc="-1" strike="noStrike">
+            <a:endParaRPr b="0" lang="en-US" sz="4400" spc="-1" strike="noStrike">
               <a:solidFill>
                 <a:srgbClr val="000000"/>
               </a:solidFill>
@@ -6983,7 +7046,7 @@
               </a:spcBef>
               <a:buNone/>
             </a:pPr>
-            <a:endParaRPr b="0" lang="en-GB" sz="3200" spc="-1" strike="noStrike">
+            <a:endParaRPr b="0" lang="en-US" sz="3200" spc="-1" strike="noStrike">
               <a:solidFill>
                 <a:srgbClr val="000000"/>
               </a:solidFill>
@@ -7026,7 +7089,7 @@
               </a:spcBef>
               <a:buNone/>
             </a:pPr>
-            <a:endParaRPr b="0" lang="en-GB" sz="3200" spc="-1" strike="noStrike">
+            <a:endParaRPr b="0" lang="en-US" sz="3200" spc="-1" strike="noStrike">
               <a:solidFill>
                 <a:srgbClr val="000000"/>
               </a:solidFill>
@@ -7069,7 +7132,7 @@
               </a:spcBef>
               <a:buNone/>
             </a:pPr>
-            <a:endParaRPr b="0" lang="en-GB" sz="3200" spc="-1" strike="noStrike">
+            <a:endParaRPr b="0" lang="en-US" sz="3200" spc="-1" strike="noStrike">
               <a:solidFill>
                 <a:srgbClr val="000000"/>
               </a:solidFill>
@@ -7112,7 +7175,7 @@
               </a:spcBef>
               <a:buNone/>
             </a:pPr>
-            <a:endParaRPr b="0" lang="en-GB" sz="3200" spc="-1" strike="noStrike">
+            <a:endParaRPr b="0" lang="en-US" sz="3200" spc="-1" strike="noStrike">
               <a:solidFill>
                 <a:srgbClr val="000000"/>
               </a:solidFill>
@@ -7174,7 +7237,7 @@
             <a:pPr indent="0" algn="ctr">
               <a:buNone/>
             </a:pPr>
-            <a:endParaRPr b="0" lang="en-GB" sz="4400" spc="-1" strike="noStrike">
+            <a:endParaRPr b="0" lang="en-US" sz="4400" spc="-1" strike="noStrike">
               <a:solidFill>
                 <a:srgbClr val="000000"/>
               </a:solidFill>
@@ -7217,7 +7280,7 @@
               </a:spcBef>
               <a:buNone/>
             </a:pPr>
-            <a:endParaRPr b="0" lang="en-GB" sz="3200" spc="-1" strike="noStrike">
+            <a:endParaRPr b="0" lang="en-US" sz="3200" spc="-1" strike="noStrike">
               <a:solidFill>
                 <a:srgbClr val="000000"/>
               </a:solidFill>
@@ -7260,7 +7323,7 @@
               </a:spcBef>
               <a:buNone/>
             </a:pPr>
-            <a:endParaRPr b="0" lang="en-GB" sz="3200" spc="-1" strike="noStrike">
+            <a:endParaRPr b="0" lang="en-US" sz="3200" spc="-1" strike="noStrike">
               <a:solidFill>
                 <a:srgbClr val="000000"/>
               </a:solidFill>
@@ -7303,7 +7366,7 @@
               </a:spcBef>
               <a:buNone/>
             </a:pPr>
-            <a:endParaRPr b="0" lang="en-GB" sz="3200" spc="-1" strike="noStrike">
+            <a:endParaRPr b="0" lang="en-US" sz="3200" spc="-1" strike="noStrike">
               <a:solidFill>
                 <a:srgbClr val="000000"/>
               </a:solidFill>
@@ -7346,7 +7409,7 @@
               </a:spcBef>
               <a:buNone/>
             </a:pPr>
-            <a:endParaRPr b="0" lang="en-GB" sz="3200" spc="-1" strike="noStrike">
+            <a:endParaRPr b="0" lang="en-US" sz="3200" spc="-1" strike="noStrike">
               <a:solidFill>
                 <a:srgbClr val="000000"/>
               </a:solidFill>
@@ -7389,7 +7452,7 @@
               </a:spcBef>
               <a:buNone/>
             </a:pPr>
-            <a:endParaRPr b="0" lang="en-GB" sz="3200" spc="-1" strike="noStrike">
+            <a:endParaRPr b="0" lang="en-US" sz="3200" spc="-1" strike="noStrike">
               <a:solidFill>
                 <a:srgbClr val="000000"/>
               </a:solidFill>
@@ -7432,7 +7495,7 @@
               </a:spcBef>
               <a:buNone/>
             </a:pPr>
-            <a:endParaRPr b="0" lang="en-GB" sz="3200" spc="-1" strike="noStrike">
+            <a:endParaRPr b="0" lang="en-US" sz="3200" spc="-1" strike="noStrike">
               <a:solidFill>
                 <a:srgbClr val="000000"/>
               </a:solidFill>
@@ -7494,7 +7557,7 @@
             <a:pPr indent="0" algn="ctr">
               <a:buNone/>
             </a:pPr>
-            <a:endParaRPr b="0" lang="en-GB" sz="4400" spc="-1" strike="noStrike">
+            <a:endParaRPr b="0" lang="en-US" sz="4400" spc="-1" strike="noStrike">
               <a:solidFill>
                 <a:srgbClr val="000000"/>
               </a:solidFill>
@@ -7554,7 +7617,7 @@
           </a:bodyPr>
           <a:p>
             <a:pPr algn="ctr"/>
-            <a:endParaRPr b="0" lang="en-GB" sz="3200" spc="-1" strike="noStrike">
+            <a:endParaRPr b="0" lang="en-US" sz="3200" spc="-1" strike="noStrike">
               <a:solidFill>
                 <a:srgbClr val="000000"/>
               </a:solidFill>
@@ -7616,7 +7679,7 @@
             <a:pPr indent="0" algn="ctr">
               <a:buNone/>
             </a:pPr>
-            <a:endParaRPr b="0" lang="en-GB" sz="4400" spc="-1" strike="noStrike">
+            <a:endParaRPr b="0" lang="en-US" sz="4400" spc="-1" strike="noStrike">
               <a:solidFill>
                 <a:srgbClr val="000000"/>
               </a:solidFill>
@@ -7659,7 +7722,7 @@
               </a:spcBef>
               <a:buNone/>
             </a:pPr>
-            <a:endParaRPr b="0" lang="en-GB" sz="3200" spc="-1" strike="noStrike">
+            <a:endParaRPr b="0" lang="en-US" sz="3200" spc="-1" strike="noStrike">
               <a:solidFill>
                 <a:srgbClr val="000000"/>
               </a:solidFill>
@@ -7702,7 +7765,7 @@
               </a:spcBef>
               <a:buNone/>
             </a:pPr>
-            <a:endParaRPr b="0" lang="en-GB" sz="3200" spc="-1" strike="noStrike">
+            <a:endParaRPr b="0" lang="en-US" sz="3200" spc="-1" strike="noStrike">
               <a:solidFill>
                 <a:srgbClr val="000000"/>
               </a:solidFill>
@@ -7745,7 +7808,7 @@
               </a:spcBef>
               <a:buNone/>
             </a:pPr>
-            <a:endParaRPr b="0" lang="en-GB" sz="3200" spc="-1" strike="noStrike">
+            <a:endParaRPr b="0" lang="en-US" sz="3200" spc="-1" strike="noStrike">
               <a:solidFill>
                 <a:srgbClr val="000000"/>
               </a:solidFill>
@@ -7807,7 +7870,7 @@
             <a:pPr indent="0" algn="ctr">
               <a:buNone/>
             </a:pPr>
-            <a:endParaRPr b="0" lang="en-GB" sz="4400" spc="-1" strike="noStrike">
+            <a:endParaRPr b="0" lang="en-US" sz="4400" spc="-1" strike="noStrike">
               <a:solidFill>
                 <a:srgbClr val="000000"/>
               </a:solidFill>
@@ -7850,7 +7913,7 @@
               </a:spcBef>
               <a:buNone/>
             </a:pPr>
-            <a:endParaRPr b="0" lang="en-GB" sz="3200" spc="-1" strike="noStrike">
+            <a:endParaRPr b="0" lang="en-US" sz="3200" spc="-1" strike="noStrike">
               <a:solidFill>
                 <a:srgbClr val="000000"/>
               </a:solidFill>
@@ -7893,7 +7956,7 @@
               </a:spcBef>
               <a:buNone/>
             </a:pPr>
-            <a:endParaRPr b="0" lang="en-GB" sz="3200" spc="-1" strike="noStrike">
+            <a:endParaRPr b="0" lang="en-US" sz="3200" spc="-1" strike="noStrike">
               <a:solidFill>
                 <a:srgbClr val="000000"/>
               </a:solidFill>
@@ -7936,7 +7999,7 @@
               </a:spcBef>
               <a:buNone/>
             </a:pPr>
-            <a:endParaRPr b="0" lang="en-GB" sz="3200" spc="-1" strike="noStrike">
+            <a:endParaRPr b="0" lang="en-US" sz="3200" spc="-1" strike="noStrike">
               <a:solidFill>
                 <a:srgbClr val="000000"/>
               </a:solidFill>
@@ -7998,7 +8061,7 @@
             <a:pPr indent="0" algn="ctr">
               <a:buNone/>
             </a:pPr>
-            <a:endParaRPr b="0" lang="en-GB" sz="4400" spc="-1" strike="noStrike">
+            <a:endParaRPr b="0" lang="en-US" sz="4400" spc="-1" strike="noStrike">
               <a:solidFill>
                 <a:srgbClr val="000000"/>
               </a:solidFill>
@@ -8041,7 +8104,7 @@
               </a:spcBef>
               <a:buNone/>
             </a:pPr>
-            <a:endParaRPr b="0" lang="en-GB" sz="3200" spc="-1" strike="noStrike">
+            <a:endParaRPr b="0" lang="en-US" sz="3200" spc="-1" strike="noStrike">
               <a:solidFill>
                 <a:srgbClr val="000000"/>
               </a:solidFill>
@@ -8084,7 +8147,7 @@
               </a:spcBef>
               <a:buNone/>
             </a:pPr>
-            <a:endParaRPr b="0" lang="en-GB" sz="3200" spc="-1" strike="noStrike">
+            <a:endParaRPr b="0" lang="en-US" sz="3200" spc="-1" strike="noStrike">
               <a:solidFill>
                 <a:srgbClr val="000000"/>
               </a:solidFill>
@@ -8127,7 +8190,7 @@
               </a:spcBef>
               <a:buNone/>
             </a:pPr>
-            <a:endParaRPr b="0" lang="en-GB" sz="3200" spc="-1" strike="noStrike">
+            <a:endParaRPr b="0" lang="en-US" sz="3200" spc="-1" strike="noStrike">
               <a:solidFill>
                 <a:srgbClr val="000000"/>
               </a:solidFill>
@@ -8174,7 +8237,7 @@
         <p:spPr>
           <a:xfrm>
             <a:off x="11444760" y="0"/>
-            <a:ext cx="740160" cy="6849000"/>
+            <a:ext cx="739800" cy="6848640"/>
           </a:xfrm>
           <a:prstGeom prst="rect">
             <a:avLst/>
@@ -8199,11 +8262,17 @@
             <a:noAutofit/>
           </a:bodyPr>
           <a:p>
+            <a:pPr>
+              <a:lnSpc>
+                <a:spcPct val="100000"/>
+              </a:lnSpc>
+            </a:pPr>
             <a:endParaRPr b="0" lang="en-GB" sz="1800" spc="-1" strike="noStrike">
               <a:solidFill>
                 <a:srgbClr val="ffffff"/>
               </a:solidFill>
               <a:latin typeface="Arial"/>
+              <a:ea typeface="DejaVu Sans"/>
             </a:endParaRPr>
           </a:p>
         </p:txBody>
@@ -8217,7 +8286,7 @@
         <p:spPr>
           <a:xfrm>
             <a:off x="11438640" y="6453360"/>
-            <a:ext cx="757080" cy="363960"/>
+            <a:ext cx="756720" cy="363960"/>
           </a:xfrm>
           <a:prstGeom prst="rect">
             <a:avLst/>
@@ -8243,7 +8312,7 @@
                 <a:spcPct val="100000"/>
               </a:lnSpc>
             </a:pPr>
-            <a:fld id="{52D88F8F-1CB3-4510-8616-6DD82585BF3F}" type="slidenum">
+            <a:fld id="{9BD8BC04-90DC-45B0-B607-9E8942A99448}" type="slidenum">
               <a:rPr b="0" lang="en-US" sz="1800" spc="-1" strike="noStrike">
                 <a:solidFill>
                   <a:srgbClr val="808080"/>
@@ -8253,7 +8322,7 @@
               </a:rPr>
               <a:t>&lt;number&gt;</a:t>
             </a:fld>
-            <a:endParaRPr b="0" lang="en-GB" sz="1800" spc="-1" strike="noStrike">
+            <a:endParaRPr b="0" lang="en-US" sz="1800" spc="-1" strike="noStrike">
               <a:solidFill>
                 <a:srgbClr val="000000"/>
               </a:solidFill>
@@ -8271,7 +8340,7 @@
         <p:spPr>
           <a:xfrm>
             <a:off x="912240" y="1268280"/>
-            <a:ext cx="9207000" cy="360360"/>
+            <a:ext cx="9206640" cy="360000"/>
           </a:xfrm>
           <a:prstGeom prst="rect">
             <a:avLst/>
@@ -8292,11 +8361,17 @@
             <a:noAutofit/>
           </a:bodyPr>
           <a:p>
+            <a:pPr>
+              <a:lnSpc>
+                <a:spcPct val="100000"/>
+              </a:lnSpc>
+            </a:pPr>
             <a:endParaRPr b="0" lang="en-GB" sz="1800" spc="-1" strike="noStrike">
               <a:solidFill>
                 <a:srgbClr val="000000"/>
               </a:solidFill>
               <a:latin typeface="Arial"/>
+              <a:ea typeface="DejaVu Sans"/>
             </a:endParaRPr>
           </a:p>
         </p:txBody>
@@ -8314,7 +8389,7 @@
         <p:spPr>
           <a:xfrm>
             <a:off x="0" y="0"/>
-            <a:ext cx="3051000" cy="560880"/>
+            <a:ext cx="3050640" cy="560520"/>
           </a:xfrm>
           <a:prstGeom prst="rect">
             <a:avLst/>
@@ -8337,7 +8412,7 @@
         <p:spPr>
           <a:xfrm>
             <a:off x="7430400" y="134640"/>
-            <a:ext cx="3696840" cy="513000"/>
+            <a:ext cx="3696480" cy="512640"/>
           </a:xfrm>
           <a:prstGeom prst="rect">
             <a:avLst/>
@@ -8356,7 +8431,7 @@
         <p:spPr>
           <a:xfrm>
             <a:off x="912240" y="1268280"/>
-            <a:ext cx="9207000" cy="360360"/>
+            <a:ext cx="9206640" cy="360000"/>
           </a:xfrm>
           <a:prstGeom prst="rect">
             <a:avLst/>
@@ -8377,11 +8452,17 @@
             <a:noAutofit/>
           </a:bodyPr>
           <a:p>
+            <a:pPr>
+              <a:lnSpc>
+                <a:spcPct val="100000"/>
+              </a:lnSpc>
+            </a:pPr>
             <a:endParaRPr b="0" lang="en-GB" sz="1800" spc="-1" strike="noStrike">
               <a:solidFill>
                 <a:srgbClr val="000000"/>
               </a:solidFill>
               <a:latin typeface="Arial"/>
+              <a:ea typeface="DejaVu Sans"/>
             </a:endParaRPr>
           </a:p>
         </p:txBody>
@@ -8395,7 +8476,7 @@
         <p:spPr>
           <a:xfrm>
             <a:off x="11444760" y="0"/>
-            <a:ext cx="740160" cy="6849000"/>
+            <a:ext cx="739800" cy="6848640"/>
           </a:xfrm>
           <a:prstGeom prst="rect">
             <a:avLst/>
@@ -8420,11 +8501,17 @@
             <a:noAutofit/>
           </a:bodyPr>
           <a:p>
+            <a:pPr>
+              <a:lnSpc>
+                <a:spcPct val="100000"/>
+              </a:lnSpc>
+            </a:pPr>
             <a:endParaRPr b="0" lang="en-GB" sz="1800" spc="-1" strike="noStrike">
               <a:solidFill>
                 <a:srgbClr val="ffffff"/>
               </a:solidFill>
               <a:latin typeface="Arial"/>
+              <a:ea typeface="DejaVu Sans"/>
             </a:endParaRPr>
           </a:p>
         </p:txBody>
@@ -8438,7 +8525,7 @@
         <p:spPr>
           <a:xfrm>
             <a:off x="0" y="6646680"/>
-            <a:ext cx="12186360" cy="211320"/>
+            <a:ext cx="12186000" cy="211320"/>
           </a:xfrm>
           <a:prstGeom prst="rect">
             <a:avLst/>
@@ -8474,7 +8561,7 @@
               </a:rPr>
               <a:t>Requirements Engineering – TU Clausthal</a:t>
             </a:r>
-            <a:endParaRPr b="0" lang="en-GB" sz="800" spc="-1" strike="noStrike">
+            <a:endParaRPr b="0" lang="en-US" sz="800" spc="-1" strike="noStrike">
               <a:solidFill>
                 <a:srgbClr val="000000"/>
               </a:solidFill>
@@ -8515,15 +8602,78 @@
               <a:buNone/>
             </a:pPr>
             <a:r>
-              <a:rPr b="0" lang="en-GB" sz="4400" spc="-1" strike="noStrike">
+              <a:rPr b="0" lang="en-US" sz="4400" spc="-1" strike="noStrike">
                 <a:solidFill>
                   <a:srgbClr val="000000"/>
                 </a:solidFill>
                 <a:latin typeface="Arial"/>
               </a:rPr>
-              <a:t>Click to edit the title text format</a:t>
-            </a:r>
-            <a:endParaRPr b="0" lang="en-GB" sz="4400" spc="-1" strike="noStrike">
+              <a:t>Click </a:t>
+            </a:r>
+            <a:r>
+              <a:rPr b="0" lang="en-US" sz="4400" spc="-1" strike="noStrike">
+                <a:solidFill>
+                  <a:srgbClr val="000000"/>
+                </a:solidFill>
+                <a:latin typeface="Arial"/>
+              </a:rPr>
+              <a:t>to </a:t>
+            </a:r>
+            <a:r>
+              <a:rPr b="0" lang="en-US" sz="4400" spc="-1" strike="noStrike">
+                <a:solidFill>
+                  <a:srgbClr val="000000"/>
+                </a:solidFill>
+                <a:latin typeface="Arial"/>
+              </a:rPr>
+              <a:t>edit </a:t>
+            </a:r>
+            <a:r>
+              <a:rPr b="0" lang="en-US" sz="4400" spc="-1" strike="noStrike">
+                <a:solidFill>
+                  <a:srgbClr val="000000"/>
+                </a:solidFill>
+                <a:latin typeface="Arial"/>
+              </a:rPr>
+              <a:t>the </a:t>
+            </a:r>
+            <a:r>
+              <a:rPr b="0" lang="en-US" sz="4400" spc="-1" strike="noStrike">
+                <a:solidFill>
+                  <a:srgbClr val="000000"/>
+                </a:solidFill>
+                <a:latin typeface="Arial"/>
+              </a:rPr>
+              <a:t>title </a:t>
+            </a:r>
+            <a:r>
+              <a:rPr b="0" lang="en-US" sz="4400" spc="-1" strike="noStrike">
+                <a:solidFill>
+                  <a:srgbClr val="000000"/>
+                </a:solidFill>
+                <a:latin typeface="Arial"/>
+              </a:rPr>
+              <a:t>text </a:t>
+            </a:r>
+            <a:r>
+              <a:rPr b="0" lang="en-US" sz="4400" spc="-1" strike="noStrike">
+                <a:solidFill>
+                  <a:srgbClr val="000000"/>
+                </a:solidFill>
+                <a:latin typeface="Arial"/>
+              </a:rPr>
+              <a:t>form</a:t>
+            </a:r>
+            <a:r>
+              <a:rPr b="0" lang="en-US" sz="4400" spc="-1" strike="noStrike">
+                <a:solidFill>
+                  <a:srgbClr val="000000"/>
+                </a:solidFill>
+                <a:latin typeface="Arial"/>
+              </a:rPr>
+              <a:t>at</a:t>
+            </a:r>
+            <a:endParaRPr b="0" lang="en-US" sz="4400" spc="-1" strike="noStrike">
               <a:solidFill>
                 <a:srgbClr val="000000"/>
               </a:solidFill>
@@ -8572,7 +8722,7 @@
               <a:buChar char=""/>
             </a:pPr>
             <a:r>
-              <a:rPr b="0" lang="en-GB" sz="3200" spc="-1" strike="noStrike">
+              <a:rPr b="0" lang="en-US" sz="3200" spc="-1" strike="noStrike">
                 <a:solidFill>
                   <a:srgbClr val="000000"/>
                 </a:solidFill>
@@ -8580,7 +8730,7 @@
               </a:rPr>
               <a:t>Click to edit the outline text format</a:t>
             </a:r>
-            <a:endParaRPr b="0" lang="en-GB" sz="3200" spc="-1" strike="noStrike">
+            <a:endParaRPr b="0" lang="en-US" sz="3200" spc="-1" strike="noStrike">
               <a:solidFill>
                 <a:srgbClr val="000000"/>
               </a:solidFill>
@@ -8600,7 +8750,7 @@
               <a:buChar char=""/>
             </a:pPr>
             <a:r>
-              <a:rPr b="0" lang="en-GB" sz="2800" spc="-1" strike="noStrike">
+              <a:rPr b="0" lang="en-US" sz="2800" spc="-1" strike="noStrike">
                 <a:solidFill>
                   <a:srgbClr val="000000"/>
                 </a:solidFill>
@@ -8608,7 +8758,7 @@
               </a:rPr>
               <a:t>Second Outline Level</a:t>
             </a:r>
-            <a:endParaRPr b="0" lang="en-GB" sz="2800" spc="-1" strike="noStrike">
+            <a:endParaRPr b="0" lang="en-US" sz="2800" spc="-1" strike="noStrike">
               <a:solidFill>
                 <a:srgbClr val="000000"/>
               </a:solidFill>
@@ -8628,7 +8778,7 @@
               <a:buChar char=""/>
             </a:pPr>
             <a:r>
-              <a:rPr b="0" lang="en-GB" sz="2400" spc="-1" strike="noStrike">
+              <a:rPr b="0" lang="en-US" sz="2400" spc="-1" strike="noStrike">
                 <a:solidFill>
                   <a:srgbClr val="000000"/>
                 </a:solidFill>
@@ -8636,7 +8786,7 @@
               </a:rPr>
               <a:t>Third Outline Level</a:t>
             </a:r>
-            <a:endParaRPr b="0" lang="en-GB" sz="2400" spc="-1" strike="noStrike">
+            <a:endParaRPr b="0" lang="en-US" sz="2400" spc="-1" strike="noStrike">
               <a:solidFill>
                 <a:srgbClr val="000000"/>
               </a:solidFill>
@@ -8656,7 +8806,7 @@
               <a:buChar char=""/>
             </a:pPr>
             <a:r>
-              <a:rPr b="0" lang="en-GB" sz="2000" spc="-1" strike="noStrike">
+              <a:rPr b="0" lang="en-US" sz="2000" spc="-1" strike="noStrike">
                 <a:solidFill>
                   <a:srgbClr val="000000"/>
                 </a:solidFill>
@@ -8664,7 +8814,7 @@
               </a:rPr>
               <a:t>Fourth Outline Level</a:t>
             </a:r>
-            <a:endParaRPr b="0" lang="en-GB" sz="2000" spc="-1" strike="noStrike">
+            <a:endParaRPr b="0" lang="en-US" sz="2000" spc="-1" strike="noStrike">
               <a:solidFill>
                 <a:srgbClr val="000000"/>
               </a:solidFill>
@@ -8684,7 +8834,7 @@
               <a:buChar char=""/>
             </a:pPr>
             <a:r>
-              <a:rPr b="0" lang="en-GB" sz="2000" spc="-1" strike="noStrike">
+              <a:rPr b="0" lang="en-US" sz="2000" spc="-1" strike="noStrike">
                 <a:solidFill>
                   <a:srgbClr val="000000"/>
                 </a:solidFill>
@@ -8692,7 +8842,7 @@
               </a:rPr>
               <a:t>Fifth Outline Level</a:t>
             </a:r>
-            <a:endParaRPr b="0" lang="en-GB" sz="2000" spc="-1" strike="noStrike">
+            <a:endParaRPr b="0" lang="en-US" sz="2000" spc="-1" strike="noStrike">
               <a:solidFill>
                 <a:srgbClr val="000000"/>
               </a:solidFill>
@@ -8712,7 +8862,7 @@
               <a:buChar char=""/>
             </a:pPr>
             <a:r>
-              <a:rPr b="0" lang="en-GB" sz="2000" spc="-1" strike="noStrike">
+              <a:rPr b="0" lang="en-US" sz="2000" spc="-1" strike="noStrike">
                 <a:solidFill>
                   <a:srgbClr val="000000"/>
                 </a:solidFill>
@@ -8720,7 +8870,7 @@
               </a:rPr>
               <a:t>Sixth Outline Level</a:t>
             </a:r>
-            <a:endParaRPr b="0" lang="en-GB" sz="2000" spc="-1" strike="noStrike">
+            <a:endParaRPr b="0" lang="en-US" sz="2000" spc="-1" strike="noStrike">
               <a:solidFill>
                 <a:srgbClr val="000000"/>
               </a:solidFill>
@@ -8740,7 +8890,7 @@
               <a:buChar char=""/>
             </a:pPr>
             <a:r>
-              <a:rPr b="0" lang="en-GB" sz="2000" spc="-1" strike="noStrike">
+              <a:rPr b="0" lang="en-US" sz="2000" spc="-1" strike="noStrike">
                 <a:solidFill>
                   <a:srgbClr val="000000"/>
                 </a:solidFill>
@@ -8748,7 +8898,7 @@
               </a:rPr>
               <a:t>Seventh Outline Level</a:t>
             </a:r>
-            <a:endParaRPr b="0" lang="en-GB" sz="2000" spc="-1" strike="noStrike">
+            <a:endParaRPr b="0" lang="en-US" sz="2000" spc="-1" strike="noStrike">
               <a:solidFill>
                 <a:srgbClr val="000000"/>
               </a:solidFill>
@@ -8810,7 +8960,7 @@
         <p:spPr>
           <a:xfrm>
             <a:off x="11444760" y="0"/>
-            <a:ext cx="740160" cy="6849000"/>
+            <a:ext cx="739800" cy="6848640"/>
           </a:xfrm>
           <a:prstGeom prst="rect">
             <a:avLst/>
@@ -8835,11 +8985,17 @@
             <a:noAutofit/>
           </a:bodyPr>
           <a:p>
+            <a:pPr>
+              <a:lnSpc>
+                <a:spcPct val="100000"/>
+              </a:lnSpc>
+            </a:pPr>
             <a:endParaRPr b="0" lang="en-GB" sz="1800" spc="-1" strike="noStrike">
               <a:solidFill>
                 <a:srgbClr val="ffffff"/>
               </a:solidFill>
               <a:latin typeface="Arial"/>
+              <a:ea typeface="DejaVu Sans"/>
             </a:endParaRPr>
           </a:p>
         </p:txBody>
@@ -8853,7 +9009,7 @@
         <p:spPr>
           <a:xfrm>
             <a:off x="11438640" y="6453360"/>
-            <a:ext cx="757080" cy="363960"/>
+            <a:ext cx="756720" cy="363960"/>
           </a:xfrm>
           <a:prstGeom prst="rect">
             <a:avLst/>
@@ -8879,7 +9035,7 @@
                 <a:spcPct val="100000"/>
               </a:lnSpc>
             </a:pPr>
-            <a:fld id="{78B3D2F1-ECF2-4B2A-B2D5-A3377CAE9F3A}" type="slidenum">
+            <a:fld id="{B8E605D0-A78E-43DC-A7AD-F6A53C0C30DC}" type="slidenum">
               <a:rPr b="0" lang="en-US" sz="1800" spc="-1" strike="noStrike">
                 <a:solidFill>
                   <a:srgbClr val="808080"/>
@@ -8889,7 +9045,7 @@
               </a:rPr>
               <a:t>&lt;number&gt;</a:t>
             </a:fld>
-            <a:endParaRPr b="0" lang="en-GB" sz="1800" spc="-1" strike="noStrike">
+            <a:endParaRPr b="0" lang="en-US" sz="1800" spc="-1" strike="noStrike">
               <a:solidFill>
                 <a:srgbClr val="000000"/>
               </a:solidFill>
@@ -8907,7 +9063,7 @@
         <p:spPr>
           <a:xfrm>
             <a:off x="912240" y="1268280"/>
-            <a:ext cx="9207000" cy="360360"/>
+            <a:ext cx="9206640" cy="360000"/>
           </a:xfrm>
           <a:prstGeom prst="rect">
             <a:avLst/>
@@ -8928,11 +9084,17 @@
             <a:noAutofit/>
           </a:bodyPr>
           <a:p>
+            <a:pPr>
+              <a:lnSpc>
+                <a:spcPct val="100000"/>
+              </a:lnSpc>
+            </a:pPr>
             <a:endParaRPr b="0" lang="en-GB" sz="1800" spc="-1" strike="noStrike">
               <a:solidFill>
                 <a:srgbClr val="000000"/>
               </a:solidFill>
               <a:latin typeface="Arial"/>
+              <a:ea typeface="DejaVu Sans"/>
             </a:endParaRPr>
           </a:p>
         </p:txBody>
@@ -8950,7 +9112,7 @@
         <p:spPr>
           <a:xfrm>
             <a:off x="0" y="0"/>
-            <a:ext cx="3051000" cy="560880"/>
+            <a:ext cx="3050640" cy="560520"/>
           </a:xfrm>
           <a:prstGeom prst="rect">
             <a:avLst/>
@@ -8973,7 +9135,7 @@
         <p:spPr>
           <a:xfrm>
             <a:off x="7430400" y="134640"/>
-            <a:ext cx="3696840" cy="513000"/>
+            <a:ext cx="3696480" cy="512640"/>
           </a:xfrm>
           <a:prstGeom prst="rect">
             <a:avLst/>
@@ -8992,7 +9154,7 @@
         <p:spPr>
           <a:xfrm>
             <a:off x="912240" y="1268280"/>
-            <a:ext cx="9207000" cy="360360"/>
+            <a:ext cx="9206640" cy="360000"/>
           </a:xfrm>
           <a:prstGeom prst="rect">
             <a:avLst/>
@@ -9013,11 +9175,17 @@
             <a:noAutofit/>
           </a:bodyPr>
           <a:p>
+            <a:pPr>
+              <a:lnSpc>
+                <a:spcPct val="100000"/>
+              </a:lnSpc>
+            </a:pPr>
             <a:endParaRPr b="0" lang="en-GB" sz="1800" spc="-1" strike="noStrike">
               <a:solidFill>
                 <a:srgbClr val="000000"/>
               </a:solidFill>
               <a:latin typeface="Arial"/>
+              <a:ea typeface="DejaVu Sans"/>
             </a:endParaRPr>
           </a:p>
         </p:txBody>
@@ -9031,7 +9199,7 @@
         <p:spPr>
           <a:xfrm>
             <a:off x="11444760" y="0"/>
-            <a:ext cx="740160" cy="6849000"/>
+            <a:ext cx="739800" cy="6848640"/>
           </a:xfrm>
           <a:prstGeom prst="rect">
             <a:avLst/>
@@ -9056,11 +9224,17 @@
             <a:noAutofit/>
           </a:bodyPr>
           <a:p>
+            <a:pPr>
+              <a:lnSpc>
+                <a:spcPct val="100000"/>
+              </a:lnSpc>
+            </a:pPr>
             <a:endParaRPr b="0" lang="en-GB" sz="1800" spc="-1" strike="noStrike">
               <a:solidFill>
                 <a:srgbClr val="ffffff"/>
               </a:solidFill>
               <a:latin typeface="Arial"/>
+              <a:ea typeface="DejaVu Sans"/>
             </a:endParaRPr>
           </a:p>
         </p:txBody>
@@ -9074,7 +9248,7 @@
         <p:spPr>
           <a:xfrm>
             <a:off x="0" y="6646680"/>
-            <a:ext cx="12186360" cy="211320"/>
+            <a:ext cx="12186000" cy="211320"/>
           </a:xfrm>
           <a:prstGeom prst="rect">
             <a:avLst/>
@@ -9110,7 +9284,7 @@
               </a:rPr>
               <a:t>Requirements Engineering – TU Clausthal</a:t>
             </a:r>
-            <a:endParaRPr b="0" lang="en-GB" sz="800" spc="-1" strike="noStrike">
+            <a:endParaRPr b="0" lang="en-US" sz="800" spc="-1" strike="noStrike">
               <a:solidFill>
                 <a:srgbClr val="000000"/>
               </a:solidFill>
@@ -9151,15 +9325,78 @@
               <a:buNone/>
             </a:pPr>
             <a:r>
-              <a:rPr b="0" lang="en-GB" sz="4400" spc="-1" strike="noStrike">
+              <a:rPr b="0" lang="en-US" sz="4400" spc="-1" strike="noStrike">
                 <a:solidFill>
                   <a:srgbClr val="000000"/>
                 </a:solidFill>
                 <a:latin typeface="Arial"/>
               </a:rPr>
-              <a:t>Click to edit the title text format</a:t>
-            </a:r>
-            <a:endParaRPr b="0" lang="en-GB" sz="4400" spc="-1" strike="noStrike">
+              <a:t>Click </a:t>
+            </a:r>
+            <a:r>
+              <a:rPr b="0" lang="en-US" sz="4400" spc="-1" strike="noStrike">
+                <a:solidFill>
+                  <a:srgbClr val="000000"/>
+                </a:solidFill>
+                <a:latin typeface="Arial"/>
+              </a:rPr>
+              <a:t>to </a:t>
+            </a:r>
+            <a:r>
+              <a:rPr b="0" lang="en-US" sz="4400" spc="-1" strike="noStrike">
+                <a:solidFill>
+                  <a:srgbClr val="000000"/>
+                </a:solidFill>
+                <a:latin typeface="Arial"/>
+              </a:rPr>
+              <a:t>edit </a:t>
+            </a:r>
+            <a:r>
+              <a:rPr b="0" lang="en-US" sz="4400" spc="-1" strike="noStrike">
+                <a:solidFill>
+                  <a:srgbClr val="000000"/>
+                </a:solidFill>
+                <a:latin typeface="Arial"/>
+              </a:rPr>
+              <a:t>the </a:t>
+            </a:r>
+            <a:r>
+              <a:rPr b="0" lang="en-US" sz="4400" spc="-1" strike="noStrike">
+                <a:solidFill>
+                  <a:srgbClr val="000000"/>
+                </a:solidFill>
+                <a:latin typeface="Arial"/>
+              </a:rPr>
+              <a:t>title </a:t>
+            </a:r>
+            <a:r>
+              <a:rPr b="0" lang="en-US" sz="4400" spc="-1" strike="noStrike">
+                <a:solidFill>
+                  <a:srgbClr val="000000"/>
+                </a:solidFill>
+                <a:latin typeface="Arial"/>
+              </a:rPr>
+              <a:t>text </a:t>
+            </a:r>
+            <a:r>
+              <a:rPr b="0" lang="en-US" sz="4400" spc="-1" strike="noStrike">
+                <a:solidFill>
+                  <a:srgbClr val="000000"/>
+                </a:solidFill>
+                <a:latin typeface="Arial"/>
+              </a:rPr>
+              <a:t>form</a:t>
+            </a:r>
+            <a:r>
+              <a:rPr b="0" lang="en-US" sz="4400" spc="-1" strike="noStrike">
+                <a:solidFill>
+                  <a:srgbClr val="000000"/>
+                </a:solidFill>
+                <a:latin typeface="Arial"/>
+              </a:rPr>
+              <a:t>at</a:t>
+            </a:r>
+            <a:endParaRPr b="0" lang="en-US" sz="4400" spc="-1" strike="noStrike">
               <a:solidFill>
                 <a:srgbClr val="000000"/>
               </a:solidFill>
@@ -9208,7 +9445,7 @@
               <a:buChar char=""/>
             </a:pPr>
             <a:r>
-              <a:rPr b="0" lang="en-GB" sz="3200" spc="-1" strike="noStrike">
+              <a:rPr b="0" lang="en-US" sz="3200" spc="-1" strike="noStrike">
                 <a:solidFill>
                   <a:srgbClr val="000000"/>
                 </a:solidFill>
@@ -9216,7 +9453,7 @@
               </a:rPr>
               <a:t>Click to edit the outline text format</a:t>
             </a:r>
-            <a:endParaRPr b="0" lang="en-GB" sz="3200" spc="-1" strike="noStrike">
+            <a:endParaRPr b="0" lang="en-US" sz="3200" spc="-1" strike="noStrike">
               <a:solidFill>
                 <a:srgbClr val="000000"/>
               </a:solidFill>
@@ -9236,7 +9473,7 @@
               <a:buChar char=""/>
             </a:pPr>
             <a:r>
-              <a:rPr b="0" lang="en-GB" sz="2800" spc="-1" strike="noStrike">
+              <a:rPr b="0" lang="en-US" sz="2800" spc="-1" strike="noStrike">
                 <a:solidFill>
                   <a:srgbClr val="000000"/>
                 </a:solidFill>
@@ -9244,7 +9481,7 @@
               </a:rPr>
               <a:t>Second Outline Level</a:t>
             </a:r>
-            <a:endParaRPr b="0" lang="en-GB" sz="2800" spc="-1" strike="noStrike">
+            <a:endParaRPr b="0" lang="en-US" sz="2800" spc="-1" strike="noStrike">
               <a:solidFill>
                 <a:srgbClr val="000000"/>
               </a:solidFill>
@@ -9264,7 +9501,7 @@
               <a:buChar char=""/>
             </a:pPr>
             <a:r>
-              <a:rPr b="0" lang="en-GB" sz="2400" spc="-1" strike="noStrike">
+              <a:rPr b="0" lang="en-US" sz="2400" spc="-1" strike="noStrike">
                 <a:solidFill>
                   <a:srgbClr val="000000"/>
                 </a:solidFill>
@@ -9272,7 +9509,7 @@
               </a:rPr>
               <a:t>Third Outline Level</a:t>
             </a:r>
-            <a:endParaRPr b="0" lang="en-GB" sz="2400" spc="-1" strike="noStrike">
+            <a:endParaRPr b="0" lang="en-US" sz="2400" spc="-1" strike="noStrike">
               <a:solidFill>
                 <a:srgbClr val="000000"/>
               </a:solidFill>
@@ -9292,7 +9529,7 @@
               <a:buChar char=""/>
             </a:pPr>
             <a:r>
-              <a:rPr b="0" lang="en-GB" sz="2000" spc="-1" strike="noStrike">
+              <a:rPr b="0" lang="en-US" sz="2000" spc="-1" strike="noStrike">
                 <a:solidFill>
                   <a:srgbClr val="000000"/>
                 </a:solidFill>
@@ -9300,7 +9537,7 @@
               </a:rPr>
               <a:t>Fourth Outline Level</a:t>
             </a:r>
-            <a:endParaRPr b="0" lang="en-GB" sz="2000" spc="-1" strike="noStrike">
+            <a:endParaRPr b="0" lang="en-US" sz="2000" spc="-1" strike="noStrike">
               <a:solidFill>
                 <a:srgbClr val="000000"/>
               </a:solidFill>
@@ -9320,7 +9557,7 @@
               <a:buChar char=""/>
             </a:pPr>
             <a:r>
-              <a:rPr b="0" lang="en-GB" sz="2000" spc="-1" strike="noStrike">
+              <a:rPr b="0" lang="en-US" sz="2000" spc="-1" strike="noStrike">
                 <a:solidFill>
                   <a:srgbClr val="000000"/>
                 </a:solidFill>
@@ -9328,7 +9565,7 @@
               </a:rPr>
               <a:t>Fifth Outline Level</a:t>
             </a:r>
-            <a:endParaRPr b="0" lang="en-GB" sz="2000" spc="-1" strike="noStrike">
+            <a:endParaRPr b="0" lang="en-US" sz="2000" spc="-1" strike="noStrike">
               <a:solidFill>
                 <a:srgbClr val="000000"/>
               </a:solidFill>
@@ -9348,7 +9585,7 @@
               <a:buChar char=""/>
             </a:pPr>
             <a:r>
-              <a:rPr b="0" lang="en-GB" sz="2000" spc="-1" strike="noStrike">
+              <a:rPr b="0" lang="en-US" sz="2000" spc="-1" strike="noStrike">
                 <a:solidFill>
                   <a:srgbClr val="000000"/>
                 </a:solidFill>
@@ -9356,7 +9593,7 @@
               </a:rPr>
               <a:t>Sixth Outline Level</a:t>
             </a:r>
-            <a:endParaRPr b="0" lang="en-GB" sz="2000" spc="-1" strike="noStrike">
+            <a:endParaRPr b="0" lang="en-US" sz="2000" spc="-1" strike="noStrike">
               <a:solidFill>
                 <a:srgbClr val="000000"/>
               </a:solidFill>
@@ -9376,7 +9613,7 @@
               <a:buChar char=""/>
             </a:pPr>
             <a:r>
-              <a:rPr b="0" lang="en-GB" sz="2000" spc="-1" strike="noStrike">
+              <a:rPr b="0" lang="en-US" sz="2000" spc="-1" strike="noStrike">
                 <a:solidFill>
                   <a:srgbClr val="000000"/>
                 </a:solidFill>
@@ -9384,7 +9621,7 @@
               </a:rPr>
               <a:t>Seventh Outline Level</a:t>
             </a:r>
-            <a:endParaRPr b="0" lang="en-GB" sz="2000" spc="-1" strike="noStrike">
+            <a:endParaRPr b="0" lang="en-US" sz="2000" spc="-1" strike="noStrike">
               <a:solidFill>
                 <a:srgbClr val="000000"/>
               </a:solidFill>
@@ -9446,7 +9683,7 @@
         <p:spPr>
           <a:xfrm>
             <a:off x="11444760" y="0"/>
-            <a:ext cx="740160" cy="6849000"/>
+            <a:ext cx="739800" cy="6848640"/>
           </a:xfrm>
           <a:prstGeom prst="rect">
             <a:avLst/>
@@ -9471,11 +9708,17 @@
             <a:noAutofit/>
           </a:bodyPr>
           <a:p>
+            <a:pPr>
+              <a:lnSpc>
+                <a:spcPct val="100000"/>
+              </a:lnSpc>
+            </a:pPr>
             <a:endParaRPr b="0" lang="en-GB" sz="1800" spc="-1" strike="noStrike">
               <a:solidFill>
                 <a:srgbClr val="ffffff"/>
               </a:solidFill>
               <a:latin typeface="Arial"/>
+              <a:ea typeface="DejaVu Sans"/>
             </a:endParaRPr>
           </a:p>
         </p:txBody>
@@ -9489,7 +9732,7 @@
         <p:spPr>
           <a:xfrm>
             <a:off x="11438640" y="6453360"/>
-            <a:ext cx="757080" cy="363960"/>
+            <a:ext cx="756720" cy="363960"/>
           </a:xfrm>
           <a:prstGeom prst="rect">
             <a:avLst/>
@@ -9515,7 +9758,7 @@
                 <a:spcPct val="100000"/>
               </a:lnSpc>
             </a:pPr>
-            <a:fld id="{7F2B7030-4F43-4F4B-911A-3D8904D513B2}" type="slidenum">
+            <a:fld id="{E8ADA82A-4D86-4D06-A005-B27ED9A661A3}" type="slidenum">
               <a:rPr b="0" lang="en-US" sz="1800" spc="-1" strike="noStrike">
                 <a:solidFill>
                   <a:srgbClr val="808080"/>
@@ -9525,7 +9768,7 @@
               </a:rPr>
               <a:t>&lt;number&gt;</a:t>
             </a:fld>
-            <a:endParaRPr b="0" lang="en-GB" sz="1800" spc="-1" strike="noStrike">
+            <a:endParaRPr b="0" lang="en-US" sz="1800" spc="-1" strike="noStrike">
               <a:solidFill>
                 <a:srgbClr val="000000"/>
               </a:solidFill>
@@ -9543,7 +9786,7 @@
         <p:spPr>
           <a:xfrm>
             <a:off x="912240" y="1268280"/>
-            <a:ext cx="9207000" cy="360360"/>
+            <a:ext cx="9206640" cy="360000"/>
           </a:xfrm>
           <a:prstGeom prst="rect">
             <a:avLst/>
@@ -9564,11 +9807,17 @@
             <a:noAutofit/>
           </a:bodyPr>
           <a:p>
+            <a:pPr>
+              <a:lnSpc>
+                <a:spcPct val="100000"/>
+              </a:lnSpc>
+            </a:pPr>
             <a:endParaRPr b="0" lang="en-GB" sz="1800" spc="-1" strike="noStrike">
               <a:solidFill>
                 <a:srgbClr val="000000"/>
               </a:solidFill>
               <a:latin typeface="Arial"/>
+              <a:ea typeface="DejaVu Sans"/>
             </a:endParaRPr>
           </a:p>
         </p:txBody>
@@ -9586,7 +9835,7 @@
         <p:spPr>
           <a:xfrm>
             <a:off x="0" y="0"/>
-            <a:ext cx="3051000" cy="560880"/>
+            <a:ext cx="3050640" cy="560520"/>
           </a:xfrm>
           <a:prstGeom prst="rect">
             <a:avLst/>
@@ -9609,7 +9858,7 @@
         <p:spPr>
           <a:xfrm>
             <a:off x="7430400" y="134640"/>
-            <a:ext cx="3696840" cy="513000"/>
+            <a:ext cx="3696480" cy="512640"/>
           </a:xfrm>
           <a:prstGeom prst="rect">
             <a:avLst/>
@@ -9628,7 +9877,7 @@
         <p:spPr>
           <a:xfrm>
             <a:off x="11444760" y="1440"/>
-            <a:ext cx="740160" cy="6849000"/>
+            <a:ext cx="739800" cy="6848640"/>
           </a:xfrm>
           <a:prstGeom prst="rect">
             <a:avLst/>
@@ -9653,11 +9902,17 @@
             <a:noAutofit/>
           </a:bodyPr>
           <a:p>
+            <a:pPr>
+              <a:lnSpc>
+                <a:spcPct val="100000"/>
+              </a:lnSpc>
+            </a:pPr>
             <a:endParaRPr b="0" lang="en-GB" sz="1800" spc="-1" strike="noStrike">
               <a:solidFill>
                 <a:srgbClr val="ffffff"/>
               </a:solidFill>
               <a:latin typeface="Arial"/>
+              <a:ea typeface="DejaVu Sans"/>
             </a:endParaRPr>
           </a:p>
         </p:txBody>
@@ -9671,7 +9926,7 @@
         <p:spPr>
           <a:xfrm>
             <a:off x="11427480" y="6453360"/>
-            <a:ext cx="757080" cy="363960"/>
+            <a:ext cx="756720" cy="363960"/>
           </a:xfrm>
           <a:prstGeom prst="rect">
             <a:avLst/>
@@ -9697,7 +9952,7 @@
                 <a:spcPct val="100000"/>
               </a:lnSpc>
             </a:pPr>
-            <a:fld id="{8D97A4BB-2EC8-485D-A9AB-646DB1D585AA}" type="slidenum">
+            <a:fld id="{0A06FE8B-B64C-4EAD-95C7-62C918C79254}" type="slidenum">
               <a:rPr b="0" lang="en-US" sz="1800" spc="-1" strike="noStrike">
                 <a:solidFill>
                   <a:srgbClr val="808080"/>
@@ -9707,7 +9962,7 @@
               </a:rPr>
               <a:t>&lt;number&gt;</a:t>
             </a:fld>
-            <a:endParaRPr b="0" lang="en-GB" sz="1800" spc="-1" strike="noStrike">
+            <a:endParaRPr b="0" lang="en-US" sz="1800" spc="-1" strike="noStrike">
               <a:solidFill>
                 <a:srgbClr val="000000"/>
               </a:solidFill>
@@ -9725,7 +9980,7 @@
         <p:spPr>
           <a:xfrm>
             <a:off x="0" y="6646680"/>
-            <a:ext cx="12186360" cy="211320"/>
+            <a:ext cx="12186000" cy="211320"/>
           </a:xfrm>
           <a:prstGeom prst="rect">
             <a:avLst/>
@@ -9761,7 +10016,7 @@
               </a:rPr>
               <a:t>Requirements Engineering – TU Clausthal</a:t>
             </a:r>
-            <a:endParaRPr b="0" lang="en-GB" sz="800" spc="-1" strike="noStrike">
+            <a:endParaRPr b="0" lang="en-US" sz="800" spc="-1" strike="noStrike">
               <a:solidFill>
                 <a:srgbClr val="000000"/>
               </a:solidFill>
@@ -9802,15 +10057,78 @@
               <a:buNone/>
             </a:pPr>
             <a:r>
-              <a:rPr b="0" lang="en-GB" sz="4400" spc="-1" strike="noStrike">
+              <a:rPr b="0" lang="en-US" sz="4400" spc="-1" strike="noStrike">
                 <a:solidFill>
                   <a:srgbClr val="000000"/>
                 </a:solidFill>
                 <a:latin typeface="Arial"/>
               </a:rPr>
-              <a:t>Click to edit the title text format</a:t>
-            </a:r>
-            <a:endParaRPr b="0" lang="en-GB" sz="4400" spc="-1" strike="noStrike">
+              <a:t>Click </a:t>
+            </a:r>
+            <a:r>
+              <a:rPr b="0" lang="en-US" sz="4400" spc="-1" strike="noStrike">
+                <a:solidFill>
+                  <a:srgbClr val="000000"/>
+                </a:solidFill>
+                <a:latin typeface="Arial"/>
+              </a:rPr>
+              <a:t>to </a:t>
+            </a:r>
+            <a:r>
+              <a:rPr b="0" lang="en-US" sz="4400" spc="-1" strike="noStrike">
+                <a:solidFill>
+                  <a:srgbClr val="000000"/>
+                </a:solidFill>
+                <a:latin typeface="Arial"/>
+              </a:rPr>
+              <a:t>edit </a:t>
+            </a:r>
+            <a:r>
+              <a:rPr b="0" lang="en-US" sz="4400" spc="-1" strike="noStrike">
+                <a:solidFill>
+                  <a:srgbClr val="000000"/>
+                </a:solidFill>
+                <a:latin typeface="Arial"/>
+              </a:rPr>
+              <a:t>the </a:t>
+            </a:r>
+            <a:r>
+              <a:rPr b="0" lang="en-US" sz="4400" spc="-1" strike="noStrike">
+                <a:solidFill>
+                  <a:srgbClr val="000000"/>
+                </a:solidFill>
+                <a:latin typeface="Arial"/>
+              </a:rPr>
+              <a:t>title </a:t>
+            </a:r>
+            <a:r>
+              <a:rPr b="0" lang="en-US" sz="4400" spc="-1" strike="noStrike">
+                <a:solidFill>
+                  <a:srgbClr val="000000"/>
+                </a:solidFill>
+                <a:latin typeface="Arial"/>
+              </a:rPr>
+              <a:t>text </a:t>
+            </a:r>
+            <a:r>
+              <a:rPr b="0" lang="en-US" sz="4400" spc="-1" strike="noStrike">
+                <a:solidFill>
+                  <a:srgbClr val="000000"/>
+                </a:solidFill>
+                <a:latin typeface="Arial"/>
+              </a:rPr>
+              <a:t>form</a:t>
+            </a:r>
+            <a:r>
+              <a:rPr b="0" lang="en-US" sz="4400" spc="-1" strike="noStrike">
+                <a:solidFill>
+                  <a:srgbClr val="000000"/>
+                </a:solidFill>
+                <a:latin typeface="Arial"/>
+              </a:rPr>
+              <a:t>at</a:t>
+            </a:r>
+            <a:endParaRPr b="0" lang="en-US" sz="4400" spc="-1" strike="noStrike">
               <a:solidFill>
                 <a:srgbClr val="000000"/>
               </a:solidFill>
@@ -9859,7 +10177,7 @@
               <a:buChar char=""/>
             </a:pPr>
             <a:r>
-              <a:rPr b="0" lang="en-GB" sz="3200" spc="-1" strike="noStrike">
+              <a:rPr b="0" lang="en-US" sz="3200" spc="-1" strike="noStrike">
                 <a:solidFill>
                   <a:srgbClr val="000000"/>
                 </a:solidFill>
@@ -9867,7 +10185,7 @@
               </a:rPr>
               <a:t>Click to edit the outline text format</a:t>
             </a:r>
-            <a:endParaRPr b="0" lang="en-GB" sz="3200" spc="-1" strike="noStrike">
+            <a:endParaRPr b="0" lang="en-US" sz="3200" spc="-1" strike="noStrike">
               <a:solidFill>
                 <a:srgbClr val="000000"/>
               </a:solidFill>
@@ -9887,7 +10205,7 @@
               <a:buChar char=""/>
             </a:pPr>
             <a:r>
-              <a:rPr b="0" lang="en-GB" sz="2800" spc="-1" strike="noStrike">
+              <a:rPr b="0" lang="en-US" sz="2800" spc="-1" strike="noStrike">
                 <a:solidFill>
                   <a:srgbClr val="000000"/>
                 </a:solidFill>
@@ -9895,7 +10213,7 @@
               </a:rPr>
               <a:t>Second Outline Level</a:t>
             </a:r>
-            <a:endParaRPr b="0" lang="en-GB" sz="2800" spc="-1" strike="noStrike">
+            <a:endParaRPr b="0" lang="en-US" sz="2800" spc="-1" strike="noStrike">
               <a:solidFill>
                 <a:srgbClr val="000000"/>
               </a:solidFill>
@@ -9915,7 +10233,7 @@
               <a:buChar char=""/>
             </a:pPr>
             <a:r>
-              <a:rPr b="0" lang="en-GB" sz="2400" spc="-1" strike="noStrike">
+              <a:rPr b="0" lang="en-US" sz="2400" spc="-1" strike="noStrike">
                 <a:solidFill>
                   <a:srgbClr val="000000"/>
                 </a:solidFill>
@@ -9923,7 +10241,7 @@
               </a:rPr>
               <a:t>Third Outline Level</a:t>
             </a:r>
-            <a:endParaRPr b="0" lang="en-GB" sz="2400" spc="-1" strike="noStrike">
+            <a:endParaRPr b="0" lang="en-US" sz="2400" spc="-1" strike="noStrike">
               <a:solidFill>
                 <a:srgbClr val="000000"/>
               </a:solidFill>
@@ -9943,7 +10261,7 @@
               <a:buChar char=""/>
             </a:pPr>
             <a:r>
-              <a:rPr b="0" lang="en-GB" sz="2000" spc="-1" strike="noStrike">
+              <a:rPr b="0" lang="en-US" sz="2000" spc="-1" strike="noStrike">
                 <a:solidFill>
                   <a:srgbClr val="000000"/>
                 </a:solidFill>
@@ -9951,7 +10269,7 @@
               </a:rPr>
               <a:t>Fourth Outline Level</a:t>
             </a:r>
-            <a:endParaRPr b="0" lang="en-GB" sz="2000" spc="-1" strike="noStrike">
+            <a:endParaRPr b="0" lang="en-US" sz="2000" spc="-1" strike="noStrike">
               <a:solidFill>
                 <a:srgbClr val="000000"/>
               </a:solidFill>
@@ -9971,7 +10289,7 @@
               <a:buChar char=""/>
             </a:pPr>
             <a:r>
-              <a:rPr b="0" lang="en-GB" sz="2000" spc="-1" strike="noStrike">
+              <a:rPr b="0" lang="en-US" sz="2000" spc="-1" strike="noStrike">
                 <a:solidFill>
                   <a:srgbClr val="000000"/>
                 </a:solidFill>
@@ -9979,7 +10297,7 @@
               </a:rPr>
               <a:t>Fifth Outline Level</a:t>
             </a:r>
-            <a:endParaRPr b="0" lang="en-GB" sz="2000" spc="-1" strike="noStrike">
+            <a:endParaRPr b="0" lang="en-US" sz="2000" spc="-1" strike="noStrike">
               <a:solidFill>
                 <a:srgbClr val="000000"/>
               </a:solidFill>
@@ -9999,7 +10317,7 @@
               <a:buChar char=""/>
             </a:pPr>
             <a:r>
-              <a:rPr b="0" lang="en-GB" sz="2000" spc="-1" strike="noStrike">
+              <a:rPr b="0" lang="en-US" sz="2000" spc="-1" strike="noStrike">
                 <a:solidFill>
                   <a:srgbClr val="000000"/>
                 </a:solidFill>
@@ -10007,7 +10325,7 @@
               </a:rPr>
               <a:t>Sixth Outline Level</a:t>
             </a:r>
-            <a:endParaRPr b="0" lang="en-GB" sz="2000" spc="-1" strike="noStrike">
+            <a:endParaRPr b="0" lang="en-US" sz="2000" spc="-1" strike="noStrike">
               <a:solidFill>
                 <a:srgbClr val="000000"/>
               </a:solidFill>
@@ -10027,7 +10345,7 @@
               <a:buChar char=""/>
             </a:pPr>
             <a:r>
-              <a:rPr b="0" lang="en-GB" sz="2000" spc="-1" strike="noStrike">
+              <a:rPr b="0" lang="en-US" sz="2000" spc="-1" strike="noStrike">
                 <a:solidFill>
                   <a:srgbClr val="000000"/>
                 </a:solidFill>
@@ -10035,7 +10353,7 @@
               </a:rPr>
               <a:t>Seventh Outline Level</a:t>
             </a:r>
-            <a:endParaRPr b="0" lang="en-GB" sz="2000" spc="-1" strike="noStrike">
+            <a:endParaRPr b="0" lang="en-US" sz="2000" spc="-1" strike="noStrike">
               <a:solidFill>
                 <a:srgbClr val="000000"/>
               </a:solidFill>
@@ -10097,7 +10415,7 @@
         <p:spPr>
           <a:xfrm>
             <a:off x="11444760" y="0"/>
-            <a:ext cx="740160" cy="6849000"/>
+            <a:ext cx="739800" cy="6848640"/>
           </a:xfrm>
           <a:prstGeom prst="rect">
             <a:avLst/>
@@ -10122,11 +10440,17 @@
             <a:noAutofit/>
           </a:bodyPr>
           <a:p>
+            <a:pPr>
+              <a:lnSpc>
+                <a:spcPct val="100000"/>
+              </a:lnSpc>
+            </a:pPr>
             <a:endParaRPr b="0" lang="en-GB" sz="1800" spc="-1" strike="noStrike">
               <a:solidFill>
                 <a:srgbClr val="ffffff"/>
               </a:solidFill>
               <a:latin typeface="Arial"/>
+              <a:ea typeface="DejaVu Sans"/>
             </a:endParaRPr>
           </a:p>
         </p:txBody>
@@ -10140,7 +10464,7 @@
         <p:spPr>
           <a:xfrm>
             <a:off x="11438640" y="6453360"/>
-            <a:ext cx="757080" cy="363960"/>
+            <a:ext cx="756720" cy="363960"/>
           </a:xfrm>
           <a:prstGeom prst="rect">
             <a:avLst/>
@@ -10166,7 +10490,7 @@
                 <a:spcPct val="100000"/>
               </a:lnSpc>
             </a:pPr>
-            <a:fld id="{5D473246-9F88-4AED-A27B-72B1A9CFCC53}" type="slidenum">
+            <a:fld id="{8BFEA615-5311-4AD9-9DB3-AE4D04386630}" type="slidenum">
               <a:rPr b="0" lang="en-US" sz="1800" spc="-1" strike="noStrike">
                 <a:solidFill>
                   <a:srgbClr val="808080"/>
@@ -10176,7 +10500,7 @@
               </a:rPr>
               <a:t>&lt;number&gt;</a:t>
             </a:fld>
-            <a:endParaRPr b="0" lang="en-GB" sz="1800" spc="-1" strike="noStrike">
+            <a:endParaRPr b="0" lang="en-US" sz="1800" spc="-1" strike="noStrike">
               <a:solidFill>
                 <a:srgbClr val="000000"/>
               </a:solidFill>
@@ -10194,7 +10518,7 @@
         <p:spPr>
           <a:xfrm>
             <a:off x="912240" y="1268280"/>
-            <a:ext cx="9207000" cy="360360"/>
+            <a:ext cx="9206640" cy="360000"/>
           </a:xfrm>
           <a:prstGeom prst="rect">
             <a:avLst/>
@@ -10215,11 +10539,17 @@
             <a:noAutofit/>
           </a:bodyPr>
           <a:p>
+            <a:pPr>
+              <a:lnSpc>
+                <a:spcPct val="100000"/>
+              </a:lnSpc>
+            </a:pPr>
             <a:endParaRPr b="0" lang="en-GB" sz="1800" spc="-1" strike="noStrike">
               <a:solidFill>
                 <a:srgbClr val="000000"/>
               </a:solidFill>
               <a:latin typeface="Arial"/>
+              <a:ea typeface="DejaVu Sans"/>
             </a:endParaRPr>
           </a:p>
         </p:txBody>
@@ -10237,7 +10567,7 @@
         <p:spPr>
           <a:xfrm>
             <a:off x="0" y="0"/>
-            <a:ext cx="3051000" cy="560880"/>
+            <a:ext cx="3050640" cy="560520"/>
           </a:xfrm>
           <a:prstGeom prst="rect">
             <a:avLst/>
@@ -10260,7 +10590,7 @@
         <p:spPr>
           <a:xfrm>
             <a:off x="7430400" y="134640"/>
-            <a:ext cx="3696840" cy="513000"/>
+            <a:ext cx="3696480" cy="512640"/>
           </a:xfrm>
           <a:prstGeom prst="rect">
             <a:avLst/>
@@ -10279,7 +10609,7 @@
         <p:spPr>
           <a:xfrm>
             <a:off x="11444760" y="1440"/>
-            <a:ext cx="740160" cy="6849000"/>
+            <a:ext cx="739800" cy="6848640"/>
           </a:xfrm>
           <a:prstGeom prst="rect">
             <a:avLst/>
@@ -10304,11 +10634,17 @@
             <a:noAutofit/>
           </a:bodyPr>
           <a:p>
+            <a:pPr>
+              <a:lnSpc>
+                <a:spcPct val="100000"/>
+              </a:lnSpc>
+            </a:pPr>
             <a:endParaRPr b="0" lang="en-GB" sz="1800" spc="-1" strike="noStrike">
               <a:solidFill>
                 <a:srgbClr val="ffffff"/>
               </a:solidFill>
               <a:latin typeface="Arial"/>
+              <a:ea typeface="DejaVu Sans"/>
             </a:endParaRPr>
           </a:p>
         </p:txBody>
@@ -10322,7 +10658,7 @@
         <p:spPr>
           <a:xfrm>
             <a:off x="11427480" y="6453360"/>
-            <a:ext cx="757080" cy="363960"/>
+            <a:ext cx="756720" cy="363960"/>
           </a:xfrm>
           <a:prstGeom prst="rect">
             <a:avLst/>
@@ -10348,7 +10684,7 @@
                 <a:spcPct val="100000"/>
               </a:lnSpc>
             </a:pPr>
-            <a:fld id="{C1E7251B-82A4-44D3-B404-8CCE18040229}" type="slidenum">
+            <a:fld id="{C708E1D6-F7BF-49BD-9915-4469A6B9F9EB}" type="slidenum">
               <a:rPr b="0" lang="en-US" sz="1800" spc="-1" strike="noStrike">
                 <a:solidFill>
                   <a:srgbClr val="808080"/>
@@ -10358,7 +10694,7 @@
               </a:rPr>
               <a:t>&lt;number&gt;</a:t>
             </a:fld>
-            <a:endParaRPr b="0" lang="en-GB" sz="1800" spc="-1" strike="noStrike">
+            <a:endParaRPr b="0" lang="en-US" sz="1800" spc="-1" strike="noStrike">
               <a:solidFill>
                 <a:srgbClr val="000000"/>
               </a:solidFill>
@@ -10376,7 +10712,7 @@
         <p:spPr>
           <a:xfrm>
             <a:off x="0" y="6646680"/>
-            <a:ext cx="12186360" cy="211320"/>
+            <a:ext cx="12186000" cy="211320"/>
           </a:xfrm>
           <a:prstGeom prst="rect">
             <a:avLst/>
@@ -10412,7 +10748,7 @@
               </a:rPr>
               <a:t>Requirements Engineering – TU Clausthal</a:t>
             </a:r>
-            <a:endParaRPr b="0" lang="en-GB" sz="800" spc="-1" strike="noStrike">
+            <a:endParaRPr b="0" lang="en-US" sz="800" spc="-1" strike="noStrike">
               <a:solidFill>
                 <a:srgbClr val="000000"/>
               </a:solidFill>
@@ -10453,15 +10789,78 @@
               <a:buNone/>
             </a:pPr>
             <a:r>
-              <a:rPr b="0" lang="en-GB" sz="4400" spc="-1" strike="noStrike">
+              <a:rPr b="0" lang="en-US" sz="4400" spc="-1" strike="noStrike">
                 <a:solidFill>
                   <a:srgbClr val="000000"/>
                 </a:solidFill>
                 <a:latin typeface="Arial"/>
               </a:rPr>
-              <a:t>Click to edit the title text format</a:t>
-            </a:r>
-            <a:endParaRPr b="0" lang="en-GB" sz="4400" spc="-1" strike="noStrike">
+              <a:t>Click </a:t>
+            </a:r>
+            <a:r>
+              <a:rPr b="0" lang="en-US" sz="4400" spc="-1" strike="noStrike">
+                <a:solidFill>
+                  <a:srgbClr val="000000"/>
+                </a:solidFill>
+                <a:latin typeface="Arial"/>
+              </a:rPr>
+              <a:t>to </a:t>
+            </a:r>
+            <a:r>
+              <a:rPr b="0" lang="en-US" sz="4400" spc="-1" strike="noStrike">
+                <a:solidFill>
+                  <a:srgbClr val="000000"/>
+                </a:solidFill>
+                <a:latin typeface="Arial"/>
+              </a:rPr>
+              <a:t>edit </a:t>
+            </a:r>
+            <a:r>
+              <a:rPr b="0" lang="en-US" sz="4400" spc="-1" strike="noStrike">
+                <a:solidFill>
+                  <a:srgbClr val="000000"/>
+                </a:solidFill>
+                <a:latin typeface="Arial"/>
+              </a:rPr>
+              <a:t>the </a:t>
+            </a:r>
+            <a:r>
+              <a:rPr b="0" lang="en-US" sz="4400" spc="-1" strike="noStrike">
+                <a:solidFill>
+                  <a:srgbClr val="000000"/>
+                </a:solidFill>
+                <a:latin typeface="Arial"/>
+              </a:rPr>
+              <a:t>title </a:t>
+            </a:r>
+            <a:r>
+              <a:rPr b="0" lang="en-US" sz="4400" spc="-1" strike="noStrike">
+                <a:solidFill>
+                  <a:srgbClr val="000000"/>
+                </a:solidFill>
+                <a:latin typeface="Arial"/>
+              </a:rPr>
+              <a:t>text </a:t>
+            </a:r>
+            <a:r>
+              <a:rPr b="0" lang="en-US" sz="4400" spc="-1" strike="noStrike">
+                <a:solidFill>
+                  <a:srgbClr val="000000"/>
+                </a:solidFill>
+                <a:latin typeface="Arial"/>
+              </a:rPr>
+              <a:t>form</a:t>
+            </a:r>
+            <a:r>
+              <a:rPr b="0" lang="en-US" sz="4400" spc="-1" strike="noStrike">
+                <a:solidFill>
+                  <a:srgbClr val="000000"/>
+                </a:solidFill>
+                <a:latin typeface="Arial"/>
+              </a:rPr>
+              <a:t>at</a:t>
+            </a:r>
+            <a:endParaRPr b="0" lang="en-US" sz="4400" spc="-1" strike="noStrike">
               <a:solidFill>
                 <a:srgbClr val="000000"/>
               </a:solidFill>
@@ -10510,7 +10909,7 @@
               <a:buChar char=""/>
             </a:pPr>
             <a:r>
-              <a:rPr b="0" lang="en-GB" sz="3200" spc="-1" strike="noStrike">
+              <a:rPr b="0" lang="en-US" sz="3200" spc="-1" strike="noStrike">
                 <a:solidFill>
                   <a:srgbClr val="000000"/>
                 </a:solidFill>
@@ -10518,7 +10917,7 @@
               </a:rPr>
               <a:t>Click to edit the outline text format</a:t>
             </a:r>
-            <a:endParaRPr b="0" lang="en-GB" sz="3200" spc="-1" strike="noStrike">
+            <a:endParaRPr b="0" lang="en-US" sz="3200" spc="-1" strike="noStrike">
               <a:solidFill>
                 <a:srgbClr val="000000"/>
               </a:solidFill>
@@ -10538,7 +10937,7 @@
               <a:buChar char=""/>
             </a:pPr>
             <a:r>
-              <a:rPr b="0" lang="en-GB" sz="2800" spc="-1" strike="noStrike">
+              <a:rPr b="0" lang="en-US" sz="2800" spc="-1" strike="noStrike">
                 <a:solidFill>
                   <a:srgbClr val="000000"/>
                 </a:solidFill>
@@ -10546,7 +10945,7 @@
               </a:rPr>
               <a:t>Second Outline Level</a:t>
             </a:r>
-            <a:endParaRPr b="0" lang="en-GB" sz="2800" spc="-1" strike="noStrike">
+            <a:endParaRPr b="0" lang="en-US" sz="2800" spc="-1" strike="noStrike">
               <a:solidFill>
                 <a:srgbClr val="000000"/>
               </a:solidFill>
@@ -10566,7 +10965,7 @@
               <a:buChar char=""/>
             </a:pPr>
             <a:r>
-              <a:rPr b="0" lang="en-GB" sz="2400" spc="-1" strike="noStrike">
+              <a:rPr b="0" lang="en-US" sz="2400" spc="-1" strike="noStrike">
                 <a:solidFill>
                   <a:srgbClr val="000000"/>
                 </a:solidFill>
@@ -10574,7 +10973,7 @@
               </a:rPr>
               <a:t>Third Outline Level</a:t>
             </a:r>
-            <a:endParaRPr b="0" lang="en-GB" sz="2400" spc="-1" strike="noStrike">
+            <a:endParaRPr b="0" lang="en-US" sz="2400" spc="-1" strike="noStrike">
               <a:solidFill>
                 <a:srgbClr val="000000"/>
               </a:solidFill>
@@ -10594,7 +10993,7 @@
               <a:buChar char=""/>
             </a:pPr>
             <a:r>
-              <a:rPr b="0" lang="en-GB" sz="2000" spc="-1" strike="noStrike">
+              <a:rPr b="0" lang="en-US" sz="2000" spc="-1" strike="noStrike">
                 <a:solidFill>
                   <a:srgbClr val="000000"/>
                 </a:solidFill>
@@ -10602,7 +11001,7 @@
               </a:rPr>
               <a:t>Fourth Outline Level</a:t>
             </a:r>
-            <a:endParaRPr b="0" lang="en-GB" sz="2000" spc="-1" strike="noStrike">
+            <a:endParaRPr b="0" lang="en-US" sz="2000" spc="-1" strike="noStrike">
               <a:solidFill>
                 <a:srgbClr val="000000"/>
               </a:solidFill>
@@ -10622,7 +11021,7 @@
               <a:buChar char=""/>
             </a:pPr>
             <a:r>
-              <a:rPr b="0" lang="en-GB" sz="2000" spc="-1" strike="noStrike">
+              <a:rPr b="0" lang="en-US" sz="2000" spc="-1" strike="noStrike">
                 <a:solidFill>
                   <a:srgbClr val="000000"/>
                 </a:solidFill>
@@ -10630,7 +11029,7 @@
               </a:rPr>
               <a:t>Fifth Outline Level</a:t>
             </a:r>
-            <a:endParaRPr b="0" lang="en-GB" sz="2000" spc="-1" strike="noStrike">
+            <a:endParaRPr b="0" lang="en-US" sz="2000" spc="-1" strike="noStrike">
               <a:solidFill>
                 <a:srgbClr val="000000"/>
               </a:solidFill>
@@ -10650,7 +11049,7 @@
               <a:buChar char=""/>
             </a:pPr>
             <a:r>
-              <a:rPr b="0" lang="en-GB" sz="2000" spc="-1" strike="noStrike">
+              <a:rPr b="0" lang="en-US" sz="2000" spc="-1" strike="noStrike">
                 <a:solidFill>
                   <a:srgbClr val="000000"/>
                 </a:solidFill>
@@ -10658,7 +11057,7 @@
               </a:rPr>
               <a:t>Sixth Outline Level</a:t>
             </a:r>
-            <a:endParaRPr b="0" lang="en-GB" sz="2000" spc="-1" strike="noStrike">
+            <a:endParaRPr b="0" lang="en-US" sz="2000" spc="-1" strike="noStrike">
               <a:solidFill>
                 <a:srgbClr val="000000"/>
               </a:solidFill>
@@ -10678,7 +11077,7 @@
               <a:buChar char=""/>
             </a:pPr>
             <a:r>
-              <a:rPr b="0" lang="en-GB" sz="2000" spc="-1" strike="noStrike">
+              <a:rPr b="0" lang="en-US" sz="2000" spc="-1" strike="noStrike">
                 <a:solidFill>
                   <a:srgbClr val="000000"/>
                 </a:solidFill>
@@ -10686,7 +11085,7 @@
               </a:rPr>
               <a:t>Seventh Outline Level</a:t>
             </a:r>
-            <a:endParaRPr b="0" lang="en-GB" sz="2000" spc="-1" strike="noStrike">
+            <a:endParaRPr b="0" lang="en-US" sz="2000" spc="-1" strike="noStrike">
               <a:solidFill>
                 <a:srgbClr val="000000"/>
               </a:solidFill>
@@ -10741,7 +11140,7 @@
         <p:spPr>
           <a:xfrm>
             <a:off x="527400" y="1412640"/>
-            <a:ext cx="10362960" cy="1149480"/>
+            <a:ext cx="10362600" cy="1149120"/>
           </a:xfrm>
           <a:prstGeom prst="rect">
             <a:avLst/>
@@ -10777,7 +11176,7 @@
               </a:rPr>
               <a:t>Requirement Engineering</a:t>
             </a:r>
-            <a:endParaRPr b="0" lang="en-GB" sz="3200" spc="-1" strike="noStrike">
+            <a:endParaRPr b="0" lang="en-US" sz="3200" spc="-1" strike="noStrike">
               <a:solidFill>
                 <a:srgbClr val="000000"/>
               </a:solidFill>
@@ -10795,7 +11194,7 @@
         <p:spPr>
           <a:xfrm>
             <a:off x="527400" y="2852640"/>
-            <a:ext cx="10362960" cy="2370240"/>
+            <a:ext cx="10362600" cy="2369880"/>
           </a:xfrm>
           <a:prstGeom prst="rect">
             <a:avLst/>
@@ -10837,7 +11236,7 @@
               </a:rPr>
               <a:t>Lecture 11: Traceability</a:t>
             </a:r>
-            <a:endParaRPr b="0" lang="en-GB" sz="2400" spc="-1" strike="noStrike">
+            <a:endParaRPr b="0" lang="en-US" sz="2400" spc="-1" strike="noStrike">
               <a:solidFill>
                 <a:srgbClr val="000000"/>
               </a:solidFill>
@@ -10856,7 +11255,7 @@
                 <a:tab algn="l" pos="0"/>
               </a:tabLst>
             </a:pPr>
-            <a:endParaRPr b="0" lang="en-GB" sz="2400" spc="-1" strike="noStrike">
+            <a:endParaRPr b="0" lang="en-US" sz="2400" spc="-1" strike="noStrike">
               <a:solidFill>
                 <a:srgbClr val="000000"/>
               </a:solidFill>
@@ -10875,7 +11274,7 @@
                 <a:tab algn="l" pos="0"/>
               </a:tabLst>
             </a:pPr>
-            <a:endParaRPr b="0" lang="en-GB" sz="2400" spc="-1" strike="noStrike">
+            <a:endParaRPr b="0" lang="en-US" sz="2400" spc="-1" strike="noStrike">
               <a:solidFill>
                 <a:srgbClr val="000000"/>
               </a:solidFill>
@@ -10894,7 +11293,7 @@
                 <a:tab algn="l" pos="0"/>
               </a:tabLst>
             </a:pPr>
-            <a:endParaRPr b="0" lang="en-GB" sz="2400" spc="-1" strike="noStrike">
+            <a:endParaRPr b="0" lang="en-US" sz="2400" spc="-1" strike="noStrike">
               <a:solidFill>
                 <a:srgbClr val="000000"/>
               </a:solidFill>
@@ -10923,7 +11322,7 @@
               </a:rPr>
               <a:t>Prof. Dr. Benjamin Leiding</a:t>
             </a:r>
-            <a:endParaRPr b="0" lang="en-GB" sz="1600" spc="-1" strike="noStrike">
+            <a:endParaRPr b="0" lang="en-US" sz="1600" spc="-1" strike="noStrike">
               <a:solidFill>
                 <a:srgbClr val="000000"/>
               </a:solidFill>
@@ -10952,7 +11351,7 @@
               </a:rPr>
               <a:t>M.Sc. Anant Sujatanagarjuna</a:t>
             </a:r>
-            <a:endParaRPr b="0" lang="en-GB" sz="1600" spc="-1" strike="noStrike">
+            <a:endParaRPr b="0" lang="en-US" sz="1600" spc="-1" strike="noStrike">
               <a:solidFill>
                 <a:srgbClr val="000000"/>
               </a:solidFill>
@@ -11000,7 +11399,7 @@
         <p:spPr>
           <a:xfrm>
             <a:off x="542880" y="721800"/>
-            <a:ext cx="10355760" cy="496440"/>
+            <a:ext cx="10355400" cy="496080"/>
           </a:xfrm>
           <a:prstGeom prst="rect">
             <a:avLst/>
@@ -11036,7 +11435,7 @@
               </a:rPr>
               <a:t>Introduction</a:t>
             </a:r>
-            <a:endParaRPr b="0" lang="en-GB" sz="2200" spc="-1" strike="noStrike">
+            <a:endParaRPr b="0" lang="en-US" sz="2200" spc="-1" strike="noStrike">
               <a:solidFill>
                 <a:srgbClr val="000000"/>
               </a:solidFill>
@@ -11054,7 +11453,7 @@
         <p:spPr>
           <a:xfrm>
             <a:off x="542880" y="1267200"/>
-            <a:ext cx="10355760" cy="496440"/>
+            <a:ext cx="10355400" cy="496080"/>
           </a:xfrm>
           <a:prstGeom prst="rect">
             <a:avLst/>
@@ -11090,7 +11489,7 @@
               </a:rPr>
               <a:t>Purpose-driven Tracing</a:t>
             </a:r>
-            <a:endParaRPr b="0" lang="en-GB" sz="2200" spc="-1" strike="noStrike">
+            <a:endParaRPr b="0" lang="en-US" sz="2200" spc="-1" strike="noStrike">
               <a:solidFill>
                 <a:srgbClr val="000000"/>
               </a:solidFill>
@@ -11108,7 +11507,7 @@
         <p:spPr>
           <a:xfrm>
             <a:off x="451800" y="1709280"/>
-            <a:ext cx="8223120" cy="4351320"/>
+            <a:ext cx="8222760" cy="4350960"/>
           </a:xfrm>
           <a:prstGeom prst="rect">
             <a:avLst/>
@@ -11129,11 +11528,17 @@
             <a:noAutofit/>
           </a:bodyPr>
           <a:p>
+            <a:pPr>
+              <a:lnSpc>
+                <a:spcPct val="100000"/>
+              </a:lnSpc>
+            </a:pPr>
             <a:endParaRPr b="0" lang="en-GB" sz="1800" spc="-1" strike="noStrike">
               <a:solidFill>
                 <a:srgbClr val="000000"/>
               </a:solidFill>
               <a:latin typeface="Arial"/>
+              <a:ea typeface="DejaVu Sans"/>
             </a:endParaRPr>
           </a:p>
         </p:txBody>
@@ -11151,7 +11556,7 @@
         <p:spPr>
           <a:xfrm>
             <a:off x="609480" y="1769400"/>
-            <a:ext cx="10586160" cy="4854240"/>
+            <a:ext cx="10585800" cy="4853880"/>
           </a:xfrm>
           <a:prstGeom prst="rect">
             <a:avLst/>
@@ -11190,7 +11595,7 @@
               </a:rPr>
               <a:t>Extensive tracing is expensive</a:t>
             </a:r>
-            <a:endParaRPr b="0" lang="en-GB" sz="2000" spc="-1" strike="noStrike">
+            <a:endParaRPr b="0" lang="en-US" sz="2000" spc="-1" strike="noStrike">
               <a:solidFill>
                 <a:srgbClr val="000000"/>
               </a:solidFill>
@@ -11222,7 +11627,7 @@
               </a:rPr>
               <a:t>Purpose-driven!</a:t>
             </a:r>
-            <a:endParaRPr b="0" lang="en-GB" sz="2000" spc="-1" strike="noStrike">
+            <a:endParaRPr b="0" lang="en-US" sz="2000" spc="-1" strike="noStrike">
               <a:solidFill>
                 <a:srgbClr val="000000"/>
               </a:solidFill>
@@ -11254,7 +11659,7 @@
               </a:rPr>
               <a:t>Do not trace everything</a:t>
             </a:r>
-            <a:endParaRPr b="0" lang="en-GB" sz="2000" spc="-1" strike="noStrike">
+            <a:endParaRPr b="0" lang="en-US" sz="2000" spc="-1" strike="noStrike">
               <a:solidFill>
                 <a:srgbClr val="000000"/>
               </a:solidFill>
@@ -11286,7 +11691,7 @@
               </a:rPr>
               <a:t>Trace according to needs → Too much/little information (sufficient level of detail)</a:t>
             </a:r>
-            <a:endParaRPr b="0" lang="en-GB" sz="2000" spc="-1" strike="noStrike">
+            <a:endParaRPr b="0" lang="en-US" sz="2000" spc="-1" strike="noStrike">
               <a:solidFill>
                 <a:srgbClr val="000000"/>
               </a:solidFill>
@@ -11334,7 +11739,7 @@
         <p:spPr>
           <a:xfrm>
             <a:off x="542880" y="721800"/>
-            <a:ext cx="10355760" cy="496440"/>
+            <a:ext cx="10355400" cy="496080"/>
           </a:xfrm>
           <a:prstGeom prst="rect">
             <a:avLst/>
@@ -11370,7 +11775,7 @@
               </a:rPr>
               <a:t>Introduction</a:t>
             </a:r>
-            <a:endParaRPr b="0" lang="en-GB" sz="2200" spc="-1" strike="noStrike">
+            <a:endParaRPr b="0" lang="en-US" sz="2200" spc="-1" strike="noStrike">
               <a:solidFill>
                 <a:srgbClr val="000000"/>
               </a:solidFill>
@@ -11388,7 +11793,7 @@
         <p:spPr>
           <a:xfrm>
             <a:off x="542880" y="1267200"/>
-            <a:ext cx="10355760" cy="496440"/>
+            <a:ext cx="10355400" cy="496080"/>
           </a:xfrm>
           <a:prstGeom prst="rect">
             <a:avLst/>
@@ -11424,7 +11829,7 @@
               </a:rPr>
               <a:t>State Changes of a Requirement</a:t>
             </a:r>
-            <a:endParaRPr b="0" lang="en-GB" sz="2200" spc="-1" strike="noStrike">
+            <a:endParaRPr b="0" lang="en-US" sz="2200" spc="-1" strike="noStrike">
               <a:solidFill>
                 <a:srgbClr val="000000"/>
               </a:solidFill>
@@ -11442,7 +11847,7 @@
         <p:spPr>
           <a:xfrm>
             <a:off x="451800" y="1709280"/>
-            <a:ext cx="8223120" cy="4351320"/>
+            <a:ext cx="8222760" cy="4350960"/>
           </a:xfrm>
           <a:prstGeom prst="rect">
             <a:avLst/>
@@ -11463,11 +11868,17 @@
             <a:noAutofit/>
           </a:bodyPr>
           <a:p>
+            <a:pPr>
+              <a:lnSpc>
+                <a:spcPct val="100000"/>
+              </a:lnSpc>
+            </a:pPr>
             <a:endParaRPr b="0" lang="en-GB" sz="1800" spc="-1" strike="noStrike">
               <a:solidFill>
                 <a:srgbClr val="000000"/>
               </a:solidFill>
               <a:latin typeface="Arial"/>
+              <a:ea typeface="DejaVu Sans"/>
             </a:endParaRPr>
           </a:p>
         </p:txBody>
@@ -11481,7 +11892,7 @@
         <p:spPr>
           <a:xfrm>
             <a:off x="263520" y="6411600"/>
-            <a:ext cx="10918080" cy="226800"/>
+            <a:ext cx="10917720" cy="226800"/>
           </a:xfrm>
           <a:prstGeom prst="rect">
             <a:avLst/>
@@ -11547,7 +11958,7 @@
               </a:rPr>
               <a:t> Edition)</a:t>
             </a:r>
-            <a:endParaRPr b="0" lang="en-GB" sz="900" spc="-1" strike="noStrike">
+            <a:endParaRPr b="0" lang="en-US" sz="900" spc="-1" strike="noStrike">
               <a:solidFill>
                 <a:srgbClr val="000000"/>
               </a:solidFill>
@@ -11569,7 +11980,7 @@
         <p:spPr>
           <a:xfrm>
             <a:off x="2892600" y="1768680"/>
-            <a:ext cx="5656680" cy="4461120"/>
+            <a:ext cx="5656320" cy="4460760"/>
           </a:xfrm>
           <a:prstGeom prst="rect">
             <a:avLst/>
@@ -11618,7 +12029,7 @@
         <p:spPr>
           <a:xfrm>
             <a:off x="335520" y="4406760"/>
-            <a:ext cx="10747440" cy="1356480"/>
+            <a:ext cx="10747080" cy="1356120"/>
           </a:xfrm>
           <a:prstGeom prst="rect">
             <a:avLst/>
@@ -11654,7 +12065,7 @@
               </a:rPr>
               <a:t>Classification</a:t>
             </a:r>
-            <a:endParaRPr b="0" lang="en-GB" sz="3000" spc="-1" strike="noStrike">
+            <a:endParaRPr b="0" lang="en-US" sz="3000" spc="-1" strike="noStrike">
               <a:solidFill>
                 <a:srgbClr val="000000"/>
               </a:solidFill>
@@ -11672,7 +12083,7 @@
         <p:spPr>
           <a:xfrm>
             <a:off x="335520" y="2906640"/>
-            <a:ext cx="10747440" cy="1494360"/>
+            <a:ext cx="10747080" cy="1494000"/>
           </a:xfrm>
           <a:prstGeom prst="rect">
             <a:avLst/>
@@ -11693,11 +12104,17 @@
             <a:noAutofit/>
           </a:bodyPr>
           <a:p>
+            <a:pPr>
+              <a:lnSpc>
+                <a:spcPct val="100000"/>
+              </a:lnSpc>
+            </a:pPr>
             <a:endParaRPr b="0" lang="en-GB" sz="1800" spc="-1" strike="noStrike">
               <a:solidFill>
                 <a:srgbClr val="000000"/>
               </a:solidFill>
               <a:latin typeface="Arial"/>
+              <a:ea typeface="DejaVu Sans"/>
             </a:endParaRPr>
           </a:p>
         </p:txBody>
@@ -11741,7 +12158,7 @@
         <p:spPr>
           <a:xfrm>
             <a:off x="542880" y="721800"/>
-            <a:ext cx="10355760" cy="496440"/>
+            <a:ext cx="10355400" cy="496080"/>
           </a:xfrm>
           <a:prstGeom prst="rect">
             <a:avLst/>
@@ -11777,7 +12194,7 @@
               </a:rPr>
               <a:t>Classification</a:t>
             </a:r>
-            <a:endParaRPr b="0" lang="en-GB" sz="2200" spc="-1" strike="noStrike">
+            <a:endParaRPr b="0" lang="en-US" sz="2200" spc="-1" strike="noStrike">
               <a:solidFill>
                 <a:srgbClr val="000000"/>
               </a:solidFill>
@@ -11795,7 +12212,7 @@
         <p:spPr>
           <a:xfrm>
             <a:off x="542880" y="1267200"/>
-            <a:ext cx="10355760" cy="496440"/>
+            <a:ext cx="10355400" cy="496080"/>
           </a:xfrm>
           <a:prstGeom prst="rect">
             <a:avLst/>
@@ -11831,7 +12248,7 @@
               </a:rPr>
               <a:t>Pre- and Post-Traceability</a:t>
             </a:r>
-            <a:endParaRPr b="0" lang="en-GB" sz="2200" spc="-1" strike="noStrike">
+            <a:endParaRPr b="0" lang="en-US" sz="2200" spc="-1" strike="noStrike">
               <a:solidFill>
                 <a:srgbClr val="000000"/>
               </a:solidFill>
@@ -11849,7 +12266,7 @@
         <p:spPr>
           <a:xfrm>
             <a:off x="451800" y="1709280"/>
-            <a:ext cx="8223120" cy="4351320"/>
+            <a:ext cx="8222760" cy="4350960"/>
           </a:xfrm>
           <a:prstGeom prst="rect">
             <a:avLst/>
@@ -11870,11 +12287,17 @@
             <a:noAutofit/>
           </a:bodyPr>
           <a:p>
+            <a:pPr>
+              <a:lnSpc>
+                <a:spcPct val="100000"/>
+              </a:lnSpc>
+            </a:pPr>
             <a:endParaRPr b="0" lang="en-GB" sz="1800" spc="-1" strike="noStrike">
               <a:solidFill>
                 <a:srgbClr val="000000"/>
               </a:solidFill>
               <a:latin typeface="Arial"/>
+              <a:ea typeface="DejaVu Sans"/>
             </a:endParaRPr>
           </a:p>
         </p:txBody>
@@ -11892,7 +12315,7 @@
         <p:spPr>
           <a:xfrm>
             <a:off x="684720" y="3077280"/>
-            <a:ext cx="10072080" cy="1194120"/>
+            <a:ext cx="10071720" cy="1193760"/>
           </a:xfrm>
           <a:prstGeom prst="rect">
             <a:avLst/>
@@ -11911,7 +12334,7 @@
         <p:spPr>
           <a:xfrm>
             <a:off x="263520" y="6411600"/>
-            <a:ext cx="10918080" cy="226800"/>
+            <a:ext cx="10917720" cy="226800"/>
           </a:xfrm>
           <a:prstGeom prst="rect">
             <a:avLst/>
@@ -11957,7 +12380,7 @@
               </a:rPr>
               <a:t>Requirements Engineering – Fundamentals, Principles and Techniques</a:t>
             </a:r>
-            <a:endParaRPr b="0" lang="en-GB" sz="900" spc="-1" strike="noStrike">
+            <a:endParaRPr b="0" lang="en-US" sz="900" spc="-1" strike="noStrike">
               <a:solidFill>
                 <a:srgbClr val="000000"/>
               </a:solidFill>
@@ -12005,7 +12428,7 @@
         <p:spPr>
           <a:xfrm>
             <a:off x="542880" y="721800"/>
-            <a:ext cx="10355760" cy="496440"/>
+            <a:ext cx="10355400" cy="496080"/>
           </a:xfrm>
           <a:prstGeom prst="rect">
             <a:avLst/>
@@ -12041,7 +12464,7 @@
               </a:rPr>
               <a:t>Classification</a:t>
             </a:r>
-            <a:endParaRPr b="0" lang="en-GB" sz="2200" spc="-1" strike="noStrike">
+            <a:endParaRPr b="0" lang="en-US" sz="2200" spc="-1" strike="noStrike">
               <a:solidFill>
                 <a:srgbClr val="000000"/>
               </a:solidFill>
@@ -12059,7 +12482,7 @@
         <p:spPr>
           <a:xfrm>
             <a:off x="542880" y="1267200"/>
-            <a:ext cx="10355760" cy="496440"/>
+            <a:ext cx="10355400" cy="496080"/>
           </a:xfrm>
           <a:prstGeom prst="rect">
             <a:avLst/>
@@ -12095,7 +12518,7 @@
               </a:rPr>
               <a:t>Overview</a:t>
             </a:r>
-            <a:endParaRPr b="0" lang="en-GB" sz="2200" spc="-1" strike="noStrike">
+            <a:endParaRPr b="0" lang="en-US" sz="2200" spc="-1" strike="noStrike">
               <a:solidFill>
                 <a:srgbClr val="000000"/>
               </a:solidFill>
@@ -12113,7 +12536,7 @@
         <p:spPr>
           <a:xfrm>
             <a:off x="451800" y="1709280"/>
-            <a:ext cx="8223120" cy="4351320"/>
+            <a:ext cx="8222760" cy="4350960"/>
           </a:xfrm>
           <a:prstGeom prst="rect">
             <a:avLst/>
@@ -12134,11 +12557,17 @@
             <a:noAutofit/>
           </a:bodyPr>
           <a:p>
+            <a:pPr>
+              <a:lnSpc>
+                <a:spcPct val="100000"/>
+              </a:lnSpc>
+            </a:pPr>
             <a:endParaRPr b="0" lang="en-GB" sz="1800" spc="-1" strike="noStrike">
               <a:solidFill>
                 <a:srgbClr val="000000"/>
               </a:solidFill>
               <a:latin typeface="Arial"/>
+              <a:ea typeface="DejaVu Sans"/>
             </a:endParaRPr>
           </a:p>
         </p:txBody>
@@ -12156,7 +12585,7 @@
         <p:spPr>
           <a:xfrm>
             <a:off x="609480" y="1769400"/>
-            <a:ext cx="10586160" cy="4854240"/>
+            <a:ext cx="10585800" cy="4853880"/>
           </a:xfrm>
           <a:prstGeom prst="rect">
             <a:avLst/>
@@ -12195,7 +12624,7 @@
               </a:rPr>
               <a:t>Pre-requirements-specification (pre-RS) traceability</a:t>
             </a:r>
-            <a:endParaRPr b="0" lang="en-GB" sz="2000" spc="-1" strike="noStrike">
+            <a:endParaRPr b="0" lang="en-US" sz="2000" spc="-1" strike="noStrike">
               <a:solidFill>
                 <a:srgbClr val="000000"/>
               </a:solidFill>
@@ -12215,7 +12644,7 @@
                 <a:tab algn="l" pos="0"/>
               </a:tabLst>
             </a:pPr>
-            <a:endParaRPr b="0" lang="en-GB" sz="2000" spc="-1" strike="noStrike">
+            <a:endParaRPr b="0" lang="en-US" sz="2000" spc="-1" strike="noStrike">
               <a:solidFill>
                 <a:srgbClr val="000000"/>
               </a:solidFill>
@@ -12250,7 +12679,7 @@
               </a:rPr>
               <a:t>Post-requirements-specification (post-RS) traceability</a:t>
             </a:r>
-            <a:endParaRPr b="0" lang="en-GB" sz="2000" spc="-1" strike="noStrike">
+            <a:endParaRPr b="0" lang="en-US" sz="2000" spc="-1" strike="noStrike">
               <a:solidFill>
                 <a:srgbClr val="000000"/>
               </a:solidFill>
@@ -12270,7 +12699,7 @@
                 <a:tab algn="l" pos="0"/>
               </a:tabLst>
             </a:pPr>
-            <a:endParaRPr b="0" lang="en-GB" sz="2000" spc="-1" strike="noStrike">
+            <a:endParaRPr b="0" lang="en-US" sz="2000" spc="-1" strike="noStrike">
               <a:solidFill>
                 <a:srgbClr val="000000"/>
               </a:solidFill>
@@ -12305,7 +12734,7 @@
               </a:rPr>
               <a:t>Traceability among requirements</a:t>
             </a:r>
-            <a:endParaRPr b="0" lang="en-GB" sz="2000" spc="-1" strike="noStrike">
+            <a:endParaRPr b="0" lang="en-US" sz="2000" spc="-1" strike="noStrike">
               <a:solidFill>
                 <a:srgbClr val="000000"/>
               </a:solidFill>
@@ -12370,7 +12799,7 @@
               </a:rPr>
               <a:t>B</a:t>
             </a:r>
-            <a:endParaRPr b="0" lang="en-GB" sz="1800" spc="-1" strike="noStrike">
+            <a:endParaRPr b="0" lang="en-US" sz="1800" spc="-1" strike="noStrike">
               <a:solidFill>
                 <a:srgbClr val="000000"/>
               </a:solidFill>
@@ -12418,7 +12847,7 @@
         <p:spPr>
           <a:xfrm>
             <a:off x="542880" y="721800"/>
-            <a:ext cx="10355760" cy="496440"/>
+            <a:ext cx="10355400" cy="496080"/>
           </a:xfrm>
           <a:prstGeom prst="rect">
             <a:avLst/>
@@ -12454,7 +12883,7 @@
               </a:rPr>
               <a:t>Classification</a:t>
             </a:r>
-            <a:endParaRPr b="0" lang="en-GB" sz="2200" spc="-1" strike="noStrike">
+            <a:endParaRPr b="0" lang="en-US" sz="2200" spc="-1" strike="noStrike">
               <a:solidFill>
                 <a:srgbClr val="000000"/>
               </a:solidFill>
@@ -12472,7 +12901,7 @@
         <p:spPr>
           <a:xfrm>
             <a:off x="542880" y="1267200"/>
-            <a:ext cx="10355760" cy="496440"/>
+            <a:ext cx="10355400" cy="496080"/>
           </a:xfrm>
           <a:prstGeom prst="rect">
             <a:avLst/>
@@ -12508,7 +12937,7 @@
               </a:rPr>
               <a:t>Classes of Traceability Relationships</a:t>
             </a:r>
-            <a:endParaRPr b="0" lang="en-GB" sz="2200" spc="-1" strike="noStrike">
+            <a:endParaRPr b="0" lang="en-US" sz="2200" spc="-1" strike="noStrike">
               <a:solidFill>
                 <a:srgbClr val="000000"/>
               </a:solidFill>
@@ -12526,7 +12955,7 @@
         <p:spPr>
           <a:xfrm>
             <a:off x="451800" y="1709280"/>
-            <a:ext cx="8223120" cy="4351320"/>
+            <a:ext cx="8222760" cy="4350960"/>
           </a:xfrm>
           <a:prstGeom prst="rect">
             <a:avLst/>
@@ -12547,11 +12976,17 @@
             <a:noAutofit/>
           </a:bodyPr>
           <a:p>
+            <a:pPr>
+              <a:lnSpc>
+                <a:spcPct val="100000"/>
+              </a:lnSpc>
+            </a:pPr>
             <a:endParaRPr b="0" lang="en-GB" sz="1800" spc="-1" strike="noStrike">
               <a:solidFill>
                 <a:srgbClr val="000000"/>
               </a:solidFill>
               <a:latin typeface="Arial"/>
+              <a:ea typeface="DejaVu Sans"/>
             </a:endParaRPr>
           </a:p>
         </p:txBody>
@@ -12569,7 +13004,7 @@
         <p:spPr>
           <a:xfrm>
             <a:off x="609480" y="1769400"/>
-            <a:ext cx="10586160" cy="4854240"/>
+            <a:ext cx="10585800" cy="4853880"/>
           </a:xfrm>
           <a:prstGeom prst="rect">
             <a:avLst/>
@@ -12607,7 +13042,7 @@
               </a:rPr>
               <a:t>Condition</a:t>
             </a:r>
-            <a:endParaRPr b="0" lang="en-GB" sz="2000" spc="-1" strike="noStrike">
+            <a:endParaRPr b="0" lang="en-US" sz="2000" spc="-1" strike="noStrike">
               <a:solidFill>
                 <a:srgbClr val="000000"/>
               </a:solidFill>
@@ -12638,7 +13073,7 @@
               </a:rPr>
               <a:t>Content</a:t>
             </a:r>
-            <a:endParaRPr b="0" lang="en-GB" sz="2000" spc="-1" strike="noStrike">
+            <a:endParaRPr b="0" lang="en-US" sz="2000" spc="-1" strike="noStrike">
               <a:solidFill>
                 <a:srgbClr val="000000"/>
               </a:solidFill>
@@ -12669,7 +13104,7 @@
               </a:rPr>
               <a:t>Abstraction</a:t>
             </a:r>
-            <a:endParaRPr b="0" lang="en-GB" sz="2000" spc="-1" strike="noStrike">
+            <a:endParaRPr b="0" lang="en-US" sz="2000" spc="-1" strike="noStrike">
               <a:solidFill>
                 <a:srgbClr val="000000"/>
               </a:solidFill>
@@ -12700,7 +13135,7 @@
               </a:rPr>
               <a:t>Evolution</a:t>
             </a:r>
-            <a:endParaRPr b="0" lang="en-GB" sz="2000" spc="-1" strike="noStrike">
+            <a:endParaRPr b="0" lang="en-US" sz="2000" spc="-1" strike="noStrike">
               <a:solidFill>
                 <a:srgbClr val="000000"/>
               </a:solidFill>
@@ -12731,7 +13166,7 @@
               </a:rPr>
               <a:t>Miscellaneous</a:t>
             </a:r>
-            <a:endParaRPr b="0" lang="en-GB" sz="2000" spc="-1" strike="noStrike">
+            <a:endParaRPr b="0" lang="en-US" sz="2000" spc="-1" strike="noStrike">
               <a:solidFill>
                 <a:srgbClr val="000000"/>
               </a:solidFill>
@@ -12749,7 +13184,7 @@
         <p:spPr>
           <a:xfrm>
             <a:off x="263520" y="6411600"/>
-            <a:ext cx="10918080" cy="226800"/>
+            <a:ext cx="10917720" cy="226800"/>
           </a:xfrm>
           <a:prstGeom prst="rect">
             <a:avLst/>
@@ -12795,7 +13230,7 @@
               </a:rPr>
               <a:t>Requirements Engineering – Fundamentals, Principles and Techniques</a:t>
             </a:r>
-            <a:endParaRPr b="0" lang="en-GB" sz="900" spc="-1" strike="noStrike">
+            <a:endParaRPr b="0" lang="en-US" sz="900" spc="-1" strike="noStrike">
               <a:solidFill>
                 <a:srgbClr val="000000"/>
               </a:solidFill>
@@ -12843,7 +13278,7 @@
         <p:spPr>
           <a:xfrm>
             <a:off x="542880" y="721800"/>
-            <a:ext cx="10355760" cy="496440"/>
+            <a:ext cx="10355400" cy="496080"/>
           </a:xfrm>
           <a:prstGeom prst="rect">
             <a:avLst/>
@@ -12879,7 +13314,7 @@
               </a:rPr>
               <a:t>Classification</a:t>
             </a:r>
-            <a:endParaRPr b="0" lang="en-GB" sz="2200" spc="-1" strike="noStrike">
+            <a:endParaRPr b="0" lang="en-US" sz="2200" spc="-1" strike="noStrike">
               <a:solidFill>
                 <a:srgbClr val="000000"/>
               </a:solidFill>
@@ -12897,7 +13332,7 @@
         <p:spPr>
           <a:xfrm>
             <a:off x="542880" y="1267200"/>
-            <a:ext cx="10355760" cy="496440"/>
+            <a:ext cx="10355400" cy="496080"/>
           </a:xfrm>
           <a:prstGeom prst="rect">
             <a:avLst/>
@@ -12933,7 +13368,7 @@
               </a:rPr>
               <a:t>Traceability Relationships – Condition</a:t>
             </a:r>
-            <a:endParaRPr b="0" lang="en-GB" sz="2200" spc="-1" strike="noStrike">
+            <a:endParaRPr b="0" lang="en-US" sz="2200" spc="-1" strike="noStrike">
               <a:solidFill>
                 <a:srgbClr val="000000"/>
               </a:solidFill>
@@ -12951,7 +13386,7 @@
         <p:spPr>
           <a:xfrm>
             <a:off x="451800" y="1709280"/>
-            <a:ext cx="8223120" cy="4351320"/>
+            <a:ext cx="8222760" cy="4350960"/>
           </a:xfrm>
           <a:prstGeom prst="rect">
             <a:avLst/>
@@ -12972,11 +13407,17 @@
             <a:noAutofit/>
           </a:bodyPr>
           <a:p>
+            <a:pPr>
+              <a:lnSpc>
+                <a:spcPct val="100000"/>
+              </a:lnSpc>
+            </a:pPr>
             <a:endParaRPr b="0" lang="en-GB" sz="1800" spc="-1" strike="noStrike">
               <a:solidFill>
                 <a:srgbClr val="000000"/>
               </a:solidFill>
               <a:latin typeface="Arial"/>
+              <a:ea typeface="DejaVu Sans"/>
             </a:endParaRPr>
           </a:p>
         </p:txBody>
@@ -12994,7 +13435,7 @@
         <p:spPr>
           <a:xfrm>
             <a:off x="609480" y="1769400"/>
-            <a:ext cx="10586160" cy="4854240"/>
+            <a:ext cx="10585800" cy="4853880"/>
           </a:xfrm>
           <a:prstGeom prst="rect">
             <a:avLst/>
@@ -13044,7 +13485,7 @@
               </a:rPr>
               <a:t>:</a:t>
             </a:r>
-            <a:endParaRPr b="0" lang="en-GB" sz="2000" spc="-1" strike="noStrike">
+            <a:endParaRPr b="0" lang="en-US" sz="2000" spc="-1" strike="noStrike">
               <a:solidFill>
                 <a:srgbClr val="000000"/>
               </a:solidFill>
@@ -13106,7 +13547,7 @@
               </a:rPr>
               <a:t>B</a:t>
             </a:r>
-            <a:endParaRPr b="0" lang="en-GB" sz="1800" spc="-1" strike="noStrike">
+            <a:endParaRPr b="0" lang="en-US" sz="1800" spc="-1" strike="noStrike">
               <a:solidFill>
                 <a:srgbClr val="000000"/>
               </a:solidFill>
@@ -13149,7 +13590,7 @@
               </a:rPr>
               <a:t>: </a:t>
             </a:r>
-            <a:endParaRPr b="0" lang="en-GB" sz="2000" spc="-1" strike="noStrike">
+            <a:endParaRPr b="0" lang="en-US" sz="2000" spc="-1" strike="noStrike">
               <a:solidFill>
                 <a:srgbClr val="000000"/>
               </a:solidFill>
@@ -13221,7 +13662,7 @@
               </a:rPr>
               <a:t> can be realized</a:t>
             </a:r>
-            <a:endParaRPr b="0" lang="en-GB" sz="1800" spc="-1" strike="noStrike">
+            <a:endParaRPr b="0" lang="en-US" sz="1800" spc="-1" strike="noStrike">
               <a:solidFill>
                 <a:srgbClr val="000000"/>
               </a:solidFill>
@@ -13239,7 +13680,7 @@
         <p:spPr>
           <a:xfrm>
             <a:off x="263520" y="6411600"/>
-            <a:ext cx="10918080" cy="226800"/>
+            <a:ext cx="10917720" cy="226800"/>
           </a:xfrm>
           <a:prstGeom prst="rect">
             <a:avLst/>
@@ -13285,7 +13726,7 @@
               </a:rPr>
               <a:t>Requirements Engineering – Fundamentals, Principles and Techniques</a:t>
             </a:r>
-            <a:endParaRPr b="0" lang="en-GB" sz="900" spc="-1" strike="noStrike">
+            <a:endParaRPr b="0" lang="en-US" sz="900" spc="-1" strike="noStrike">
               <a:solidFill>
                 <a:srgbClr val="000000"/>
               </a:solidFill>
@@ -13333,7 +13774,7 @@
         <p:spPr>
           <a:xfrm>
             <a:off x="542880" y="721800"/>
-            <a:ext cx="10355760" cy="496440"/>
+            <a:ext cx="10355400" cy="496080"/>
           </a:xfrm>
           <a:prstGeom prst="rect">
             <a:avLst/>
@@ -13369,7 +13810,7 @@
               </a:rPr>
               <a:t>Classification</a:t>
             </a:r>
-            <a:endParaRPr b="0" lang="en-GB" sz="2200" spc="-1" strike="noStrike">
+            <a:endParaRPr b="0" lang="en-US" sz="2200" spc="-1" strike="noStrike">
               <a:solidFill>
                 <a:srgbClr val="000000"/>
               </a:solidFill>
@@ -13387,7 +13828,7 @@
         <p:spPr>
           <a:xfrm>
             <a:off x="542880" y="1267200"/>
-            <a:ext cx="10355760" cy="496440"/>
+            <a:ext cx="10355400" cy="496080"/>
           </a:xfrm>
           <a:prstGeom prst="rect">
             <a:avLst/>
@@ -13423,7 +13864,7 @@
               </a:rPr>
               <a:t>Traceability Relationships – Content</a:t>
             </a:r>
-            <a:endParaRPr b="0" lang="en-GB" sz="2200" spc="-1" strike="noStrike">
+            <a:endParaRPr b="0" lang="en-US" sz="2200" spc="-1" strike="noStrike">
               <a:solidFill>
                 <a:srgbClr val="000000"/>
               </a:solidFill>
@@ -13441,7 +13882,7 @@
         <p:spPr>
           <a:xfrm>
             <a:off x="451800" y="1709280"/>
-            <a:ext cx="8223120" cy="4351320"/>
+            <a:ext cx="8222760" cy="4350960"/>
           </a:xfrm>
           <a:prstGeom prst="rect">
             <a:avLst/>
@@ -13462,11 +13903,17 @@
             <a:noAutofit/>
           </a:bodyPr>
           <a:p>
+            <a:pPr>
+              <a:lnSpc>
+                <a:spcPct val="100000"/>
+              </a:lnSpc>
+            </a:pPr>
             <a:endParaRPr b="0" lang="en-GB" sz="1800" spc="-1" strike="noStrike">
               <a:solidFill>
                 <a:srgbClr val="000000"/>
               </a:solidFill>
               <a:latin typeface="Arial"/>
+              <a:ea typeface="DejaVu Sans"/>
             </a:endParaRPr>
           </a:p>
         </p:txBody>
@@ -13484,7 +13931,7 @@
         <p:spPr>
           <a:xfrm>
             <a:off x="609480" y="1769400"/>
-            <a:ext cx="10586160" cy="4854240"/>
+            <a:ext cx="10585800" cy="4853880"/>
           </a:xfrm>
           <a:prstGeom prst="rect">
             <a:avLst/>
@@ -13534,7 +13981,7 @@
               </a:rPr>
               <a:t>:</a:t>
             </a:r>
-            <a:endParaRPr b="0" lang="en-GB" sz="2000" spc="-1" strike="noStrike">
+            <a:endParaRPr b="0" lang="en-US" sz="2000" spc="-1" strike="noStrike">
               <a:solidFill>
                 <a:srgbClr val="000000"/>
               </a:solidFill>
@@ -13566,7 +14013,7 @@
               </a:rPr>
               <a:t>Two associated artefacts are similar in content</a:t>
             </a:r>
-            <a:endParaRPr b="0" lang="en-GB" sz="1800" spc="-1" strike="noStrike">
+            <a:endParaRPr b="0" lang="en-US" sz="1800" spc="-1" strike="noStrike">
               <a:solidFill>
                 <a:srgbClr val="000000"/>
               </a:solidFill>
@@ -13609,7 +14056,7 @@
               </a:rPr>
               <a:t>:</a:t>
             </a:r>
-            <a:endParaRPr b="0" lang="en-GB" sz="2000" spc="-1" strike="noStrike">
+            <a:endParaRPr b="0" lang="en-US" sz="2000" spc="-1" strike="noStrike">
               <a:solidFill>
                 <a:srgbClr val="000000"/>
               </a:solidFill>
@@ -13721,7 +14168,7 @@
               </a:rPr>
               <a:t>n</a:t>
             </a:r>
-            <a:endParaRPr b="0" lang="en-GB" sz="1800" spc="-1" strike="noStrike">
+            <a:endParaRPr b="0" lang="en-US" sz="1800" spc="-1" strike="noStrike">
               <a:solidFill>
                 <a:srgbClr val="000000"/>
               </a:solidFill>
@@ -13764,7 +14211,7 @@
               </a:rPr>
               <a:t>:</a:t>
             </a:r>
-            <a:endParaRPr b="0" lang="en-GB" sz="2000" spc="-1" strike="noStrike">
+            <a:endParaRPr b="0" lang="en-US" sz="2000" spc="-1" strike="noStrike">
               <a:solidFill>
                 <a:srgbClr val="000000"/>
               </a:solidFill>
@@ -13796,7 +14243,7 @@
               </a:rPr>
               <a:t>Two artefacts cannot be realized together</a:t>
             </a:r>
-            <a:endParaRPr b="0" lang="en-GB" sz="1800" spc="-1" strike="noStrike">
+            <a:endParaRPr b="0" lang="en-US" sz="1800" spc="-1" strike="noStrike">
               <a:solidFill>
                 <a:srgbClr val="000000"/>
               </a:solidFill>
@@ -13839,7 +14286,7 @@
               </a:rPr>
               <a:t>:</a:t>
             </a:r>
-            <a:endParaRPr b="0" lang="en-GB" sz="2000" spc="-1" strike="noStrike">
+            <a:endParaRPr b="0" lang="en-US" sz="2000" spc="-1" strike="noStrike">
               <a:solidFill>
                 <a:srgbClr val="000000"/>
               </a:solidFill>
@@ -13901,7 +14348,7 @@
               </a:rPr>
               <a:t>B</a:t>
             </a:r>
-            <a:endParaRPr b="0" lang="en-GB" sz="1800" spc="-1" strike="noStrike">
+            <a:endParaRPr b="0" lang="en-US" sz="1800" spc="-1" strike="noStrike">
               <a:solidFill>
                 <a:srgbClr val="000000"/>
               </a:solidFill>
@@ -13919,7 +14366,7 @@
         <p:spPr>
           <a:xfrm>
             <a:off x="263520" y="6411600"/>
-            <a:ext cx="10918080" cy="226800"/>
+            <a:ext cx="10917720" cy="226800"/>
           </a:xfrm>
           <a:prstGeom prst="rect">
             <a:avLst/>
@@ -13965,7 +14412,7 @@
               </a:rPr>
               <a:t>Requirements Engineering – Fundamentals, Principles and Techniques</a:t>
             </a:r>
-            <a:endParaRPr b="0" lang="en-GB" sz="900" spc="-1" strike="noStrike">
+            <a:endParaRPr b="0" lang="en-US" sz="900" spc="-1" strike="noStrike">
               <a:solidFill>
                 <a:srgbClr val="000000"/>
               </a:solidFill>
@@ -14013,7 +14460,7 @@
         <p:spPr>
           <a:xfrm>
             <a:off x="542880" y="721800"/>
-            <a:ext cx="10355760" cy="496440"/>
+            <a:ext cx="10355400" cy="496080"/>
           </a:xfrm>
           <a:prstGeom prst="rect">
             <a:avLst/>
@@ -14049,7 +14496,7 @@
               </a:rPr>
               <a:t>Classification</a:t>
             </a:r>
-            <a:endParaRPr b="0" lang="en-GB" sz="2200" spc="-1" strike="noStrike">
+            <a:endParaRPr b="0" lang="en-US" sz="2200" spc="-1" strike="noStrike">
               <a:solidFill>
                 <a:srgbClr val="000000"/>
               </a:solidFill>
@@ -14067,7 +14514,7 @@
         <p:spPr>
           <a:xfrm>
             <a:off x="542880" y="1267200"/>
-            <a:ext cx="10355760" cy="496440"/>
+            <a:ext cx="10355400" cy="496080"/>
           </a:xfrm>
           <a:prstGeom prst="rect">
             <a:avLst/>
@@ -14103,7 +14550,7 @@
               </a:rPr>
               <a:t>Traceability Relationships – Abstraction</a:t>
             </a:r>
-            <a:endParaRPr b="0" lang="en-GB" sz="2200" spc="-1" strike="noStrike">
+            <a:endParaRPr b="0" lang="en-US" sz="2200" spc="-1" strike="noStrike">
               <a:solidFill>
                 <a:srgbClr val="000000"/>
               </a:solidFill>
@@ -14121,7 +14568,7 @@
         <p:spPr>
           <a:xfrm>
             <a:off x="451800" y="1709280"/>
-            <a:ext cx="8223120" cy="4351320"/>
+            <a:ext cx="8222760" cy="4350960"/>
           </a:xfrm>
           <a:prstGeom prst="rect">
             <a:avLst/>
@@ -14142,11 +14589,17 @@
             <a:noAutofit/>
           </a:bodyPr>
           <a:p>
+            <a:pPr>
+              <a:lnSpc>
+                <a:spcPct val="100000"/>
+              </a:lnSpc>
+            </a:pPr>
             <a:endParaRPr b="0" lang="en-GB" sz="1800" spc="-1" strike="noStrike">
               <a:solidFill>
                 <a:srgbClr val="000000"/>
               </a:solidFill>
               <a:latin typeface="Arial"/>
+              <a:ea typeface="DejaVu Sans"/>
             </a:endParaRPr>
           </a:p>
         </p:txBody>
@@ -14164,7 +14617,7 @@
         <p:spPr>
           <a:xfrm>
             <a:off x="609480" y="1769400"/>
-            <a:ext cx="10586160" cy="4854240"/>
+            <a:ext cx="10585800" cy="4853880"/>
           </a:xfrm>
           <a:prstGeom prst="rect">
             <a:avLst/>
@@ -14214,7 +14667,7 @@
               </a:rPr>
               <a:t>:</a:t>
             </a:r>
-            <a:endParaRPr b="0" lang="en-GB" sz="2000" spc="-1" strike="noStrike">
+            <a:endParaRPr b="0" lang="en-US" sz="2000" spc="-1" strike="noStrike">
               <a:solidFill>
                 <a:srgbClr val="000000"/>
               </a:solidFill>
@@ -14336,7 +14789,7 @@
               </a:rPr>
               <a:t> e.g., a goal classifies a set of solution-oriented requirements</a:t>
             </a:r>
-            <a:endParaRPr b="0" lang="en-GB" sz="1800" spc="-1" strike="noStrike">
+            <a:endParaRPr b="0" lang="en-US" sz="1800" spc="-1" strike="noStrike">
               <a:solidFill>
                 <a:srgbClr val="000000"/>
               </a:solidFill>
@@ -14379,7 +14832,7 @@
               </a:rPr>
               <a:t>:</a:t>
             </a:r>
-            <a:endParaRPr b="0" lang="en-GB" sz="2000" spc="-1" strike="noStrike">
+            <a:endParaRPr b="0" lang="en-US" sz="2000" spc="-1" strike="noStrike">
               <a:solidFill>
                 <a:srgbClr val="000000"/>
               </a:solidFill>
@@ -14481,7 +14934,7 @@
               </a:rPr>
               <a:t>n </a:t>
             </a:r>
-            <a:endParaRPr b="0" lang="en-GB" sz="1800" spc="-1" strike="noStrike">
+            <a:endParaRPr b="0" lang="en-US" sz="1800" spc="-1" strike="noStrike">
               <a:solidFill>
                 <a:srgbClr val="000000"/>
               </a:solidFill>
@@ -14524,7 +14977,7 @@
               </a:rPr>
               <a:t>:</a:t>
             </a:r>
-            <a:endParaRPr b="0" lang="en-GB" sz="2000" spc="-1" strike="noStrike">
+            <a:endParaRPr b="0" lang="en-US" sz="2000" spc="-1" strike="noStrike">
               <a:solidFill>
                 <a:srgbClr val="000000"/>
               </a:solidFill>
@@ -14596,7 +15049,7 @@
               </a:rPr>
               <a:t> e.g., an abstract scenario (e.g., a type scenario) is a generalization of a set of more concrete scenarios (e.g., instance scenarios)</a:t>
             </a:r>
-            <a:endParaRPr b="0" lang="en-GB" sz="1800" spc="-1" strike="noStrike">
+            <a:endParaRPr b="0" lang="en-US" sz="1800" spc="-1" strike="noStrike">
               <a:solidFill>
                 <a:srgbClr val="000000"/>
               </a:solidFill>
@@ -14614,7 +15067,7 @@
         <p:spPr>
           <a:xfrm>
             <a:off x="263520" y="6411600"/>
-            <a:ext cx="10918080" cy="226800"/>
+            <a:ext cx="10917720" cy="226800"/>
           </a:xfrm>
           <a:prstGeom prst="rect">
             <a:avLst/>
@@ -14660,7 +15113,7 @@
               </a:rPr>
               <a:t>Requirements Engineering – Fundamentals, Principles and Techniques</a:t>
             </a:r>
-            <a:endParaRPr b="0" lang="en-GB" sz="900" spc="-1" strike="noStrike">
+            <a:endParaRPr b="0" lang="en-US" sz="900" spc="-1" strike="noStrike">
               <a:solidFill>
                 <a:srgbClr val="000000"/>
               </a:solidFill>
@@ -14708,7 +15161,7 @@
         <p:spPr>
           <a:xfrm>
             <a:off x="542880" y="721800"/>
-            <a:ext cx="10355760" cy="496440"/>
+            <a:ext cx="10355400" cy="496080"/>
           </a:xfrm>
           <a:prstGeom prst="rect">
             <a:avLst/>
@@ -14744,7 +15197,7 @@
               </a:rPr>
               <a:t>Classification</a:t>
             </a:r>
-            <a:endParaRPr b="0" lang="en-GB" sz="2200" spc="-1" strike="noStrike">
+            <a:endParaRPr b="0" lang="en-US" sz="2200" spc="-1" strike="noStrike">
               <a:solidFill>
                 <a:srgbClr val="000000"/>
               </a:solidFill>
@@ -14762,7 +15215,7 @@
         <p:spPr>
           <a:xfrm>
             <a:off x="542880" y="1267200"/>
-            <a:ext cx="10355760" cy="496440"/>
+            <a:ext cx="10355400" cy="496080"/>
           </a:xfrm>
           <a:prstGeom prst="rect">
             <a:avLst/>
@@ -14798,7 +15251,7 @@
               </a:rPr>
               <a:t>Traceability Relationships – Evolution</a:t>
             </a:r>
-            <a:endParaRPr b="0" lang="en-GB" sz="2200" spc="-1" strike="noStrike">
+            <a:endParaRPr b="0" lang="en-US" sz="2200" spc="-1" strike="noStrike">
               <a:solidFill>
                 <a:srgbClr val="000000"/>
               </a:solidFill>
@@ -14816,7 +15269,7 @@
         <p:spPr>
           <a:xfrm>
             <a:off x="451800" y="1709280"/>
-            <a:ext cx="8223120" cy="4351320"/>
+            <a:ext cx="8222760" cy="4350960"/>
           </a:xfrm>
           <a:prstGeom prst="rect">
             <a:avLst/>
@@ -14837,11 +15290,17 @@
             <a:noAutofit/>
           </a:bodyPr>
           <a:p>
+            <a:pPr>
+              <a:lnSpc>
+                <a:spcPct val="100000"/>
+              </a:lnSpc>
+            </a:pPr>
             <a:endParaRPr b="0" lang="en-GB" sz="1800" spc="-1" strike="noStrike">
               <a:solidFill>
                 <a:srgbClr val="000000"/>
               </a:solidFill>
               <a:latin typeface="Arial"/>
+              <a:ea typeface="DejaVu Sans"/>
             </a:endParaRPr>
           </a:p>
         </p:txBody>
@@ -14859,7 +15318,7 @@
         <p:spPr>
           <a:xfrm>
             <a:off x="609480" y="1769400"/>
-            <a:ext cx="10586160" cy="4854240"/>
+            <a:ext cx="10585800" cy="4853880"/>
           </a:xfrm>
           <a:prstGeom prst="rect">
             <a:avLst/>
@@ -14909,7 +15368,7 @@
               </a:rPr>
               <a:t>:</a:t>
             </a:r>
-            <a:endParaRPr b="0" lang="en-GB" sz="2000" spc="-1" strike="noStrike">
+            <a:endParaRPr b="0" lang="en-US" sz="2000" spc="-1" strike="noStrike">
               <a:solidFill>
                 <a:srgbClr val="000000"/>
               </a:solidFill>
@@ -14971,7 +15430,7 @@
               </a:rPr>
               <a:t>A</a:t>
             </a:r>
-            <a:endParaRPr b="0" lang="en-GB" sz="1800" spc="-1" strike="noStrike">
+            <a:endParaRPr b="0" lang="en-US" sz="1800" spc="-1" strike="noStrike">
               <a:solidFill>
                 <a:srgbClr val="000000"/>
               </a:solidFill>
@@ -15014,7 +15473,7 @@
               </a:rPr>
               <a:t>:</a:t>
             </a:r>
-            <a:endParaRPr b="0" lang="en-GB" sz="2000" spc="-1" strike="noStrike">
+            <a:endParaRPr b="0" lang="en-US" sz="2000" spc="-1" strike="noStrike">
               <a:solidFill>
                 <a:srgbClr val="000000"/>
               </a:solidFill>
@@ -15076,7 +15535,7 @@
               </a:rPr>
               <a:t>B</a:t>
             </a:r>
-            <a:endParaRPr b="0" lang="en-GB" sz="1800" spc="-1" strike="noStrike">
+            <a:endParaRPr b="0" lang="en-US" sz="1800" spc="-1" strike="noStrike">
               <a:solidFill>
                 <a:srgbClr val="000000"/>
               </a:solidFill>
@@ -15119,7 +15578,7 @@
               </a:rPr>
               <a:t>:</a:t>
             </a:r>
-            <a:endParaRPr b="0" lang="en-GB" sz="2000" spc="-1" strike="noStrike">
+            <a:endParaRPr b="0" lang="en-US" sz="2000" spc="-1" strike="noStrike">
               <a:solidFill>
                 <a:srgbClr val="000000"/>
               </a:solidFill>
@@ -15191,7 +15650,7 @@
               </a:rPr>
               <a:t> e.g., relate a solution-oriented requirements model to a set of textual requirements</a:t>
             </a:r>
-            <a:endParaRPr b="0" lang="en-GB" sz="1800" spc="-1" strike="noStrike">
+            <a:endParaRPr b="0" lang="en-US" sz="1800" spc="-1" strike="noStrike">
               <a:solidFill>
                 <a:srgbClr val="000000"/>
               </a:solidFill>
@@ -15211,7 +15670,7 @@
                 <a:tab algn="l" pos="0"/>
               </a:tabLst>
             </a:pPr>
-            <a:endParaRPr b="0" lang="en-GB" sz="1800" spc="-1" strike="noStrike">
+            <a:endParaRPr b="0" lang="en-US" sz="1800" spc="-1" strike="noStrike">
               <a:solidFill>
                 <a:srgbClr val="000000"/>
               </a:solidFill>
@@ -15231,7 +15690,7 @@
                 <a:tab algn="l" pos="0"/>
               </a:tabLst>
             </a:pPr>
-            <a:endParaRPr b="0" lang="en-GB" sz="1800" spc="-1" strike="noStrike">
+            <a:endParaRPr b="0" lang="en-US" sz="1800" spc="-1" strike="noStrike">
               <a:solidFill>
                 <a:srgbClr val="000000"/>
               </a:solidFill>
@@ -15277,7 +15736,7 @@
               </a:rPr>
               <a:t>:</a:t>
             </a:r>
-            <a:endParaRPr b="0" lang="en-GB" sz="2000" spc="-1" strike="noStrike">
+            <a:endParaRPr b="0" lang="en-US" sz="2000" spc="-1" strike="noStrike">
               <a:solidFill>
                 <a:srgbClr val="000000"/>
               </a:solidFill>
@@ -15342,7 +15801,7 @@
               </a:rPr>
               <a:t>B</a:t>
             </a:r>
-            <a:endParaRPr b="0" lang="en-GB" sz="1800" spc="-1" strike="noStrike">
+            <a:endParaRPr b="0" lang="en-US" sz="1800" spc="-1" strike="noStrike">
               <a:solidFill>
                 <a:srgbClr val="000000"/>
               </a:solidFill>
@@ -15388,7 +15847,7 @@
               </a:rPr>
               <a:t>:</a:t>
             </a:r>
-            <a:endParaRPr b="0" lang="en-GB" sz="2000" spc="-1" strike="noStrike">
+            <a:endParaRPr b="0" lang="en-US" sz="2000" spc="-1" strike="noStrike">
               <a:solidFill>
                 <a:srgbClr val="000000"/>
               </a:solidFill>
@@ -15443,7 +15902,7 @@
               </a:rPr>
               <a:t> was derived based on (a set of) other artefact(s)</a:t>
             </a:r>
-            <a:endParaRPr b="0" lang="en-GB" sz="1800" spc="-1" strike="noStrike">
+            <a:endParaRPr b="0" lang="en-US" sz="1800" spc="-1" strike="noStrike">
               <a:solidFill>
                 <a:srgbClr val="000000"/>
               </a:solidFill>
@@ -15461,7 +15920,7 @@
         <p:spPr>
           <a:xfrm>
             <a:off x="268920" y="6496920"/>
-            <a:ext cx="10918080" cy="226800"/>
+            <a:ext cx="10917720" cy="226800"/>
           </a:xfrm>
           <a:prstGeom prst="rect">
             <a:avLst/>
@@ -15507,7 +15966,7 @@
               </a:rPr>
               <a:t>Requirements Engineering – Fundamentals, Principles and Techniques</a:t>
             </a:r>
-            <a:endParaRPr b="0" lang="en-GB" sz="900" spc="-1" strike="noStrike">
+            <a:endParaRPr b="0" lang="en-US" sz="900" spc="-1" strike="noStrike">
               <a:solidFill>
                 <a:srgbClr val="000000"/>
               </a:solidFill>
@@ -15555,7 +16014,7 @@
         <p:spPr>
           <a:xfrm>
             <a:off x="542880" y="721800"/>
-            <a:ext cx="10352880" cy="493560"/>
+            <a:ext cx="10352520" cy="493200"/>
           </a:xfrm>
           <a:prstGeom prst="rect">
             <a:avLst/>
@@ -15601,7 +16060,7 @@
               </a:rPr>
               <a:t>	</a:t>
             </a:r>
-            <a:endParaRPr b="0" lang="en-GB" sz="2200" spc="-1" strike="noStrike">
+            <a:endParaRPr b="0" lang="en-US" sz="2200" spc="-1" strike="noStrike">
               <a:solidFill>
                 <a:srgbClr val="000000"/>
               </a:solidFill>
@@ -15619,7 +16078,7 @@
         <p:spPr>
           <a:xfrm>
             <a:off x="542880" y="1267200"/>
-            <a:ext cx="10352880" cy="493560"/>
+            <a:ext cx="10352520" cy="493200"/>
           </a:xfrm>
           <a:prstGeom prst="rect">
             <a:avLst/>
@@ -15655,7 +16114,7 @@
               </a:rPr>
               <a:t>Course Evaluation</a:t>
             </a:r>
-            <a:endParaRPr b="0" lang="en-GB" sz="2200" spc="-1" strike="noStrike">
+            <a:endParaRPr b="0" lang="en-US" sz="2200" spc="-1" strike="noStrike">
               <a:solidFill>
                 <a:srgbClr val="000000"/>
               </a:solidFill>
@@ -15673,7 +16132,7 @@
         <p:spPr>
           <a:xfrm>
             <a:off x="335520" y="1269000"/>
-            <a:ext cx="5599080" cy="5039640"/>
+            <a:ext cx="5598720" cy="5039280"/>
           </a:xfrm>
           <a:prstGeom prst="rect">
             <a:avLst/>
@@ -15696,6 +16155,11 @@
             <a:noAutofit/>
           </a:bodyPr>
           <a:p>
+            <a:pPr>
+              <a:lnSpc>
+                <a:spcPct val="100000"/>
+              </a:lnSpc>
+            </a:pPr>
             <a:endParaRPr b="0" lang="de-DE" sz="1800" spc="-1" strike="noStrike">
               <a:solidFill>
                 <a:srgbClr val="000000"/>
@@ -15715,7 +16179,7 @@
         <p:spPr>
           <a:xfrm>
             <a:off x="487800" y="1421280"/>
-            <a:ext cx="5599080" cy="5039640"/>
+            <a:ext cx="5598720" cy="5039280"/>
           </a:xfrm>
           <a:prstGeom prst="rect">
             <a:avLst/>
@@ -15746,7 +16210,7 @@
                 <a:spcPts val="360"/>
               </a:spcBef>
             </a:pPr>
-            <a:endParaRPr b="0" lang="en-GB" sz="1800" spc="-1" strike="noStrike">
+            <a:endParaRPr b="0" lang="en-US" sz="1800" spc="-1" strike="noStrike">
               <a:solidFill>
                 <a:srgbClr val="000000"/>
               </a:solidFill>
@@ -15790,7 +16254,7 @@
               </a:rPr>
               <a:t>Click Me</a:t>
             </a:r>
-            <a:endParaRPr b="0" lang="en-GB" sz="1800" spc="-1" strike="noStrike">
+            <a:endParaRPr b="0" lang="en-US" sz="1800" spc="-1" strike="noStrike">
               <a:solidFill>
                 <a:srgbClr val="000000"/>
               </a:solidFill>
@@ -15812,7 +16276,7 @@
         <p:spPr>
           <a:xfrm>
             <a:off x="6620040" y="1869840"/>
-            <a:ext cx="4171320" cy="4171320"/>
+            <a:ext cx="4170960" cy="4170960"/>
           </a:xfrm>
           <a:prstGeom prst="rect">
             <a:avLst/>
@@ -15861,7 +16325,7 @@
         <p:spPr>
           <a:xfrm>
             <a:off x="542880" y="721800"/>
-            <a:ext cx="10355760" cy="496440"/>
+            <a:ext cx="10355400" cy="496080"/>
           </a:xfrm>
           <a:prstGeom prst="rect">
             <a:avLst/>
@@ -15897,7 +16361,7 @@
               </a:rPr>
               <a:t>Classification</a:t>
             </a:r>
-            <a:endParaRPr b="0" lang="en-GB" sz="2200" spc="-1" strike="noStrike">
+            <a:endParaRPr b="0" lang="en-US" sz="2200" spc="-1" strike="noStrike">
               <a:solidFill>
                 <a:srgbClr val="000000"/>
               </a:solidFill>
@@ -15915,7 +16379,7 @@
         <p:spPr>
           <a:xfrm>
             <a:off x="542880" y="1267200"/>
-            <a:ext cx="10355760" cy="496440"/>
+            <a:ext cx="10355400" cy="496080"/>
           </a:xfrm>
           <a:prstGeom prst="rect">
             <a:avLst/>
@@ -15951,7 +16415,7 @@
               </a:rPr>
               <a:t>Traceability Relationships – Miscellaneous</a:t>
             </a:r>
-            <a:endParaRPr b="0" lang="en-GB" sz="2200" spc="-1" strike="noStrike">
+            <a:endParaRPr b="0" lang="en-US" sz="2200" spc="-1" strike="noStrike">
               <a:solidFill>
                 <a:srgbClr val="000000"/>
               </a:solidFill>
@@ -15969,7 +16433,7 @@
         <p:spPr>
           <a:xfrm>
             <a:off x="451800" y="1709280"/>
-            <a:ext cx="8223120" cy="4351320"/>
+            <a:ext cx="8222760" cy="4350960"/>
           </a:xfrm>
           <a:prstGeom prst="rect">
             <a:avLst/>
@@ -15990,11 +16454,17 @@
             <a:noAutofit/>
           </a:bodyPr>
           <a:p>
+            <a:pPr>
+              <a:lnSpc>
+                <a:spcPct val="100000"/>
+              </a:lnSpc>
+            </a:pPr>
             <a:endParaRPr b="0" lang="en-GB" sz="1800" spc="-1" strike="noStrike">
               <a:solidFill>
                 <a:srgbClr val="000000"/>
               </a:solidFill>
               <a:latin typeface="Arial"/>
+              <a:ea typeface="DejaVu Sans"/>
             </a:endParaRPr>
           </a:p>
         </p:txBody>
@@ -16012,7 +16482,7 @@
         <p:spPr>
           <a:xfrm>
             <a:off x="609480" y="1769400"/>
-            <a:ext cx="10586160" cy="4854240"/>
+            <a:ext cx="10585800" cy="4853880"/>
           </a:xfrm>
           <a:prstGeom prst="rect">
             <a:avLst/>
@@ -16062,7 +16532,7 @@
               </a:rPr>
               <a:t>:</a:t>
             </a:r>
-            <a:endParaRPr b="0" lang="en-GB" sz="2000" spc="-1" strike="noStrike">
+            <a:endParaRPr b="0" lang="en-US" sz="2000" spc="-1" strike="noStrike">
               <a:solidFill>
                 <a:srgbClr val="000000"/>
               </a:solidFill>
@@ -16134,7 +16604,7 @@
               </a:rPr>
               <a:t> e.g., relates an interaction scenario to a set of solution-oriented requirements to document an exemplary sequence of interactions that a system implementing the solution-oriented requirements will support</a:t>
             </a:r>
-            <a:endParaRPr b="0" lang="en-GB" sz="1800" spc="-1" strike="noStrike">
+            <a:endParaRPr b="0" lang="en-US" sz="1800" spc="-1" strike="noStrike">
               <a:solidFill>
                 <a:srgbClr val="000000"/>
               </a:solidFill>
@@ -16177,7 +16647,7 @@
               </a:rPr>
               <a:t>:</a:t>
             </a:r>
-            <a:endParaRPr b="0" lang="en-GB" sz="2000" spc="-1" strike="noStrike">
+            <a:endParaRPr b="0" lang="en-US" sz="2000" spc="-1" strike="noStrike">
               <a:solidFill>
                 <a:srgbClr val="000000"/>
               </a:solidFill>
@@ -16239,7 +16709,7 @@
               </a:rPr>
               <a:t>B</a:t>
             </a:r>
-            <a:endParaRPr b="0" lang="en-GB" sz="1800" spc="-1" strike="noStrike">
+            <a:endParaRPr b="0" lang="en-US" sz="1800" spc="-1" strike="noStrike">
               <a:solidFill>
                 <a:srgbClr val="000000"/>
               </a:solidFill>
@@ -16282,7 +16752,7 @@
               </a:rPr>
               <a:t>:</a:t>
             </a:r>
-            <a:endParaRPr b="0" lang="en-GB" sz="2000" spc="-1" strike="noStrike">
+            <a:endParaRPr b="0" lang="en-US" sz="2000" spc="-1" strike="noStrike">
               <a:solidFill>
                 <a:srgbClr val="000000"/>
               </a:solidFill>
@@ -16354,7 +16824,7 @@
               </a:rPr>
               <a:t> e.g., text fragment contains justification for the existence of a scenario</a:t>
             </a:r>
-            <a:endParaRPr b="0" lang="en-GB" sz="1800" spc="-1" strike="noStrike">
+            <a:endParaRPr b="0" lang="en-US" sz="1800" spc="-1" strike="noStrike">
               <a:solidFill>
                 <a:srgbClr val="000000"/>
               </a:solidFill>
@@ -16372,7 +16842,7 @@
         <p:spPr>
           <a:xfrm>
             <a:off x="263520" y="6411600"/>
-            <a:ext cx="10918080" cy="226800"/>
+            <a:ext cx="10917720" cy="226800"/>
           </a:xfrm>
           <a:prstGeom prst="rect">
             <a:avLst/>
@@ -16418,7 +16888,7 @@
               </a:rPr>
               <a:t>Requirements Engineering – Fundamentals, Principles and Techniques</a:t>
             </a:r>
-            <a:endParaRPr b="0" lang="en-GB" sz="900" spc="-1" strike="noStrike">
+            <a:endParaRPr b="0" lang="en-US" sz="900" spc="-1" strike="noStrike">
               <a:solidFill>
                 <a:srgbClr val="000000"/>
               </a:solidFill>
@@ -16466,7 +16936,7 @@
         <p:spPr>
           <a:xfrm>
             <a:off x="542880" y="721800"/>
-            <a:ext cx="10355760" cy="496440"/>
+            <a:ext cx="10355400" cy="496080"/>
           </a:xfrm>
           <a:prstGeom prst="rect">
             <a:avLst/>
@@ -16502,7 +16972,7 @@
               </a:rPr>
               <a:t>Classification</a:t>
             </a:r>
-            <a:endParaRPr b="0" lang="en-GB" sz="2200" spc="-1" strike="noStrike">
+            <a:endParaRPr b="0" lang="en-US" sz="2200" spc="-1" strike="noStrike">
               <a:solidFill>
                 <a:srgbClr val="000000"/>
               </a:solidFill>
@@ -16520,7 +16990,7 @@
         <p:spPr>
           <a:xfrm>
             <a:off x="542880" y="1267200"/>
-            <a:ext cx="10355760" cy="496440"/>
+            <a:ext cx="10355400" cy="496080"/>
           </a:xfrm>
           <a:prstGeom prst="rect">
             <a:avLst/>
@@ -16556,7 +17026,7 @@
               </a:rPr>
               <a:t>Traceability Relationships – Miscellaneous</a:t>
             </a:r>
-            <a:endParaRPr b="0" lang="en-GB" sz="2200" spc="-1" strike="noStrike">
+            <a:endParaRPr b="0" lang="en-US" sz="2200" spc="-1" strike="noStrike">
               <a:solidFill>
                 <a:srgbClr val="000000"/>
               </a:solidFill>
@@ -16574,7 +17044,7 @@
         <p:spPr>
           <a:xfrm>
             <a:off x="451800" y="1709280"/>
-            <a:ext cx="8223120" cy="4351320"/>
+            <a:ext cx="8222760" cy="4350960"/>
           </a:xfrm>
           <a:prstGeom prst="rect">
             <a:avLst/>
@@ -16595,11 +17065,17 @@
             <a:noAutofit/>
           </a:bodyPr>
           <a:p>
+            <a:pPr>
+              <a:lnSpc>
+                <a:spcPct val="100000"/>
+              </a:lnSpc>
+            </a:pPr>
             <a:endParaRPr b="0" lang="en-GB" sz="1800" spc="-1" strike="noStrike">
               <a:solidFill>
                 <a:srgbClr val="000000"/>
               </a:solidFill>
               <a:latin typeface="Arial"/>
+              <a:ea typeface="DejaVu Sans"/>
             </a:endParaRPr>
           </a:p>
         </p:txBody>
@@ -16617,7 +17093,7 @@
         <p:spPr>
           <a:xfrm>
             <a:off x="609480" y="1769400"/>
-            <a:ext cx="10586160" cy="4854240"/>
+            <a:ext cx="10585800" cy="4853880"/>
           </a:xfrm>
           <a:prstGeom prst="rect">
             <a:avLst/>
@@ -16667,7 +17143,7 @@
               </a:rPr>
               <a:t>:</a:t>
             </a:r>
-            <a:endParaRPr b="0" lang="en-GB" sz="2000" spc="-1" strike="noStrike">
+            <a:endParaRPr b="0" lang="en-US" sz="2000" spc="-1" strike="noStrike">
               <a:solidFill>
                 <a:srgbClr val="000000"/>
               </a:solidFill>
@@ -16729,7 +17205,7 @@
               </a:rPr>
               <a:t>B</a:t>
             </a:r>
-            <a:endParaRPr b="0" lang="en-GB" sz="1800" spc="-1" strike="noStrike">
+            <a:endParaRPr b="0" lang="en-US" sz="1800" spc="-1" strike="noStrike">
               <a:solidFill>
                 <a:srgbClr val="000000"/>
               </a:solidFill>
@@ -16772,7 +17248,7 @@
               </a:rPr>
               <a:t>:</a:t>
             </a:r>
-            <a:endParaRPr b="0" lang="en-GB" sz="2000" spc="-1" strike="noStrike">
+            <a:endParaRPr b="0" lang="en-US" sz="2000" spc="-1" strike="noStrike">
               <a:solidFill>
                 <a:srgbClr val="000000"/>
               </a:solidFill>
@@ -16824,7 +17300,7 @@
               </a:rPr>
               <a:t> e.g., standardization document relating to a solution-oriented requirement</a:t>
             </a:r>
-            <a:endParaRPr b="0" lang="en-GB" sz="1800" spc="-1" strike="noStrike">
+            <a:endParaRPr b="0" lang="en-US" sz="1800" spc="-1" strike="noStrike">
               <a:solidFill>
                 <a:srgbClr val="000000"/>
               </a:solidFill>
@@ -16867,7 +17343,7 @@
               </a:rPr>
               <a:t>:</a:t>
             </a:r>
-            <a:endParaRPr b="0" lang="en-GB" sz="2000" spc="-1" strike="noStrike">
+            <a:endParaRPr b="0" lang="en-US" sz="2000" spc="-1" strike="noStrike">
               <a:solidFill>
                 <a:srgbClr val="000000"/>
               </a:solidFill>
@@ -16899,7 +17375,7 @@
               </a:rPr>
               <a:t>Relates any kind of information to a requirements artefact – use sparingly!</a:t>
             </a:r>
-            <a:endParaRPr b="0" lang="en-GB" sz="1800" spc="-1" strike="noStrike">
+            <a:endParaRPr b="0" lang="en-US" sz="1800" spc="-1" strike="noStrike">
               <a:solidFill>
                 <a:srgbClr val="000000"/>
               </a:solidFill>
@@ -16917,7 +17393,7 @@
         <p:spPr>
           <a:xfrm>
             <a:off x="263520" y="6411600"/>
-            <a:ext cx="10918080" cy="226800"/>
+            <a:ext cx="10917720" cy="226800"/>
           </a:xfrm>
           <a:prstGeom prst="rect">
             <a:avLst/>
@@ -16963,7 +17439,7 @@
               </a:rPr>
               <a:t>Requirements Engineering – Fundamentals, Principles and Techniques</a:t>
             </a:r>
-            <a:endParaRPr b="0" lang="en-GB" sz="900" spc="-1" strike="noStrike">
+            <a:endParaRPr b="0" lang="en-US" sz="900" spc="-1" strike="noStrike">
               <a:solidFill>
                 <a:srgbClr val="000000"/>
               </a:solidFill>
@@ -17011,7 +17487,7 @@
         <p:spPr>
           <a:xfrm>
             <a:off x="335520" y="4406760"/>
-            <a:ext cx="10747440" cy="1356480"/>
+            <a:ext cx="10747080" cy="1356120"/>
           </a:xfrm>
           <a:prstGeom prst="rect">
             <a:avLst/>
@@ -17047,7 +17523,7 @@
               </a:rPr>
               <a:t>DocumentaTION</a:t>
             </a:r>
-            <a:endParaRPr b="0" lang="en-GB" sz="3000" spc="-1" strike="noStrike">
+            <a:endParaRPr b="0" lang="en-US" sz="3000" spc="-1" strike="noStrike">
               <a:solidFill>
                 <a:srgbClr val="000000"/>
               </a:solidFill>
@@ -17065,7 +17541,7 @@
         <p:spPr>
           <a:xfrm>
             <a:off x="335520" y="2906640"/>
-            <a:ext cx="10747440" cy="1494360"/>
+            <a:ext cx="10747080" cy="1494000"/>
           </a:xfrm>
           <a:prstGeom prst="rect">
             <a:avLst/>
@@ -17086,11 +17562,17 @@
             <a:noAutofit/>
           </a:bodyPr>
           <a:p>
+            <a:pPr>
+              <a:lnSpc>
+                <a:spcPct val="100000"/>
+              </a:lnSpc>
+            </a:pPr>
             <a:endParaRPr b="0" lang="en-GB" sz="1800" spc="-1" strike="noStrike">
               <a:solidFill>
                 <a:srgbClr val="000000"/>
               </a:solidFill>
               <a:latin typeface="Arial"/>
+              <a:ea typeface="DejaVu Sans"/>
             </a:endParaRPr>
           </a:p>
         </p:txBody>
@@ -17134,7 +17616,7 @@
         <p:spPr>
           <a:xfrm>
             <a:off x="542880" y="721800"/>
-            <a:ext cx="10355760" cy="496440"/>
+            <a:ext cx="10355400" cy="496080"/>
           </a:xfrm>
           <a:prstGeom prst="rect">
             <a:avLst/>
@@ -17170,7 +17652,7 @@
               </a:rPr>
               <a:t>Documentation</a:t>
             </a:r>
-            <a:endParaRPr b="0" lang="en-GB" sz="2200" spc="-1" strike="noStrike">
+            <a:endParaRPr b="0" lang="en-US" sz="2200" spc="-1" strike="noStrike">
               <a:solidFill>
                 <a:srgbClr val="000000"/>
               </a:solidFill>
@@ -17188,7 +17670,7 @@
         <p:spPr>
           <a:xfrm>
             <a:off x="542880" y="1267200"/>
-            <a:ext cx="10355760" cy="496440"/>
+            <a:ext cx="10355400" cy="496080"/>
           </a:xfrm>
           <a:prstGeom prst="rect">
             <a:avLst/>
@@ -17224,7 +17706,7 @@
               </a:rPr>
               <a:t>Overview</a:t>
             </a:r>
-            <a:endParaRPr b="0" lang="en-GB" sz="2200" spc="-1" strike="noStrike">
+            <a:endParaRPr b="0" lang="en-US" sz="2200" spc="-1" strike="noStrike">
               <a:solidFill>
                 <a:srgbClr val="000000"/>
               </a:solidFill>
@@ -17242,7 +17724,7 @@
         <p:spPr>
           <a:xfrm>
             <a:off x="451800" y="1709280"/>
-            <a:ext cx="8223120" cy="4351320"/>
+            <a:ext cx="8222760" cy="4350960"/>
           </a:xfrm>
           <a:prstGeom prst="rect">
             <a:avLst/>
@@ -17263,11 +17745,17 @@
             <a:noAutofit/>
           </a:bodyPr>
           <a:p>
+            <a:pPr>
+              <a:lnSpc>
+                <a:spcPct val="100000"/>
+              </a:lnSpc>
+            </a:pPr>
             <a:endParaRPr b="0" lang="en-GB" sz="1800" spc="-1" strike="noStrike">
               <a:solidFill>
                 <a:srgbClr val="000000"/>
               </a:solidFill>
               <a:latin typeface="Arial"/>
+              <a:ea typeface="DejaVu Sans"/>
             </a:endParaRPr>
           </a:p>
         </p:txBody>
@@ -17285,7 +17773,7 @@
         <p:spPr>
           <a:xfrm>
             <a:off x="609480" y="1769400"/>
-            <a:ext cx="10586160" cy="4854240"/>
+            <a:ext cx="10585800" cy="4853880"/>
           </a:xfrm>
           <a:prstGeom prst="rect">
             <a:avLst/>
@@ -17323,7 +17811,7 @@
               </a:rPr>
               <a:t>Textual references</a:t>
             </a:r>
-            <a:endParaRPr b="0" lang="en-GB" sz="2000" spc="-1" strike="noStrike">
+            <a:endParaRPr b="0" lang="en-US" sz="2000" spc="-1" strike="noStrike">
               <a:solidFill>
                 <a:srgbClr val="000000"/>
               </a:solidFill>
@@ -17354,7 +17842,7 @@
               </a:rPr>
               <a:t>Hyperlinks</a:t>
             </a:r>
-            <a:endParaRPr b="0" lang="en-GB" sz="2000" spc="-1" strike="noStrike">
+            <a:endParaRPr b="0" lang="en-US" sz="2000" spc="-1" strike="noStrike">
               <a:solidFill>
                 <a:srgbClr val="000000"/>
               </a:solidFill>
@@ -17385,7 +17873,7 @@
               </a:rPr>
               <a:t>Traceability models</a:t>
             </a:r>
-            <a:endParaRPr b="0" lang="en-GB" sz="2000" spc="-1" strike="noStrike">
+            <a:endParaRPr b="0" lang="en-US" sz="2000" spc="-1" strike="noStrike">
               <a:solidFill>
                 <a:srgbClr val="000000"/>
               </a:solidFill>
@@ -17416,7 +17904,7 @@
               </a:rPr>
               <a:t>Matrix</a:t>
             </a:r>
-            <a:endParaRPr b="0" lang="en-GB" sz="2000" spc="-1" strike="noStrike">
+            <a:endParaRPr b="0" lang="en-US" sz="2000" spc="-1" strike="noStrike">
               <a:solidFill>
                 <a:srgbClr val="000000"/>
               </a:solidFill>
@@ -17447,7 +17935,7 @@
               </a:rPr>
               <a:t>Graph</a:t>
             </a:r>
-            <a:endParaRPr b="0" lang="en-GB" sz="2000" spc="-1" strike="noStrike">
+            <a:endParaRPr b="0" lang="en-US" sz="2000" spc="-1" strike="noStrike">
               <a:solidFill>
                 <a:srgbClr val="000000"/>
               </a:solidFill>
@@ -17495,7 +17983,7 @@
         <p:spPr>
           <a:xfrm>
             <a:off x="542880" y="721800"/>
-            <a:ext cx="10355760" cy="496440"/>
+            <a:ext cx="10355400" cy="496080"/>
           </a:xfrm>
           <a:prstGeom prst="rect">
             <a:avLst/>
@@ -17531,7 +18019,7 @@
               </a:rPr>
               <a:t>Documentation</a:t>
             </a:r>
-            <a:endParaRPr b="0" lang="en-GB" sz="2200" spc="-1" strike="noStrike">
+            <a:endParaRPr b="0" lang="en-US" sz="2200" spc="-1" strike="noStrike">
               <a:solidFill>
                 <a:srgbClr val="000000"/>
               </a:solidFill>
@@ -17549,7 +18037,7 @@
         <p:spPr>
           <a:xfrm>
             <a:off x="542880" y="1267200"/>
-            <a:ext cx="10355760" cy="496440"/>
+            <a:ext cx="10355400" cy="496080"/>
           </a:xfrm>
           <a:prstGeom prst="rect">
             <a:avLst/>
@@ -17585,7 +18073,7 @@
               </a:rPr>
               <a:t>Textual References</a:t>
             </a:r>
-            <a:endParaRPr b="0" lang="en-GB" sz="2200" spc="-1" strike="noStrike">
+            <a:endParaRPr b="0" lang="en-US" sz="2200" spc="-1" strike="noStrike">
               <a:solidFill>
                 <a:srgbClr val="000000"/>
               </a:solidFill>
@@ -17603,7 +18091,7 @@
         <p:spPr>
           <a:xfrm>
             <a:off x="451800" y="1709280"/>
-            <a:ext cx="8223120" cy="4351320"/>
+            <a:ext cx="8222760" cy="4350960"/>
           </a:xfrm>
           <a:prstGeom prst="rect">
             <a:avLst/>
@@ -17624,11 +18112,17 @@
             <a:noAutofit/>
           </a:bodyPr>
           <a:p>
+            <a:pPr>
+              <a:lnSpc>
+                <a:spcPct val="100000"/>
+              </a:lnSpc>
+            </a:pPr>
             <a:endParaRPr b="0" lang="en-GB" sz="1800" spc="-1" strike="noStrike">
               <a:solidFill>
                 <a:srgbClr val="000000"/>
               </a:solidFill>
               <a:latin typeface="Arial"/>
+              <a:ea typeface="DejaVu Sans"/>
             </a:endParaRPr>
           </a:p>
         </p:txBody>
@@ -17646,7 +18140,7 @@
         <p:spPr>
           <a:xfrm>
             <a:off x="609480" y="1769400"/>
-            <a:ext cx="10586160" cy="4854240"/>
+            <a:ext cx="10585800" cy="4853880"/>
           </a:xfrm>
           <a:prstGeom prst="rect">
             <a:avLst/>
@@ -17694,7 +18188,7 @@
               </a:rPr>
               <a:t>For selecting the trip destination, the navigation system shall display the last ten trip destinations. [based_on→R1-17] […]</a:t>
             </a:r>
-            <a:endParaRPr b="0" lang="en-GB" sz="2000" spc="-1" strike="noStrike">
+            <a:endParaRPr b="0" lang="en-US" sz="2000" spc="-1" strike="noStrike">
               <a:solidFill>
                 <a:srgbClr val="000000"/>
               </a:solidFill>
@@ -17712,7 +18206,7 @@
         <p:spPr>
           <a:xfrm>
             <a:off x="263520" y="6411600"/>
-            <a:ext cx="10918080" cy="226800"/>
+            <a:ext cx="10917720" cy="226800"/>
           </a:xfrm>
           <a:prstGeom prst="rect">
             <a:avLst/>
@@ -17758,7 +18252,7 @@
               </a:rPr>
               <a:t>Requirements Engineering – Fundamentals, Principles and Techniques</a:t>
             </a:r>
-            <a:endParaRPr b="0" lang="en-GB" sz="900" spc="-1" strike="noStrike">
+            <a:endParaRPr b="0" lang="en-US" sz="900" spc="-1" strike="noStrike">
               <a:solidFill>
                 <a:srgbClr val="000000"/>
               </a:solidFill>
@@ -17776,7 +18270,7 @@
         <p:spPr>
           <a:xfrm>
             <a:off x="602640" y="3257640"/>
-            <a:ext cx="10578960" cy="1878120"/>
+            <a:ext cx="10578600" cy="1877760"/>
           </a:xfrm>
           <a:prstGeom prst="roundRect">
             <a:avLst>
@@ -17808,11 +18302,17 @@
             <a:noAutofit/>
           </a:bodyPr>
           <a:p>
+            <a:pPr>
+              <a:lnSpc>
+                <a:spcPct val="100000"/>
+              </a:lnSpc>
+            </a:pPr>
             <a:endParaRPr b="0" lang="en-GB" sz="1800" spc="-1" strike="noStrike">
               <a:solidFill>
                 <a:srgbClr val="000000"/>
               </a:solidFill>
               <a:latin typeface="Arial"/>
+              <a:ea typeface="DejaVu Sans"/>
             </a:endParaRPr>
           </a:p>
         </p:txBody>
@@ -17856,7 +18356,7 @@
         <p:spPr>
           <a:xfrm>
             <a:off x="542880" y="721800"/>
-            <a:ext cx="10355760" cy="496440"/>
+            <a:ext cx="10355400" cy="496080"/>
           </a:xfrm>
           <a:prstGeom prst="rect">
             <a:avLst/>
@@ -17892,7 +18392,7 @@
               </a:rPr>
               <a:t>Documentation</a:t>
             </a:r>
-            <a:endParaRPr b="0" lang="en-GB" sz="2200" spc="-1" strike="noStrike">
+            <a:endParaRPr b="0" lang="en-US" sz="2200" spc="-1" strike="noStrike">
               <a:solidFill>
                 <a:srgbClr val="000000"/>
               </a:solidFill>
@@ -17910,7 +18410,7 @@
         <p:spPr>
           <a:xfrm>
             <a:off x="542880" y="1267200"/>
-            <a:ext cx="10355760" cy="496440"/>
+            <a:ext cx="10355400" cy="496080"/>
           </a:xfrm>
           <a:prstGeom prst="rect">
             <a:avLst/>
@@ -17946,7 +18446,7 @@
               </a:rPr>
               <a:t>Hyperlinks</a:t>
             </a:r>
-            <a:endParaRPr b="0" lang="en-GB" sz="2200" spc="-1" strike="noStrike">
+            <a:endParaRPr b="0" lang="en-US" sz="2200" spc="-1" strike="noStrike">
               <a:solidFill>
                 <a:srgbClr val="000000"/>
               </a:solidFill>
@@ -17964,7 +18464,7 @@
         <p:spPr>
           <a:xfrm>
             <a:off x="609480" y="1769400"/>
-            <a:ext cx="10586160" cy="4854240"/>
+            <a:ext cx="10585800" cy="4853880"/>
           </a:xfrm>
           <a:prstGeom prst="rect">
             <a:avLst/>
@@ -18037,7 +18537,7 @@
               </a:rPr>
               <a:t>  last ten trip destinations. </a:t>
             </a:r>
-            <a:endParaRPr b="0" lang="en-GB" sz="2000" spc="-1" strike="noStrike">
+            <a:endParaRPr b="0" lang="en-US" sz="2000" spc="-1" strike="noStrike">
               <a:solidFill>
                 <a:srgbClr val="000000"/>
               </a:solidFill>
@@ -18056,7 +18556,7 @@
                 <a:tab algn="l" pos="0"/>
               </a:tabLst>
             </a:pPr>
-            <a:endParaRPr b="0" lang="en-GB" sz="2000" spc="-1" strike="noStrike">
+            <a:endParaRPr b="0" lang="en-US" sz="2000" spc="-1" strike="noStrike">
               <a:solidFill>
                 <a:srgbClr val="000000"/>
               </a:solidFill>
@@ -18075,7 +18575,7 @@
                 <a:tab algn="l" pos="0"/>
               </a:tabLst>
             </a:pPr>
-            <a:endParaRPr b="0" lang="en-GB" sz="2000" spc="-1" strike="noStrike">
+            <a:endParaRPr b="0" lang="en-US" sz="2000" spc="-1" strike="noStrike">
               <a:solidFill>
                 <a:srgbClr val="000000"/>
               </a:solidFill>
@@ -18155,7 +18655,7 @@
               </a:rPr>
               <a:t>  previous trips</a:t>
             </a:r>
-            <a:endParaRPr b="0" lang="en-GB" sz="2000" spc="-1" strike="noStrike">
+            <a:endParaRPr b="0" lang="en-US" sz="2000" spc="-1" strike="noStrike">
               <a:solidFill>
                 <a:srgbClr val="000000"/>
               </a:solidFill>
@@ -18174,7 +18674,7 @@
                 <a:tab algn="l" pos="0"/>
               </a:tabLst>
             </a:pPr>
-            <a:endParaRPr b="0" lang="en-GB" sz="2000" spc="-1" strike="noStrike">
+            <a:endParaRPr b="0" lang="en-US" sz="2000" spc="-1" strike="noStrike">
               <a:solidFill>
                 <a:srgbClr val="000000"/>
               </a:solidFill>
@@ -18193,7 +18693,7 @@
                 <a:tab algn="l" pos="0"/>
               </a:tabLst>
             </a:pPr>
-            <a:endParaRPr b="0" lang="en-GB" sz="2000" spc="-1" strike="noStrike">
+            <a:endParaRPr b="0" lang="en-US" sz="2000" spc="-1" strike="noStrike">
               <a:solidFill>
                 <a:srgbClr val="000000"/>
               </a:solidFill>
@@ -18211,7 +18711,7 @@
         <p:spPr>
           <a:xfrm>
             <a:off x="542880" y="2280240"/>
-            <a:ext cx="10578960" cy="1107720"/>
+            <a:ext cx="10578600" cy="1107360"/>
           </a:xfrm>
           <a:prstGeom prst="roundRect">
             <a:avLst>
@@ -18243,11 +18743,17 @@
             <a:noAutofit/>
           </a:bodyPr>
           <a:p>
+            <a:pPr>
+              <a:lnSpc>
+                <a:spcPct val="100000"/>
+              </a:lnSpc>
+            </a:pPr>
             <a:endParaRPr b="0" lang="en-GB" sz="1800" spc="-1" strike="noStrike">
               <a:solidFill>
                 <a:srgbClr val="000000"/>
               </a:solidFill>
               <a:latin typeface="Arial"/>
+              <a:ea typeface="DejaVu Sans"/>
             </a:endParaRPr>
           </a:p>
         </p:txBody>
@@ -18261,7 +18767,7 @@
         <p:spPr>
           <a:xfrm>
             <a:off x="542880" y="4100760"/>
-            <a:ext cx="10578960" cy="1107720"/>
+            <a:ext cx="10578600" cy="1107360"/>
           </a:xfrm>
           <a:prstGeom prst="roundRect">
             <a:avLst>
@@ -18293,11 +18799,17 @@
             <a:noAutofit/>
           </a:bodyPr>
           <a:p>
+            <a:pPr>
+              <a:lnSpc>
+                <a:spcPct val="100000"/>
+              </a:lnSpc>
+            </a:pPr>
             <a:endParaRPr b="0" lang="en-GB" sz="1800" spc="-1" strike="noStrike">
               <a:solidFill>
                 <a:srgbClr val="000000"/>
               </a:solidFill>
               <a:latin typeface="Arial"/>
+              <a:ea typeface="DejaVu Sans"/>
             </a:endParaRPr>
           </a:p>
         </p:txBody>
@@ -18311,7 +18823,7 @@
         <p:spPr>
           <a:xfrm>
             <a:off x="1145160" y="3526200"/>
-            <a:ext cx="3652560" cy="363960"/>
+            <a:ext cx="3652200" cy="363960"/>
           </a:xfrm>
           <a:prstGeom prst="rect">
             <a:avLst/>
@@ -18347,7 +18859,7 @@
               </a:rPr>
               <a:t>hyperlink (type: conflicts)</a:t>
             </a:r>
-            <a:endParaRPr b="0" lang="en-GB" sz="1800" spc="-1" strike="noStrike">
+            <a:endParaRPr b="0" lang="en-US" sz="1800" spc="-1" strike="noStrike">
               <a:solidFill>
                 <a:srgbClr val="000000"/>
               </a:solidFill>
@@ -18365,15 +18877,15 @@
         <p:spPr>
           <a:xfrm>
             <a:off x="1078560" y="2930400"/>
-            <a:ext cx="360" cy="1263600"/>
+            <a:ext cx="360" cy="1263240"/>
           </a:xfrm>
           <a:custGeom>
             <a:avLst/>
             <a:gdLst>
               <a:gd name="textAreaLeft" fmla="*/ 0 w 360"/>
-              <a:gd name="textAreaRight" fmla="*/ 2880 w 360"/>
-              <a:gd name="textAreaTop" fmla="*/ 0 h 1263600"/>
-              <a:gd name="textAreaBottom" fmla="*/ 1264680 h 1263600"/>
+              <a:gd name="textAreaRight" fmla="*/ 5760 w 360"/>
+              <a:gd name="textAreaTop" fmla="*/ 0 h 1263240"/>
+              <a:gd name="textAreaBottom" fmla="*/ 1264680 h 1263240"/>
             </a:gdLst>
             <a:ahLst/>
             <a:rect l="textAreaLeft" t="textAreaTop" r="textAreaRight" b="textAreaBottom"/>
@@ -18413,11 +18925,17 @@
             <a:noAutofit/>
           </a:bodyPr>
           <a:p>
+            <a:pPr>
+              <a:lnSpc>
+                <a:spcPct val="100000"/>
+              </a:lnSpc>
+            </a:pPr>
             <a:endParaRPr b="0" lang="en-GB" sz="1800" spc="-1" strike="noStrike">
               <a:solidFill>
                 <a:srgbClr val="000000"/>
               </a:solidFill>
               <a:latin typeface="Arial"/>
+              <a:ea typeface="DejaVu Sans"/>
             </a:endParaRPr>
           </a:p>
         </p:txBody>
@@ -18431,7 +18949,7 @@
         <p:spPr>
           <a:xfrm>
             <a:off x="263520" y="6411600"/>
-            <a:ext cx="10918080" cy="226800"/>
+            <a:ext cx="10917720" cy="226800"/>
           </a:xfrm>
           <a:prstGeom prst="rect">
             <a:avLst/>
@@ -18477,7 +18995,7 @@
               </a:rPr>
               <a:t>Requirements Engineering – Fundamentals, Principles and Techniques</a:t>
             </a:r>
-            <a:endParaRPr b="0" lang="en-GB" sz="900" spc="-1" strike="noStrike">
+            <a:endParaRPr b="0" lang="en-US" sz="900" spc="-1" strike="noStrike">
               <a:solidFill>
                 <a:srgbClr val="000000"/>
               </a:solidFill>
@@ -18525,7 +19043,7 @@
         <p:spPr>
           <a:xfrm>
             <a:off x="542880" y="721800"/>
-            <a:ext cx="10355760" cy="496440"/>
+            <a:ext cx="10355400" cy="496080"/>
           </a:xfrm>
           <a:prstGeom prst="rect">
             <a:avLst/>
@@ -18561,7 +19079,7 @@
               </a:rPr>
               <a:t>Documentation</a:t>
             </a:r>
-            <a:endParaRPr b="0" lang="en-GB" sz="2200" spc="-1" strike="noStrike">
+            <a:endParaRPr b="0" lang="en-US" sz="2200" spc="-1" strike="noStrike">
               <a:solidFill>
                 <a:srgbClr val="000000"/>
               </a:solidFill>
@@ -18579,7 +19097,7 @@
         <p:spPr>
           <a:xfrm>
             <a:off x="542880" y="1267200"/>
-            <a:ext cx="10355760" cy="496440"/>
+            <a:ext cx="10355400" cy="496080"/>
           </a:xfrm>
           <a:prstGeom prst="rect">
             <a:avLst/>
@@ -18615,7 +19133,7 @@
               </a:rPr>
               <a:t>Textual References &amp; Hyperlinks</a:t>
             </a:r>
-            <a:endParaRPr b="0" lang="en-GB" sz="2200" spc="-1" strike="noStrike">
+            <a:endParaRPr b="0" lang="en-US" sz="2200" spc="-1" strike="noStrike">
               <a:solidFill>
                 <a:srgbClr val="000000"/>
               </a:solidFill>
@@ -18633,7 +19151,7 @@
         <p:spPr>
           <a:xfrm>
             <a:off x="451800" y="1709280"/>
-            <a:ext cx="8223120" cy="4351320"/>
+            <a:ext cx="8222760" cy="4350960"/>
           </a:xfrm>
           <a:prstGeom prst="rect">
             <a:avLst/>
@@ -18654,11 +19172,17 @@
             <a:noAutofit/>
           </a:bodyPr>
           <a:p>
+            <a:pPr>
+              <a:lnSpc>
+                <a:spcPct val="100000"/>
+              </a:lnSpc>
+            </a:pPr>
             <a:endParaRPr b="0" lang="en-GB" sz="1800" spc="-1" strike="noStrike">
               <a:solidFill>
                 <a:srgbClr val="000000"/>
               </a:solidFill>
               <a:latin typeface="Arial"/>
+              <a:ea typeface="DejaVu Sans"/>
             </a:endParaRPr>
           </a:p>
         </p:txBody>
@@ -18676,7 +19200,7 @@
         <p:spPr>
           <a:xfrm>
             <a:off x="609480" y="1769400"/>
-            <a:ext cx="10586160" cy="4854240"/>
+            <a:ext cx="10585800" cy="4853880"/>
           </a:xfrm>
           <a:prstGeom prst="rect">
             <a:avLst/>
@@ -18715,7 +19239,7 @@
               </a:rPr>
               <a:t>Simple and easy</a:t>
             </a:r>
-            <a:endParaRPr b="0" lang="en-GB" sz="2000" spc="-1" strike="noStrike">
+            <a:endParaRPr b="0" lang="en-US" sz="2000" spc="-1" strike="noStrike">
               <a:solidFill>
                 <a:srgbClr val="000000"/>
               </a:solidFill>
@@ -18747,7 +19271,7 @@
               </a:rPr>
               <a:t>Links are textually part of the requirements themselves</a:t>
             </a:r>
-            <a:endParaRPr b="0" lang="en-GB" sz="2000" spc="-1" strike="noStrike">
+            <a:endParaRPr b="0" lang="en-US" sz="2000" spc="-1" strike="noStrike">
               <a:solidFill>
                 <a:srgbClr val="000000"/>
               </a:solidFill>
@@ -18779,7 +19303,7 @@
               </a:rPr>
               <a:t>Disadvantages:</a:t>
             </a:r>
-            <a:endParaRPr b="0" lang="en-GB" sz="2000" spc="-1" strike="noStrike">
+            <a:endParaRPr b="0" lang="en-US" sz="2000" spc="-1" strike="noStrike">
               <a:solidFill>
                 <a:srgbClr val="000000"/>
               </a:solidFill>
@@ -18811,7 +19335,7 @@
               </a:rPr>
               <a:t>Maintenance is time-consuming and tedious</a:t>
             </a:r>
-            <a:endParaRPr b="0" lang="en-GB" sz="1800" spc="-1" strike="noStrike">
+            <a:endParaRPr b="0" lang="en-US" sz="1800" spc="-1" strike="noStrike">
               <a:solidFill>
                 <a:srgbClr val="000000"/>
               </a:solidFill>
@@ -18843,7 +19367,7 @@
               </a:rPr>
               <a:t>Bidirectionality is difficult to achieve/maintain</a:t>
             </a:r>
-            <a:endParaRPr b="0" lang="en-GB" sz="1800" spc="-1" strike="noStrike">
+            <a:endParaRPr b="0" lang="en-US" sz="1800" spc="-1" strike="noStrike">
               <a:solidFill>
                 <a:srgbClr val="000000"/>
               </a:solidFill>
@@ -18891,7 +19415,7 @@
         <p:spPr>
           <a:xfrm>
             <a:off x="542880" y="721800"/>
-            <a:ext cx="10355760" cy="496440"/>
+            <a:ext cx="10355400" cy="496080"/>
           </a:xfrm>
           <a:prstGeom prst="rect">
             <a:avLst/>
@@ -18927,7 +19451,7 @@
               </a:rPr>
               <a:t>Documentation</a:t>
             </a:r>
-            <a:endParaRPr b="0" lang="en-GB" sz="2200" spc="-1" strike="noStrike">
+            <a:endParaRPr b="0" lang="en-US" sz="2200" spc="-1" strike="noStrike">
               <a:solidFill>
                 <a:srgbClr val="000000"/>
               </a:solidFill>
@@ -18945,7 +19469,7 @@
         <p:spPr>
           <a:xfrm>
             <a:off x="542880" y="1267200"/>
-            <a:ext cx="10355760" cy="496440"/>
+            <a:ext cx="10355400" cy="496080"/>
           </a:xfrm>
           <a:prstGeom prst="rect">
             <a:avLst/>
@@ -18981,7 +19505,7 @@
               </a:rPr>
               <a:t>Traceability Models</a:t>
             </a:r>
-            <a:endParaRPr b="0" lang="en-GB" sz="2200" spc="-1" strike="noStrike">
+            <a:endParaRPr b="0" lang="en-US" sz="2200" spc="-1" strike="noStrike">
               <a:solidFill>
                 <a:srgbClr val="000000"/>
               </a:solidFill>
@@ -18999,7 +19523,7 @@
         <p:spPr>
           <a:xfrm>
             <a:off x="451800" y="1709280"/>
-            <a:ext cx="8223120" cy="4351320"/>
+            <a:ext cx="8222760" cy="4350960"/>
           </a:xfrm>
           <a:prstGeom prst="rect">
             <a:avLst/>
@@ -19020,11 +19544,17 @@
             <a:noAutofit/>
           </a:bodyPr>
           <a:p>
+            <a:pPr>
+              <a:lnSpc>
+                <a:spcPct val="100000"/>
+              </a:lnSpc>
+            </a:pPr>
             <a:endParaRPr b="0" lang="en-GB" sz="1800" spc="-1" strike="noStrike">
               <a:solidFill>
                 <a:srgbClr val="000000"/>
               </a:solidFill>
               <a:latin typeface="Arial"/>
+              <a:ea typeface="DejaVu Sans"/>
             </a:endParaRPr>
           </a:p>
         </p:txBody>
@@ -19038,7 +19568,7 @@
         <p:spPr>
           <a:xfrm>
             <a:off x="263520" y="6411600"/>
-            <a:ext cx="10918080" cy="226800"/>
+            <a:ext cx="10917720" cy="226800"/>
           </a:xfrm>
           <a:prstGeom prst="rect">
             <a:avLst/>
@@ -19084,7 +19614,7 @@
               </a:rPr>
               <a:t>Requirements Engineering – Fundamentals, Principles and Techniques</a:t>
             </a:r>
-            <a:endParaRPr b="0" lang="en-GB" sz="900" spc="-1" strike="noStrike">
+            <a:endParaRPr b="0" lang="en-US" sz="900" spc="-1" strike="noStrike">
               <a:solidFill>
                 <a:srgbClr val="000000"/>
               </a:solidFill>
@@ -19106,7 +19636,7 @@
         <p:spPr>
           <a:xfrm>
             <a:off x="2750760" y="1865880"/>
-            <a:ext cx="5924160" cy="4398840"/>
+            <a:ext cx="5923800" cy="4398480"/>
           </a:xfrm>
           <a:prstGeom prst="rect">
             <a:avLst/>
@@ -19124,8 +19654,8 @@
         </p:nvSpPr>
         <p:spPr>
           <a:xfrm rot="16200000">
-            <a:off x="6162120" y="1933560"/>
-            <a:ext cx="66960" cy="58680"/>
+            <a:off x="6162120" y="1933920"/>
+            <a:ext cx="66600" cy="58320"/>
           </a:xfrm>
           <a:prstGeom prst="triangle">
             <a:avLst>
@@ -19156,15 +19686,21 @@
           <a:fontRef idx="minor"/>
         </p:style>
         <p:txBody>
-          <a:bodyPr lIns="90000" rIns="90000" tIns="90000" bIns="90000" anchor="t">
+          <a:bodyPr lIns="90000" rIns="90000" tIns="14760" bIns="14760" anchor="t">
             <a:noAutofit/>
           </a:bodyPr>
           <a:p>
+            <a:pPr>
+              <a:lnSpc>
+                <a:spcPct val="100000"/>
+              </a:lnSpc>
+            </a:pPr>
             <a:endParaRPr b="0" lang="en-GB" sz="1800" spc="-1" strike="noStrike">
               <a:solidFill>
                 <a:srgbClr val="ffffff"/>
               </a:solidFill>
               <a:latin typeface="Arial"/>
+              <a:ea typeface="DejaVu Sans"/>
             </a:endParaRPr>
           </a:p>
         </p:txBody>
@@ -19177,8 +19713,8 @@
         </p:nvSpPr>
         <p:spPr>
           <a:xfrm rot="16200000">
-            <a:off x="3831120" y="1938960"/>
-            <a:ext cx="66960" cy="58680"/>
+            <a:off x="3831120" y="1939320"/>
+            <a:ext cx="66600" cy="58320"/>
           </a:xfrm>
           <a:prstGeom prst="triangle">
             <a:avLst>
@@ -19209,15 +19745,21 @@
           <a:fontRef idx="minor"/>
         </p:style>
         <p:txBody>
-          <a:bodyPr lIns="90000" rIns="90000" tIns="90000" bIns="90000" anchor="t">
+          <a:bodyPr lIns="90000" rIns="90000" tIns="14760" bIns="14760" anchor="t">
             <a:noAutofit/>
           </a:bodyPr>
           <a:p>
+            <a:pPr>
+              <a:lnSpc>
+                <a:spcPct val="100000"/>
+              </a:lnSpc>
+            </a:pPr>
             <a:endParaRPr b="0" lang="en-GB" sz="1800" spc="-1" strike="noStrike">
               <a:solidFill>
                 <a:srgbClr val="ffffff"/>
               </a:solidFill>
               <a:latin typeface="Arial"/>
+              <a:ea typeface="DejaVu Sans"/>
             </a:endParaRPr>
           </a:p>
         </p:txBody>
@@ -19230,8 +19772,8 @@
         </p:nvSpPr>
         <p:spPr>
           <a:xfrm rot="16200000">
-            <a:off x="6027840" y="2427480"/>
-            <a:ext cx="66960" cy="58680"/>
+            <a:off x="6027840" y="2427840"/>
+            <a:ext cx="66600" cy="58320"/>
           </a:xfrm>
           <a:prstGeom prst="triangle">
             <a:avLst>
@@ -19262,15 +19804,21 @@
           <a:fontRef idx="minor"/>
         </p:style>
         <p:txBody>
-          <a:bodyPr lIns="90000" rIns="90000" tIns="90000" bIns="90000" anchor="t">
+          <a:bodyPr lIns="90000" rIns="90000" tIns="14760" bIns="14760" anchor="t">
             <a:noAutofit/>
           </a:bodyPr>
           <a:p>
+            <a:pPr>
+              <a:lnSpc>
+                <a:spcPct val="100000"/>
+              </a:lnSpc>
+            </a:pPr>
             <a:endParaRPr b="0" lang="en-GB" sz="1800" spc="-1" strike="noStrike">
               <a:solidFill>
                 <a:srgbClr val="ffffff"/>
               </a:solidFill>
               <a:latin typeface="Arial"/>
+              <a:ea typeface="DejaVu Sans"/>
             </a:endParaRPr>
           </a:p>
         </p:txBody>
@@ -19314,7 +19862,7 @@
         <p:spPr>
           <a:xfrm>
             <a:off x="542880" y="721800"/>
-            <a:ext cx="10355760" cy="496440"/>
+            <a:ext cx="10355400" cy="496080"/>
           </a:xfrm>
           <a:prstGeom prst="rect">
             <a:avLst/>
@@ -19350,7 +19898,7 @@
               </a:rPr>
               <a:t>Documentation</a:t>
             </a:r>
-            <a:endParaRPr b="0" lang="en-GB" sz="2200" spc="-1" strike="noStrike">
+            <a:endParaRPr b="0" lang="en-US" sz="2200" spc="-1" strike="noStrike">
               <a:solidFill>
                 <a:srgbClr val="000000"/>
               </a:solidFill>
@@ -19368,7 +19916,7 @@
         <p:spPr>
           <a:xfrm>
             <a:off x="542880" y="1267200"/>
-            <a:ext cx="10355760" cy="496440"/>
+            <a:ext cx="10355400" cy="496080"/>
           </a:xfrm>
           <a:prstGeom prst="rect">
             <a:avLst/>
@@ -19404,7 +19952,7 @@
               </a:rPr>
               <a:t>Traceability Matrix</a:t>
             </a:r>
-            <a:endParaRPr b="0" lang="en-GB" sz="2200" spc="-1" strike="noStrike">
+            <a:endParaRPr b="0" lang="en-US" sz="2200" spc="-1" strike="noStrike">
               <a:solidFill>
                 <a:srgbClr val="000000"/>
               </a:solidFill>
@@ -19422,7 +19970,7 @@
         <p:spPr>
           <a:xfrm>
             <a:off x="263520" y="6411600"/>
-            <a:ext cx="10918080" cy="226800"/>
+            <a:ext cx="10917720" cy="226800"/>
           </a:xfrm>
           <a:prstGeom prst="rect">
             <a:avLst/>
@@ -19468,7 +20016,7 @@
               </a:rPr>
               <a:t>Requirements Engineering – Fundamentals, Principles and Techniques</a:t>
             </a:r>
-            <a:endParaRPr b="0" lang="en-GB" sz="900" spc="-1" strike="noStrike">
+            <a:endParaRPr b="0" lang="en-US" sz="900" spc="-1" strike="noStrike">
               <a:solidFill>
                 <a:srgbClr val="000000"/>
               </a:solidFill>
@@ -19521,7 +20069,7 @@
                         </a:rPr>
                         <a:t>satisfies</a:t>
                       </a:r>
-                      <a:endParaRPr b="0" lang="en-GB" sz="1800" spc="-1" strike="noStrike">
+                      <a:endParaRPr b="0" lang="en-US" sz="1800" spc="-1" strike="noStrike">
                         <a:solidFill>
                           <a:srgbClr val="000000"/>
                         </a:solidFill>
@@ -19576,7 +20124,7 @@
                         </a:rPr>
                         <a:t>Goal 1</a:t>
                       </a:r>
-                      <a:endParaRPr b="0" lang="en-GB" sz="1800" spc="-1" strike="noStrike">
+                      <a:endParaRPr b="0" lang="en-US" sz="1800" spc="-1" strike="noStrike">
                         <a:solidFill>
                           <a:srgbClr val="000000"/>
                         </a:solidFill>
@@ -19631,7 +20179,7 @@
                         </a:rPr>
                         <a:t>Goal 2</a:t>
                       </a:r>
-                      <a:endParaRPr b="0" lang="en-GB" sz="1800" spc="-1" strike="noStrike">
+                      <a:endParaRPr b="0" lang="en-US" sz="1800" spc="-1" strike="noStrike">
                         <a:solidFill>
                           <a:srgbClr val="000000"/>
                         </a:solidFill>
@@ -19686,7 +20234,7 @@
                         </a:rPr>
                         <a:t>Goal 3</a:t>
                       </a:r>
-                      <a:endParaRPr b="0" lang="en-GB" sz="1800" spc="-1" strike="noStrike">
+                      <a:endParaRPr b="0" lang="en-US" sz="1800" spc="-1" strike="noStrike">
                         <a:solidFill>
                           <a:srgbClr val="000000"/>
                         </a:solidFill>
@@ -19741,7 +20289,7 @@
                         </a:rPr>
                         <a:t>Goal 4</a:t>
                       </a:r>
-                      <a:endParaRPr b="0" lang="en-GB" sz="1800" spc="-1" strike="noStrike">
+                      <a:endParaRPr b="0" lang="en-US" sz="1800" spc="-1" strike="noStrike">
                         <a:solidFill>
                           <a:srgbClr val="000000"/>
                         </a:solidFill>
@@ -19796,7 +20344,7 @@
                         </a:rPr>
                         <a:t>Goal 5</a:t>
                       </a:r>
-                      <a:endParaRPr b="0" lang="en-GB" sz="1800" spc="-1" strike="noStrike">
+                      <a:endParaRPr b="0" lang="en-US" sz="1800" spc="-1" strike="noStrike">
                         <a:solidFill>
                           <a:srgbClr val="000000"/>
                         </a:solidFill>
@@ -19853,7 +20401,7 @@
                         </a:rPr>
                         <a:t>Scenario 1</a:t>
                       </a:r>
-                      <a:endParaRPr b="0" lang="en-GB" sz="1800" spc="-1" strike="noStrike">
+                      <a:endParaRPr b="0" lang="en-US" sz="1800" spc="-1" strike="noStrike">
                         <a:solidFill>
                           <a:srgbClr val="000000"/>
                         </a:solidFill>
@@ -20110,7 +20658,7 @@
                         </a:rPr>
                         <a:t>Scenario 2</a:t>
                       </a:r>
-                      <a:endParaRPr b="0" lang="en-GB" sz="1800" spc="-1" strike="noStrike">
+                      <a:endParaRPr b="0" lang="en-US" sz="1800" spc="-1" strike="noStrike">
                         <a:solidFill>
                           <a:srgbClr val="000000"/>
                         </a:solidFill>
@@ -20367,7 +20915,7 @@
                         </a:rPr>
                         <a:t>Scenario 3</a:t>
                       </a:r>
-                      <a:endParaRPr b="0" lang="en-GB" sz="1800" spc="-1" strike="noStrike">
+                      <a:endParaRPr b="0" lang="en-US" sz="1800" spc="-1" strike="noStrike">
                         <a:solidFill>
                           <a:srgbClr val="000000"/>
                         </a:solidFill>
@@ -20502,7 +21050,7 @@
                         </a:rPr>
                         <a:t>Traceability</a:t>
                       </a:r>
-                      <a:endParaRPr b="0" lang="en-GB" sz="1600" spc="-1" strike="noStrike">
+                      <a:endParaRPr b="0" lang="en-US" sz="1600" spc="-1" strike="noStrike">
                         <a:solidFill>
                           <a:srgbClr val="000000"/>
                         </a:solidFill>
@@ -20639,7 +21187,7 @@
                         </a:rPr>
                         <a:t>Scenario 4</a:t>
                       </a:r>
-                      <a:endParaRPr b="0" lang="en-GB" sz="1800" spc="-1" strike="noStrike">
+                      <a:endParaRPr b="0" lang="en-US" sz="1800" spc="-1" strike="noStrike">
                         <a:solidFill>
                           <a:srgbClr val="000000"/>
                         </a:solidFill>
@@ -20774,7 +21322,7 @@
                         </a:rPr>
                         <a:t>relationships</a:t>
                       </a:r>
-                      <a:endParaRPr b="0" lang="en-GB" sz="1600" spc="-1" strike="noStrike">
+                      <a:endParaRPr b="0" lang="en-US" sz="1600" spc="-1" strike="noStrike">
                         <a:solidFill>
                           <a:srgbClr val="000000"/>
                         </a:solidFill>
@@ -20911,7 +21459,7 @@
                         </a:rPr>
                         <a:t>Scenario 5</a:t>
                       </a:r>
-                      <a:endParaRPr b="0" lang="en-GB" sz="1800" spc="-1" strike="noStrike">
+                      <a:endParaRPr b="0" lang="en-US" sz="1800" spc="-1" strike="noStrike">
                         <a:solidFill>
                           <a:srgbClr val="000000"/>
                         </a:solidFill>
@@ -21159,7 +21707,7 @@
         <p:spPr>
           <a:xfrm>
             <a:off x="1456200" y="2734200"/>
-            <a:ext cx="232200" cy="2851560"/>
+            <a:ext cx="231840" cy="2851200"/>
           </a:xfrm>
           <a:prstGeom prst="leftBracket">
             <a:avLst>
@@ -21190,11 +21738,17 @@
             <a:noAutofit/>
           </a:bodyPr>
           <a:p>
+            <a:pPr>
+              <a:lnSpc>
+                <a:spcPct val="100000"/>
+              </a:lnSpc>
+            </a:pPr>
             <a:endParaRPr b="0" lang="en-GB" sz="1800" spc="-1" strike="noStrike">
               <a:solidFill>
                 <a:srgbClr val="000000"/>
               </a:solidFill>
               <a:latin typeface="Arial"/>
+              <a:ea typeface="DejaVu Sans"/>
             </a:endParaRPr>
           </a:p>
         </p:txBody>
@@ -21207,8 +21761,8 @@
         </p:nvSpPr>
         <p:spPr>
           <a:xfrm rot="5400000">
-            <a:off x="6971760" y="-1235160"/>
-            <a:ext cx="232200" cy="7417800"/>
+            <a:off x="6972120" y="-1235160"/>
+            <a:ext cx="231840" cy="7417440"/>
           </a:xfrm>
           <a:prstGeom prst="leftBracket">
             <a:avLst>
@@ -21239,11 +21793,17 @@
             <a:noAutofit/>
           </a:bodyPr>
           <a:p>
+            <a:pPr>
+              <a:lnSpc>
+                <a:spcPct val="100000"/>
+              </a:lnSpc>
+            </a:pPr>
             <a:endParaRPr b="0" lang="en-GB" sz="1800" spc="-1" strike="noStrike">
               <a:solidFill>
                 <a:srgbClr val="000000"/>
               </a:solidFill>
               <a:latin typeface="Arial"/>
+              <a:ea typeface="DejaVu Sans"/>
             </a:endParaRPr>
           </a:p>
         </p:txBody>
@@ -21257,7 +21817,7 @@
         <p:spPr>
           <a:xfrm>
             <a:off x="5811480" y="1957680"/>
-            <a:ext cx="2243880" cy="394560"/>
+            <a:ext cx="2243520" cy="394560"/>
           </a:xfrm>
           <a:prstGeom prst="rect">
             <a:avLst/>
@@ -21293,7 +21853,7 @@
               </a:rPr>
               <a:t>Target artefacts</a:t>
             </a:r>
-            <a:endParaRPr b="0" lang="en-GB" sz="2000" spc="-1" strike="noStrike">
+            <a:endParaRPr b="0" lang="en-US" sz="2000" spc="-1" strike="noStrike">
               <a:solidFill>
                 <a:srgbClr val="000000"/>
               </a:solidFill>
@@ -21311,7 +21871,7 @@
         <p:spPr>
           <a:xfrm>
             <a:off x="0" y="3736080"/>
-            <a:ext cx="1580400" cy="699480"/>
+            <a:ext cx="1580040" cy="699480"/>
           </a:xfrm>
           <a:prstGeom prst="rect">
             <a:avLst/>
@@ -21347,7 +21907,7 @@
               </a:rPr>
               <a:t>Source artefacts</a:t>
             </a:r>
-            <a:endParaRPr b="0" lang="en-GB" sz="2000" spc="-1" strike="noStrike">
+            <a:endParaRPr b="0" lang="en-US" sz="2000" spc="-1" strike="noStrike">
               <a:solidFill>
                 <a:srgbClr val="000000"/>
               </a:solidFill>
@@ -21395,7 +21955,7 @@
         <p:spPr>
           <a:xfrm>
             <a:off x="542880" y="721800"/>
-            <a:ext cx="10355760" cy="496440"/>
+            <a:ext cx="10355400" cy="496080"/>
           </a:xfrm>
           <a:prstGeom prst="rect">
             <a:avLst/>
@@ -21431,7 +21991,7 @@
               </a:rPr>
               <a:t>Documentation</a:t>
             </a:r>
-            <a:endParaRPr b="0" lang="en-GB" sz="2200" spc="-1" strike="noStrike">
+            <a:endParaRPr b="0" lang="en-US" sz="2200" spc="-1" strike="noStrike">
               <a:solidFill>
                 <a:srgbClr val="000000"/>
               </a:solidFill>
@@ -21449,7 +22009,7 @@
         <p:spPr>
           <a:xfrm>
             <a:off x="542880" y="1267200"/>
-            <a:ext cx="10355760" cy="496440"/>
+            <a:ext cx="10355400" cy="496080"/>
           </a:xfrm>
           <a:prstGeom prst="rect">
             <a:avLst/>
@@ -21485,7 +22045,7 @@
               </a:rPr>
               <a:t>Traceability Matrix</a:t>
             </a:r>
-            <a:endParaRPr b="0" lang="en-GB" sz="2200" spc="-1" strike="noStrike">
+            <a:endParaRPr b="0" lang="en-US" sz="2200" spc="-1" strike="noStrike">
               <a:solidFill>
                 <a:srgbClr val="000000"/>
               </a:solidFill>
@@ -21503,7 +22063,7 @@
         <p:spPr>
           <a:xfrm>
             <a:off x="263520" y="6411600"/>
-            <a:ext cx="10918080" cy="226800"/>
+            <a:ext cx="10917720" cy="226800"/>
           </a:xfrm>
           <a:prstGeom prst="rect">
             <a:avLst/>
@@ -21549,7 +22109,7 @@
               </a:rPr>
               <a:t>Requirements Engineering – Fundamentals, Principles and Techniques</a:t>
             </a:r>
-            <a:endParaRPr b="0" lang="en-GB" sz="900" spc="-1" strike="noStrike">
+            <a:endParaRPr b="0" lang="en-US" sz="900" spc="-1" strike="noStrike">
               <a:solidFill>
                 <a:srgbClr val="000000"/>
               </a:solidFill>
@@ -21642,7 +22202,7 @@
                         </a:rPr>
                         <a:t>Goal 1</a:t>
                       </a:r>
-                      <a:endParaRPr b="0" lang="en-GB" sz="1800" spc="-1" strike="noStrike">
+                      <a:endParaRPr b="0" lang="en-US" sz="1800" spc="-1" strike="noStrike">
                         <a:solidFill>
                           <a:srgbClr val="000000"/>
                         </a:solidFill>
@@ -21697,7 +22257,7 @@
                         </a:rPr>
                         <a:t>Goal 2</a:t>
                       </a:r>
-                      <a:endParaRPr b="0" lang="en-GB" sz="1800" spc="-1" strike="noStrike">
+                      <a:endParaRPr b="0" lang="en-US" sz="1800" spc="-1" strike="noStrike">
                         <a:solidFill>
                           <a:srgbClr val="000000"/>
                         </a:solidFill>
@@ -21752,7 +22312,7 @@
                         </a:rPr>
                         <a:t>Goal 3</a:t>
                       </a:r>
-                      <a:endParaRPr b="0" lang="en-GB" sz="1800" spc="-1" strike="noStrike">
+                      <a:endParaRPr b="0" lang="en-US" sz="1800" spc="-1" strike="noStrike">
                         <a:solidFill>
                           <a:srgbClr val="000000"/>
                         </a:solidFill>
@@ -21807,7 +22367,7 @@
                         </a:rPr>
                         <a:t>Goal 4</a:t>
                       </a:r>
-                      <a:endParaRPr b="0" lang="en-GB" sz="1800" spc="-1" strike="noStrike">
+                      <a:endParaRPr b="0" lang="en-US" sz="1800" spc="-1" strike="noStrike">
                         <a:solidFill>
                           <a:srgbClr val="000000"/>
                         </a:solidFill>
@@ -21862,7 +22422,7 @@
                         </a:rPr>
                         <a:t>Goal 5</a:t>
                       </a:r>
-                      <a:endParaRPr b="0" lang="en-GB" sz="1800" spc="-1" strike="noStrike">
+                      <a:endParaRPr b="0" lang="en-US" sz="1800" spc="-1" strike="noStrike">
                         <a:solidFill>
                           <a:srgbClr val="000000"/>
                         </a:solidFill>
@@ -21919,7 +22479,7 @@
                         </a:rPr>
                         <a:t>Scenario 1</a:t>
                       </a:r>
-                      <a:endParaRPr b="0" lang="en-GB" sz="1800" spc="-1" strike="noStrike">
+                      <a:endParaRPr b="0" lang="en-US" sz="1800" spc="-1" strike="noStrike">
                         <a:solidFill>
                           <a:srgbClr val="000000"/>
                         </a:solidFill>
@@ -21974,7 +22534,7 @@
                         </a:rPr>
                         <a:t>satisfies</a:t>
                       </a:r>
-                      <a:endParaRPr b="0" lang="en-GB" sz="1800" spc="-1" strike="noStrike">
+                      <a:endParaRPr b="0" lang="en-US" sz="1800" spc="-1" strike="noStrike">
                         <a:solidFill>
                           <a:srgbClr val="000000"/>
                         </a:solidFill>
@@ -22191,7 +22751,7 @@
                         </a:rPr>
                         <a:t>Scenario 2</a:t>
                       </a:r>
-                      <a:endParaRPr b="0" lang="en-GB" sz="1800" spc="-1" strike="noStrike">
+                      <a:endParaRPr b="0" lang="en-US" sz="1800" spc="-1" strike="noStrike">
                         <a:solidFill>
                           <a:srgbClr val="000000"/>
                         </a:solidFill>
@@ -22246,7 +22806,7 @@
                         </a:rPr>
                         <a:t>based_on</a:t>
                       </a:r>
-                      <a:endParaRPr b="0" lang="en-GB" sz="1800" spc="-1" strike="noStrike">
+                      <a:endParaRPr b="0" lang="en-US" sz="1800" spc="-1" strike="noStrike">
                         <a:solidFill>
                           <a:srgbClr val="000000"/>
                         </a:solidFill>
@@ -22301,7 +22861,7 @@
                         </a:rPr>
                         <a:t>conflicts</a:t>
                       </a:r>
-                      <a:endParaRPr b="0" lang="en-GB" sz="1800" spc="-1" strike="noStrike">
+                      <a:endParaRPr b="0" lang="en-US" sz="1800" spc="-1" strike="noStrike">
                         <a:solidFill>
                           <a:srgbClr val="000000"/>
                         </a:solidFill>
@@ -22396,7 +22956,7 @@
                         </a:rPr>
                         <a:t>satisfies</a:t>
                       </a:r>
-                      <a:endParaRPr b="0" lang="en-GB" sz="1800" spc="-1" strike="noStrike">
+                      <a:endParaRPr b="0" lang="en-US" sz="1800" spc="-1" strike="noStrike">
                         <a:solidFill>
                           <a:srgbClr val="000000"/>
                         </a:solidFill>
@@ -22493,7 +23053,7 @@
                         </a:rPr>
                         <a:t>Scenario 3</a:t>
                       </a:r>
-                      <a:endParaRPr b="0" lang="en-GB" sz="1800" spc="-1" strike="noStrike">
+                      <a:endParaRPr b="0" lang="en-US" sz="1800" spc="-1" strike="noStrike">
                         <a:solidFill>
                           <a:srgbClr val="000000"/>
                         </a:solidFill>
@@ -22588,7 +23148,7 @@
                         </a:rPr>
                         <a:t>satisfies</a:t>
                       </a:r>
-                      <a:endParaRPr b="0" lang="en-GB" sz="1800" spc="-1" strike="noStrike">
+                      <a:endParaRPr b="0" lang="en-US" sz="1800" spc="-1" strike="noStrike">
                         <a:solidFill>
                           <a:srgbClr val="000000"/>
                         </a:solidFill>
@@ -22765,7 +23325,7 @@
                         </a:rPr>
                         <a:t>Scenario 4</a:t>
                       </a:r>
-                      <a:endParaRPr b="0" lang="en-GB" sz="1800" spc="-1" strike="noStrike">
+                      <a:endParaRPr b="0" lang="en-US" sz="1800" spc="-1" strike="noStrike">
                         <a:solidFill>
                           <a:srgbClr val="000000"/>
                         </a:solidFill>
@@ -22820,7 +23380,7 @@
                         </a:rPr>
                         <a:t>conflicts</a:t>
                       </a:r>
-                      <a:endParaRPr b="0" lang="en-GB" sz="1800" spc="-1" strike="noStrike">
+                      <a:endParaRPr b="0" lang="en-US" sz="1800" spc="-1" strike="noStrike">
                         <a:solidFill>
                           <a:srgbClr val="000000"/>
                         </a:solidFill>
@@ -22915,7 +23475,7 @@
                         </a:rPr>
                         <a:t>satisfies</a:t>
                       </a:r>
-                      <a:endParaRPr b="0" lang="en-GB" sz="1800" spc="-1" strike="noStrike">
+                      <a:endParaRPr b="0" lang="en-US" sz="1800" spc="-1" strike="noStrike">
                         <a:solidFill>
                           <a:srgbClr val="000000"/>
                         </a:solidFill>
@@ -23010,7 +23570,7 @@
                         </a:rPr>
                         <a:t>satisfies</a:t>
                       </a:r>
-                      <a:endParaRPr b="0" lang="en-GB" sz="1800" spc="-1" strike="noStrike">
+                      <a:endParaRPr b="0" lang="en-US" sz="1800" spc="-1" strike="noStrike">
                         <a:solidFill>
                           <a:srgbClr val="000000"/>
                         </a:solidFill>
@@ -23067,7 +23627,7 @@
                         </a:rPr>
                         <a:t>Scenario 5</a:t>
                       </a:r>
-                      <a:endParaRPr b="0" lang="en-GB" sz="1800" spc="-1" strike="noStrike">
+                      <a:endParaRPr b="0" lang="en-US" sz="1800" spc="-1" strike="noStrike">
                         <a:solidFill>
                           <a:srgbClr val="000000"/>
                         </a:solidFill>
@@ -23162,7 +23722,7 @@
                         </a:rPr>
                         <a:t>satisfies</a:t>
                       </a:r>
-                      <a:endParaRPr b="0" lang="en-GB" sz="1800" spc="-1" strike="noStrike">
+                      <a:endParaRPr b="0" lang="en-US" sz="1800" spc="-1" strike="noStrike">
                         <a:solidFill>
                           <a:srgbClr val="000000"/>
                         </a:solidFill>
@@ -23257,7 +23817,7 @@
                         </a:rPr>
                         <a:t>based_on</a:t>
                       </a:r>
-                      <a:endParaRPr b="0" lang="en-GB" sz="1800" spc="-1" strike="noStrike">
+                      <a:endParaRPr b="0" lang="en-US" sz="1800" spc="-1" strike="noStrike">
                         <a:solidFill>
                           <a:srgbClr val="000000"/>
                         </a:solidFill>
@@ -23345,7 +23905,7 @@
         <p:spPr>
           <a:xfrm>
             <a:off x="1456200" y="2734200"/>
-            <a:ext cx="232200" cy="2851560"/>
+            <a:ext cx="231840" cy="2851200"/>
           </a:xfrm>
           <a:prstGeom prst="leftBracket">
             <a:avLst>
@@ -23376,11 +23936,17 @@
             <a:noAutofit/>
           </a:bodyPr>
           <a:p>
+            <a:pPr>
+              <a:lnSpc>
+                <a:spcPct val="100000"/>
+              </a:lnSpc>
+            </a:pPr>
             <a:endParaRPr b="0" lang="en-GB" sz="1800" spc="-1" strike="noStrike">
               <a:solidFill>
                 <a:srgbClr val="000000"/>
               </a:solidFill>
               <a:latin typeface="Arial"/>
+              <a:ea typeface="DejaVu Sans"/>
             </a:endParaRPr>
           </a:p>
         </p:txBody>
@@ -23393,8 +23959,8 @@
         </p:nvSpPr>
         <p:spPr>
           <a:xfrm rot="5400000">
-            <a:off x="6971760" y="-1235160"/>
-            <a:ext cx="232200" cy="7417800"/>
+            <a:off x="6972120" y="-1235160"/>
+            <a:ext cx="231840" cy="7417440"/>
           </a:xfrm>
           <a:prstGeom prst="leftBracket">
             <a:avLst>
@@ -23425,11 +23991,17 @@
             <a:noAutofit/>
           </a:bodyPr>
           <a:p>
+            <a:pPr>
+              <a:lnSpc>
+                <a:spcPct val="100000"/>
+              </a:lnSpc>
+            </a:pPr>
             <a:endParaRPr b="0" lang="en-GB" sz="1800" spc="-1" strike="noStrike">
               <a:solidFill>
                 <a:srgbClr val="000000"/>
               </a:solidFill>
               <a:latin typeface="Arial"/>
+              <a:ea typeface="DejaVu Sans"/>
             </a:endParaRPr>
           </a:p>
         </p:txBody>
@@ -23443,7 +24015,7 @@
         <p:spPr>
           <a:xfrm>
             <a:off x="5811480" y="1957680"/>
-            <a:ext cx="2243880" cy="394560"/>
+            <a:ext cx="2243520" cy="394560"/>
           </a:xfrm>
           <a:prstGeom prst="rect">
             <a:avLst/>
@@ -23479,7 +24051,7 @@
               </a:rPr>
               <a:t>Target artefacts</a:t>
             </a:r>
-            <a:endParaRPr b="0" lang="en-GB" sz="2000" spc="-1" strike="noStrike">
+            <a:endParaRPr b="0" lang="en-US" sz="2000" spc="-1" strike="noStrike">
               <a:solidFill>
                 <a:srgbClr val="000000"/>
               </a:solidFill>
@@ -23497,7 +24069,7 @@
         <p:spPr>
           <a:xfrm>
             <a:off x="0" y="3736080"/>
-            <a:ext cx="1580400" cy="699480"/>
+            <a:ext cx="1580040" cy="699480"/>
           </a:xfrm>
           <a:prstGeom prst="rect">
             <a:avLst/>
@@ -23533,7 +24105,7 @@
               </a:rPr>
               <a:t>Source artefacts</a:t>
             </a:r>
-            <a:endParaRPr b="0" lang="en-GB" sz="2000" spc="-1" strike="noStrike">
+            <a:endParaRPr b="0" lang="en-US" sz="2000" spc="-1" strike="noStrike">
               <a:solidFill>
                 <a:srgbClr val="000000"/>
               </a:solidFill>
@@ -23581,7 +24153,7 @@
         <p:spPr>
           <a:xfrm>
             <a:off x="542880" y="721800"/>
-            <a:ext cx="10355760" cy="496440"/>
+            <a:ext cx="10355400" cy="496080"/>
           </a:xfrm>
           <a:prstGeom prst="rect">
             <a:avLst/>
@@ -23617,7 +24189,7 @@
               </a:rPr>
               <a:t>General Requirements Engineering Process</a:t>
             </a:r>
-            <a:endParaRPr b="0" lang="en-GB" sz="2200" spc="-1" strike="noStrike">
+            <a:endParaRPr b="0" lang="en-US" sz="2200" spc="-1" strike="noStrike">
               <a:solidFill>
                 <a:srgbClr val="000000"/>
               </a:solidFill>
@@ -23635,7 +24207,7 @@
         <p:spPr>
           <a:xfrm>
             <a:off x="542880" y="1267200"/>
-            <a:ext cx="10355760" cy="496440"/>
+            <a:ext cx="10355400" cy="496080"/>
           </a:xfrm>
           <a:prstGeom prst="rect">
             <a:avLst/>
@@ -23671,7 +24243,7 @@
               </a:rPr>
               <a:t>Overview</a:t>
             </a:r>
-            <a:endParaRPr b="0" lang="en-GB" sz="2200" spc="-1" strike="noStrike">
+            <a:endParaRPr b="0" lang="en-US" sz="2200" spc="-1" strike="noStrike">
               <a:solidFill>
                 <a:srgbClr val="000000"/>
               </a:solidFill>
@@ -23693,7 +24265,7 @@
         <p:spPr>
           <a:xfrm>
             <a:off x="542880" y="2387520"/>
-            <a:ext cx="10100880" cy="2078280"/>
+            <a:ext cx="10100520" cy="2077920"/>
           </a:xfrm>
           <a:prstGeom prst="rect">
             <a:avLst/>
@@ -23712,7 +24284,7 @@
         <p:spPr>
           <a:xfrm>
             <a:off x="8879760" y="2309760"/>
-            <a:ext cx="1837440" cy="2257200"/>
+            <a:ext cx="1837080" cy="2256840"/>
           </a:xfrm>
           <a:prstGeom prst="frame">
             <a:avLst>
@@ -23748,11 +24320,17 @@
             <a:noAutofit/>
           </a:bodyPr>
           <a:p>
+            <a:pPr>
+              <a:lnSpc>
+                <a:spcPct val="100000"/>
+              </a:lnSpc>
+            </a:pPr>
             <a:endParaRPr b="0" lang="en-GB" sz="1800" spc="-1" strike="noStrike">
               <a:solidFill>
                 <a:srgbClr val="000000"/>
               </a:solidFill>
               <a:latin typeface="Arial"/>
+              <a:ea typeface="DejaVu Sans"/>
             </a:endParaRPr>
           </a:p>
         </p:txBody>
@@ -23796,7 +24374,7 @@
         <p:spPr>
           <a:xfrm>
             <a:off x="542880" y="721800"/>
-            <a:ext cx="10355760" cy="496440"/>
+            <a:ext cx="10355400" cy="496080"/>
           </a:xfrm>
           <a:prstGeom prst="rect">
             <a:avLst/>
@@ -23832,7 +24410,7 @@
               </a:rPr>
               <a:t>Documentation</a:t>
             </a:r>
-            <a:endParaRPr b="0" lang="en-GB" sz="2200" spc="-1" strike="noStrike">
+            <a:endParaRPr b="0" lang="en-US" sz="2200" spc="-1" strike="noStrike">
               <a:solidFill>
                 <a:srgbClr val="000000"/>
               </a:solidFill>
@@ -23850,7 +24428,7 @@
         <p:spPr>
           <a:xfrm>
             <a:off x="542880" y="1267200"/>
-            <a:ext cx="10355760" cy="496440"/>
+            <a:ext cx="10355400" cy="496080"/>
           </a:xfrm>
           <a:prstGeom prst="rect">
             <a:avLst/>
@@ -23886,7 +24464,7 @@
               </a:rPr>
               <a:t>Traceability Matrix</a:t>
             </a:r>
-            <a:endParaRPr b="0" lang="en-GB" sz="2200" spc="-1" strike="noStrike">
+            <a:endParaRPr b="0" lang="en-US" sz="2200" spc="-1" strike="noStrike">
               <a:solidFill>
                 <a:srgbClr val="000000"/>
               </a:solidFill>
@@ -23904,7 +24482,7 @@
         <p:spPr>
           <a:xfrm>
             <a:off x="451800" y="1709280"/>
-            <a:ext cx="8223120" cy="4351320"/>
+            <a:ext cx="8222760" cy="4350960"/>
           </a:xfrm>
           <a:prstGeom prst="rect">
             <a:avLst/>
@@ -23925,11 +24503,17 @@
             <a:noAutofit/>
           </a:bodyPr>
           <a:p>
+            <a:pPr>
+              <a:lnSpc>
+                <a:spcPct val="100000"/>
+              </a:lnSpc>
+            </a:pPr>
             <a:endParaRPr b="0" lang="en-GB" sz="1800" spc="-1" strike="noStrike">
               <a:solidFill>
                 <a:srgbClr val="000000"/>
               </a:solidFill>
               <a:latin typeface="Arial"/>
+              <a:ea typeface="DejaVu Sans"/>
             </a:endParaRPr>
           </a:p>
         </p:txBody>
@@ -23947,7 +24531,7 @@
         <p:spPr>
           <a:xfrm>
             <a:off x="609480" y="1769400"/>
-            <a:ext cx="10586160" cy="4854240"/>
+            <a:ext cx="10585800" cy="4853880"/>
           </a:xfrm>
           <a:prstGeom prst="rect">
             <a:avLst/>
@@ -23986,7 +24570,7 @@
               </a:rPr>
               <a:t>Documents traceability in a matrix</a:t>
             </a:r>
-            <a:endParaRPr b="0" lang="en-GB" sz="2000" spc="-1" strike="noStrike">
+            <a:endParaRPr b="0" lang="en-US" sz="2000" spc="-1" strike="noStrike">
               <a:solidFill>
                 <a:srgbClr val="000000"/>
               </a:solidFill>
@@ -24018,7 +24602,7 @@
               </a:rPr>
               <a:t>Rows represent the initial artefact</a:t>
             </a:r>
-            <a:endParaRPr b="0" lang="en-GB" sz="2000" spc="-1" strike="noStrike">
+            <a:endParaRPr b="0" lang="en-US" sz="2000" spc="-1" strike="noStrike">
               <a:solidFill>
                 <a:srgbClr val="000000"/>
               </a:solidFill>
@@ -24060,7 +24644,7 @@
               </a:rPr>
               <a:t>	</a:t>
             </a:r>
-            <a:endParaRPr b="0" lang="en-GB" sz="2000" spc="-1" strike="noStrike">
+            <a:endParaRPr b="0" lang="en-US" sz="2000" spc="-1" strike="noStrike">
               <a:solidFill>
                 <a:srgbClr val="000000"/>
               </a:solidFill>
@@ -24092,7 +24676,7 @@
               </a:rPr>
               <a:t>Sources of requirements</a:t>
             </a:r>
-            <a:endParaRPr b="0" lang="en-GB" sz="1800" spc="-1" strike="noStrike">
+            <a:endParaRPr b="0" lang="en-US" sz="1800" spc="-1" strike="noStrike">
               <a:solidFill>
                 <a:srgbClr val="000000"/>
               </a:solidFill>
@@ -24124,7 +24708,7 @@
               </a:rPr>
               <a:t>Development artefacts</a:t>
             </a:r>
-            <a:endParaRPr b="0" lang="en-GB" sz="1800" spc="-1" strike="noStrike">
+            <a:endParaRPr b="0" lang="en-US" sz="1800" spc="-1" strike="noStrike">
               <a:solidFill>
                 <a:srgbClr val="000000"/>
               </a:solidFill>
@@ -24156,7 +24740,7 @@
               </a:rPr>
               <a:t>Requirements</a:t>
             </a:r>
-            <a:endParaRPr b="0" lang="en-GB" sz="1800" spc="-1" strike="noStrike">
+            <a:endParaRPr b="0" lang="en-US" sz="1800" spc="-1" strike="noStrike">
               <a:solidFill>
                 <a:srgbClr val="000000"/>
               </a:solidFill>
@@ -24204,7 +24788,7 @@
         <p:spPr>
           <a:xfrm>
             <a:off x="542880" y="721800"/>
-            <a:ext cx="10355760" cy="496440"/>
+            <a:ext cx="10355400" cy="496080"/>
           </a:xfrm>
           <a:prstGeom prst="rect">
             <a:avLst/>
@@ -24240,7 +24824,7 @@
               </a:rPr>
               <a:t>Documentation</a:t>
             </a:r>
-            <a:endParaRPr b="0" lang="en-GB" sz="2200" spc="-1" strike="noStrike">
+            <a:endParaRPr b="0" lang="en-US" sz="2200" spc="-1" strike="noStrike">
               <a:solidFill>
                 <a:srgbClr val="000000"/>
               </a:solidFill>
@@ -24258,7 +24842,7 @@
         <p:spPr>
           <a:xfrm>
             <a:off x="542880" y="1267200"/>
-            <a:ext cx="10355760" cy="496440"/>
+            <a:ext cx="10355400" cy="496080"/>
           </a:xfrm>
           <a:prstGeom prst="rect">
             <a:avLst/>
@@ -24294,7 +24878,7 @@
               </a:rPr>
               <a:t>Traceability Matrix</a:t>
             </a:r>
-            <a:endParaRPr b="0" lang="en-GB" sz="2200" spc="-1" strike="noStrike">
+            <a:endParaRPr b="0" lang="en-US" sz="2200" spc="-1" strike="noStrike">
               <a:solidFill>
                 <a:srgbClr val="000000"/>
               </a:solidFill>
@@ -24312,7 +24896,7 @@
         <p:spPr>
           <a:xfrm>
             <a:off x="451800" y="1709280"/>
-            <a:ext cx="8223120" cy="4351320"/>
+            <a:ext cx="8222760" cy="4350960"/>
           </a:xfrm>
           <a:prstGeom prst="rect">
             <a:avLst/>
@@ -24333,11 +24917,17 @@
             <a:noAutofit/>
           </a:bodyPr>
           <a:p>
+            <a:pPr>
+              <a:lnSpc>
+                <a:spcPct val="100000"/>
+              </a:lnSpc>
+            </a:pPr>
             <a:endParaRPr b="0" lang="en-GB" sz="1800" spc="-1" strike="noStrike">
               <a:solidFill>
                 <a:srgbClr val="000000"/>
               </a:solidFill>
               <a:latin typeface="Arial"/>
+              <a:ea typeface="DejaVu Sans"/>
             </a:endParaRPr>
           </a:p>
         </p:txBody>
@@ -24355,7 +24945,7 @@
         <p:spPr>
           <a:xfrm>
             <a:off x="609480" y="1769400"/>
-            <a:ext cx="10586160" cy="4854240"/>
+            <a:ext cx="10585800" cy="4853880"/>
           </a:xfrm>
           <a:prstGeom prst="rect">
             <a:avLst/>
@@ -24394,7 +24984,7 @@
               </a:rPr>
               <a:t>Advantages:</a:t>
             </a:r>
-            <a:endParaRPr b="0" lang="en-GB" sz="2000" spc="-1" strike="noStrike">
+            <a:endParaRPr b="0" lang="en-US" sz="2000" spc="-1" strike="noStrike">
               <a:solidFill>
                 <a:srgbClr val="000000"/>
               </a:solidFill>
@@ -24426,7 +25016,7 @@
               </a:rPr>
               <a:t>Good overview</a:t>
             </a:r>
-            <a:endParaRPr b="0" lang="en-GB" sz="1800" spc="-1" strike="noStrike">
+            <a:endParaRPr b="0" lang="en-US" sz="1800" spc="-1" strike="noStrike">
               <a:solidFill>
                 <a:srgbClr val="000000"/>
               </a:solidFill>
@@ -24458,7 +25048,7 @@
               </a:rPr>
               <a:t>Separation → One matrix per traceability aspect</a:t>
             </a:r>
-            <a:endParaRPr b="0" lang="en-GB" sz="1800" spc="-1" strike="noStrike">
+            <a:endParaRPr b="0" lang="en-US" sz="1800" spc="-1" strike="noStrike">
               <a:solidFill>
                 <a:srgbClr val="000000"/>
               </a:solidFill>
@@ -24490,7 +25080,7 @@
               </a:rPr>
               <a:t>Disadvantages:</a:t>
             </a:r>
-            <a:endParaRPr b="0" lang="en-GB" sz="2000" spc="-1" strike="noStrike">
+            <a:endParaRPr b="0" lang="en-US" sz="2000" spc="-1" strike="noStrike">
               <a:solidFill>
                 <a:srgbClr val="000000"/>
               </a:solidFill>
@@ -24522,7 +25112,7 @@
               </a:rPr>
               <a:t>Difficult to maintain (might be very large)</a:t>
             </a:r>
-            <a:endParaRPr b="0" lang="en-GB" sz="1800" spc="-1" strike="noStrike">
+            <a:endParaRPr b="0" lang="en-US" sz="1800" spc="-1" strike="noStrike">
               <a:solidFill>
                 <a:srgbClr val="000000"/>
               </a:solidFill>
@@ -24554,7 +25144,7 @@
               </a:rPr>
               <a:t>Multiple matrices required</a:t>
             </a:r>
-            <a:endParaRPr b="0" lang="en-GB" sz="1800" spc="-1" strike="noStrike">
+            <a:endParaRPr b="0" lang="en-US" sz="1800" spc="-1" strike="noStrike">
               <a:solidFill>
                 <a:srgbClr val="000000"/>
               </a:solidFill>
@@ -24602,7 +25192,7 @@
         <p:spPr>
           <a:xfrm>
             <a:off x="542880" y="721800"/>
-            <a:ext cx="10355760" cy="496440"/>
+            <a:ext cx="10355400" cy="496080"/>
           </a:xfrm>
           <a:prstGeom prst="rect">
             <a:avLst/>
@@ -24638,7 +25228,7 @@
               </a:rPr>
               <a:t>Documentation</a:t>
             </a:r>
-            <a:endParaRPr b="0" lang="en-GB" sz="2200" spc="-1" strike="noStrike">
+            <a:endParaRPr b="0" lang="en-US" sz="2200" spc="-1" strike="noStrike">
               <a:solidFill>
                 <a:srgbClr val="000000"/>
               </a:solidFill>
@@ -24656,7 +25246,7 @@
         <p:spPr>
           <a:xfrm>
             <a:off x="451800" y="1709280"/>
-            <a:ext cx="8223120" cy="4351320"/>
+            <a:ext cx="8222760" cy="4350960"/>
           </a:xfrm>
           <a:prstGeom prst="rect">
             <a:avLst/>
@@ -24677,11 +25267,17 @@
             <a:noAutofit/>
           </a:bodyPr>
           <a:p>
+            <a:pPr>
+              <a:lnSpc>
+                <a:spcPct val="100000"/>
+              </a:lnSpc>
+            </a:pPr>
             <a:endParaRPr b="0" lang="en-GB" sz="1800" spc="-1" strike="noStrike">
               <a:solidFill>
                 <a:srgbClr val="000000"/>
               </a:solidFill>
               <a:latin typeface="Arial"/>
+              <a:ea typeface="DejaVu Sans"/>
             </a:endParaRPr>
           </a:p>
         </p:txBody>
@@ -24695,7 +25291,7 @@
         <p:spPr>
           <a:xfrm>
             <a:off x="542880" y="1267200"/>
-            <a:ext cx="10355760" cy="496440"/>
+            <a:ext cx="10355400" cy="496080"/>
           </a:xfrm>
           <a:prstGeom prst="rect">
             <a:avLst/>
@@ -24731,7 +25327,7 @@
               </a:rPr>
               <a:t>Traceability Graph</a:t>
             </a:r>
-            <a:endParaRPr b="0" lang="en-GB" sz="2200" spc="-1" strike="noStrike">
+            <a:endParaRPr b="0" lang="en-US" sz="2200" spc="-1" strike="noStrike">
               <a:solidFill>
                 <a:srgbClr val="000000"/>
               </a:solidFill>
@@ -24753,7 +25349,7 @@
         <p:spPr>
           <a:xfrm>
             <a:off x="4218120" y="871560"/>
-            <a:ext cx="6680520" cy="5418360"/>
+            <a:ext cx="6680160" cy="5418000"/>
           </a:xfrm>
           <a:prstGeom prst="rect">
             <a:avLst/>
@@ -24772,7 +25368,7 @@
         <p:spPr>
           <a:xfrm>
             <a:off x="263520" y="6411600"/>
-            <a:ext cx="10918080" cy="226800"/>
+            <a:ext cx="10917720" cy="226800"/>
           </a:xfrm>
           <a:prstGeom prst="rect">
             <a:avLst/>
@@ -24818,7 +25414,7 @@
               </a:rPr>
               <a:t>Requirements Engineering Fundamentals: A study guide for Requirements Engineering Foundation Level</a:t>
             </a:r>
-            <a:endParaRPr b="0" lang="en-GB" sz="900" spc="-1" strike="noStrike">
+            <a:endParaRPr b="0" lang="en-US" sz="900" spc="-1" strike="noStrike">
               <a:solidFill>
                 <a:srgbClr val="000000"/>
               </a:solidFill>
@@ -24866,7 +25462,7 @@
         <p:spPr>
           <a:xfrm>
             <a:off x="542880" y="721800"/>
-            <a:ext cx="10355760" cy="496440"/>
+            <a:ext cx="10355400" cy="496080"/>
           </a:xfrm>
           <a:prstGeom prst="rect">
             <a:avLst/>
@@ -24902,7 +25498,7 @@
               </a:rPr>
               <a:t>Documentation</a:t>
             </a:r>
-            <a:endParaRPr b="0" lang="en-GB" sz="2200" spc="-1" strike="noStrike">
+            <a:endParaRPr b="0" lang="en-US" sz="2200" spc="-1" strike="noStrike">
               <a:solidFill>
                 <a:srgbClr val="000000"/>
               </a:solidFill>
@@ -24920,7 +25516,7 @@
         <p:spPr>
           <a:xfrm>
             <a:off x="542880" y="1267200"/>
-            <a:ext cx="10355760" cy="496440"/>
+            <a:ext cx="10355400" cy="496080"/>
           </a:xfrm>
           <a:prstGeom prst="rect">
             <a:avLst/>
@@ -24956,7 +25552,7 @@
               </a:rPr>
               <a:t>Traceability Graph</a:t>
             </a:r>
-            <a:endParaRPr b="0" lang="en-GB" sz="2200" spc="-1" strike="noStrike">
+            <a:endParaRPr b="0" lang="en-US" sz="2200" spc="-1" strike="noStrike">
               <a:solidFill>
                 <a:srgbClr val="000000"/>
               </a:solidFill>
@@ -24974,7 +25570,7 @@
         <p:spPr>
           <a:xfrm>
             <a:off x="451800" y="1709280"/>
-            <a:ext cx="8223120" cy="4351320"/>
+            <a:ext cx="8222760" cy="4350960"/>
           </a:xfrm>
           <a:prstGeom prst="rect">
             <a:avLst/>
@@ -24995,11 +25591,17 @@
             <a:noAutofit/>
           </a:bodyPr>
           <a:p>
+            <a:pPr>
+              <a:lnSpc>
+                <a:spcPct val="100000"/>
+              </a:lnSpc>
+            </a:pPr>
             <a:endParaRPr b="0" lang="en-GB" sz="1800" spc="-1" strike="noStrike">
               <a:solidFill>
                 <a:srgbClr val="000000"/>
               </a:solidFill>
               <a:latin typeface="Arial"/>
+              <a:ea typeface="DejaVu Sans"/>
             </a:endParaRPr>
           </a:p>
         </p:txBody>
@@ -25017,7 +25619,7 @@
         <p:spPr>
           <a:xfrm>
             <a:off x="609480" y="1769400"/>
-            <a:ext cx="10586160" cy="4854240"/>
+            <a:ext cx="10585800" cy="4853880"/>
           </a:xfrm>
           <a:prstGeom prst="rect">
             <a:avLst/>
@@ -25056,7 +25658,7 @@
               </a:rPr>
               <a:t>Graphical notation for traceability</a:t>
             </a:r>
-            <a:endParaRPr b="0" lang="en-GB" sz="2000" spc="-1" strike="noStrike">
+            <a:endParaRPr b="0" lang="en-US" sz="2000" spc="-1" strike="noStrike">
               <a:solidFill>
                 <a:srgbClr val="000000"/>
               </a:solidFill>
@@ -25088,7 +25690,7 @@
               </a:rPr>
               <a:t>Nodes represent development artefacts</a:t>
             </a:r>
-            <a:endParaRPr b="0" lang="en-GB" sz="2000" spc="-1" strike="noStrike">
+            <a:endParaRPr b="0" lang="en-US" sz="2000" spc="-1" strike="noStrike">
               <a:solidFill>
                 <a:srgbClr val="000000"/>
               </a:solidFill>
@@ -25120,7 +25722,7 @@
               </a:rPr>
               <a:t>Edges represent traceability relations</a:t>
             </a:r>
-            <a:endParaRPr b="0" lang="en-GB" sz="2000" spc="-1" strike="noStrike">
+            <a:endParaRPr b="0" lang="en-US" sz="2000" spc="-1" strike="noStrike">
               <a:solidFill>
                 <a:srgbClr val="000000"/>
               </a:solidFill>
@@ -25152,7 +25754,7 @@
               </a:rPr>
               <a:t>Infeasible to create and maintain manually → Requires tool support</a:t>
             </a:r>
-            <a:endParaRPr b="0" lang="en-GB" sz="2000" spc="-1" strike="noStrike">
+            <a:endParaRPr b="0" lang="en-US" sz="2000" spc="-1" strike="noStrike">
               <a:solidFill>
                 <a:srgbClr val="000000"/>
               </a:solidFill>
@@ -25200,7 +25802,7 @@
         <p:spPr>
           <a:xfrm>
             <a:off x="335520" y="4406760"/>
-            <a:ext cx="10747440" cy="1356480"/>
+            <a:ext cx="10747080" cy="1356120"/>
           </a:xfrm>
           <a:prstGeom prst="rect">
             <a:avLst/>
@@ -25236,7 +25838,7 @@
               </a:rPr>
               <a:t>Summary</a:t>
             </a:r>
-            <a:endParaRPr b="0" lang="en-GB" sz="3000" spc="-1" strike="noStrike">
+            <a:endParaRPr b="0" lang="en-US" sz="3000" spc="-1" strike="noStrike">
               <a:solidFill>
                 <a:srgbClr val="000000"/>
               </a:solidFill>
@@ -25254,7 +25856,7 @@
         <p:spPr>
           <a:xfrm>
             <a:off x="335520" y="2906640"/>
-            <a:ext cx="10747440" cy="1494360"/>
+            <a:ext cx="10747080" cy="1494000"/>
           </a:xfrm>
           <a:prstGeom prst="rect">
             <a:avLst/>
@@ -25275,11 +25877,17 @@
             <a:noAutofit/>
           </a:bodyPr>
           <a:p>
+            <a:pPr>
+              <a:lnSpc>
+                <a:spcPct val="100000"/>
+              </a:lnSpc>
+            </a:pPr>
             <a:endParaRPr b="0" lang="en-GB" sz="1800" spc="-1" strike="noStrike">
               <a:solidFill>
                 <a:srgbClr val="000000"/>
               </a:solidFill>
               <a:latin typeface="Arial"/>
+              <a:ea typeface="DejaVu Sans"/>
             </a:endParaRPr>
           </a:p>
         </p:txBody>
@@ -25323,7 +25931,7 @@
         <p:spPr>
           <a:xfrm>
             <a:off x="542880" y="721800"/>
-            <a:ext cx="10355760" cy="496440"/>
+            <a:ext cx="10355400" cy="496080"/>
           </a:xfrm>
           <a:prstGeom prst="rect">
             <a:avLst/>
@@ -25359,7 +25967,7 @@
               </a:rPr>
               <a:t>Summary</a:t>
             </a:r>
-            <a:endParaRPr b="0" lang="en-GB" sz="2200" spc="-1" strike="noStrike">
+            <a:endParaRPr b="0" lang="en-US" sz="2200" spc="-1" strike="noStrike">
               <a:solidFill>
                 <a:srgbClr val="000000"/>
               </a:solidFill>
@@ -25377,7 +25985,7 @@
         <p:spPr>
           <a:xfrm>
             <a:off x="451800" y="1709280"/>
-            <a:ext cx="8223120" cy="4351320"/>
+            <a:ext cx="8222760" cy="4350960"/>
           </a:xfrm>
           <a:prstGeom prst="rect">
             <a:avLst/>
@@ -25398,11 +26006,17 @@
             <a:noAutofit/>
           </a:bodyPr>
           <a:p>
+            <a:pPr>
+              <a:lnSpc>
+                <a:spcPct val="100000"/>
+              </a:lnSpc>
+            </a:pPr>
             <a:endParaRPr b="0" lang="en-GB" sz="1800" spc="-1" strike="noStrike">
               <a:solidFill>
                 <a:srgbClr val="000000"/>
               </a:solidFill>
               <a:latin typeface="Arial"/>
+              <a:ea typeface="DejaVu Sans"/>
             </a:endParaRPr>
           </a:p>
         </p:txBody>
@@ -25420,7 +26034,7 @@
         <p:spPr>
           <a:xfrm>
             <a:off x="609480" y="1769400"/>
-            <a:ext cx="10586160" cy="4854240"/>
+            <a:ext cx="10585800" cy="4853880"/>
           </a:xfrm>
           <a:prstGeom prst="rect">
             <a:avLst/>
@@ -25459,7 +26073,7 @@
               </a:rPr>
               <a:t>Analysis and understanding of the relations among</a:t>
             </a:r>
-            <a:endParaRPr b="0" lang="en-GB" sz="2000" spc="-1" strike="noStrike">
+            <a:endParaRPr b="0" lang="en-US" sz="2000" spc="-1" strike="noStrike">
               <a:solidFill>
                 <a:srgbClr val="000000"/>
               </a:solidFill>
@@ -25491,7 +26105,7 @@
               </a:rPr>
               <a:t>Requirements</a:t>
             </a:r>
-            <a:endParaRPr b="0" lang="en-GB" sz="1800" spc="-1" strike="noStrike">
+            <a:endParaRPr b="0" lang="en-US" sz="1800" spc="-1" strike="noStrike">
               <a:solidFill>
                 <a:srgbClr val="000000"/>
               </a:solidFill>
@@ -25523,7 +26137,7 @@
               </a:rPr>
               <a:t>Requirements sources</a:t>
             </a:r>
-            <a:endParaRPr b="0" lang="en-GB" sz="1800" spc="-1" strike="noStrike">
+            <a:endParaRPr b="0" lang="en-US" sz="1800" spc="-1" strike="noStrike">
               <a:solidFill>
                 <a:srgbClr val="000000"/>
               </a:solidFill>
@@ -25555,7 +26169,7 @@
               </a:rPr>
               <a:t>Development artefacts</a:t>
             </a:r>
-            <a:endParaRPr b="0" lang="en-GB" sz="1800" spc="-1" strike="noStrike">
+            <a:endParaRPr b="0" lang="en-US" sz="1800" spc="-1" strike="noStrike">
               <a:solidFill>
                 <a:srgbClr val="000000"/>
               </a:solidFill>
@@ -25587,7 +26201,7 @@
               </a:rPr>
               <a:t>Supports other activities </a:t>
             </a:r>
-            <a:endParaRPr b="0" lang="en-GB" sz="2000" spc="-1" strike="noStrike">
+            <a:endParaRPr b="0" lang="en-US" sz="2000" spc="-1" strike="noStrike">
               <a:solidFill>
                 <a:srgbClr val="000000"/>
               </a:solidFill>
@@ -25619,7 +26233,7 @@
               </a:rPr>
               <a:t>Especially useful for maintenance</a:t>
             </a:r>
-            <a:endParaRPr b="0" lang="en-GB" sz="1800" spc="-1" strike="noStrike">
+            <a:endParaRPr b="0" lang="en-US" sz="1800" spc="-1" strike="noStrike">
               <a:solidFill>
                 <a:srgbClr val="000000"/>
               </a:solidFill>
@@ -25651,7 +26265,7 @@
               </a:rPr>
               <a:t>E.g., analyze impact of (requirement) changes</a:t>
             </a:r>
-            <a:endParaRPr b="0" lang="en-GB" sz="1800" spc="-1" strike="noStrike">
+            <a:endParaRPr b="0" lang="en-US" sz="1800" spc="-1" strike="noStrike">
               <a:solidFill>
                 <a:srgbClr val="000000"/>
               </a:solidFill>
@@ -25683,7 +26297,7 @@
               </a:rPr>
               <a:t>Good traceability is difficult to maintain </a:t>
             </a:r>
-            <a:endParaRPr b="0" lang="en-GB" sz="2000" spc="-1" strike="noStrike">
+            <a:endParaRPr b="0" lang="en-US" sz="2000" spc="-1" strike="noStrike">
               <a:solidFill>
                 <a:srgbClr val="000000"/>
               </a:solidFill>
@@ -25715,7 +26329,7 @@
               </a:rPr>
               <a:t>Tool support might help</a:t>
             </a:r>
-            <a:endParaRPr b="0" lang="en-GB" sz="1800" spc="-1" strike="noStrike">
+            <a:endParaRPr b="0" lang="en-US" sz="1800" spc="-1" strike="noStrike">
               <a:solidFill>
                 <a:srgbClr val="000000"/>
               </a:solidFill>
@@ -25763,7 +26377,7 @@
         <p:spPr>
           <a:xfrm>
             <a:off x="335520" y="1268640"/>
-            <a:ext cx="10744200" cy="5031720"/>
+            <a:ext cx="10743840" cy="5031360"/>
           </a:xfrm>
           <a:prstGeom prst="rect">
             <a:avLst/>
@@ -25805,7 +26419,7 @@
               </a:rPr>
               <a:t>Questions?</a:t>
             </a:r>
-            <a:endParaRPr b="0" lang="en-GB" sz="4000" spc="-1" strike="noStrike">
+            <a:endParaRPr b="0" lang="en-US" sz="4000" spc="-1" strike="noStrike">
               <a:solidFill>
                 <a:srgbClr val="000000"/>
               </a:solidFill>
@@ -25823,7 +26437,7 @@
         <p:spPr>
           <a:xfrm>
             <a:off x="335520" y="764640"/>
-            <a:ext cx="10744200" cy="495000"/>
+            <a:ext cx="10743840" cy="494640"/>
           </a:xfrm>
           <a:prstGeom prst="rect">
             <a:avLst/>
@@ -25844,11 +26458,17 @@
             <a:noAutofit/>
           </a:bodyPr>
           <a:p>
+            <a:pPr>
+              <a:lnSpc>
+                <a:spcPct val="100000"/>
+              </a:lnSpc>
+            </a:pPr>
             <a:endParaRPr b="0" lang="en-GB" sz="1800" spc="-1" strike="noStrike">
               <a:solidFill>
                 <a:srgbClr val="000000"/>
               </a:solidFill>
               <a:latin typeface="Arial"/>
+              <a:ea typeface="DejaVu Sans"/>
             </a:endParaRPr>
           </a:p>
         </p:txBody>
@@ -25896,7 +26516,7 @@
         <p:spPr>
           <a:xfrm>
             <a:off x="542880" y="685800"/>
-            <a:ext cx="10355760" cy="496440"/>
+            <a:ext cx="10355400" cy="496080"/>
           </a:xfrm>
           <a:prstGeom prst="rect">
             <a:avLst/>
@@ -25928,9 +26548,19 @@
                 <a:latin typeface="DejaVu Sans"/>
                 <a:ea typeface="DejaVu Sans"/>
               </a:rPr>
-              <a:t>References</a:t>
-            </a:r>
-            <a:endParaRPr b="0" lang="en-GB" sz="2200" spc="-1" strike="noStrike">
+              <a:t>Referen</a:t>
+            </a:r>
+            <a:r>
+              <a:rPr b="1" lang="de-DE" sz="2200" spc="-1" strike="noStrike">
+                <a:solidFill>
+                  <a:srgbClr val="000000"/>
+                </a:solidFill>
+                <a:latin typeface="DejaVu Sans"/>
+                <a:ea typeface="DejaVu Sans"/>
+              </a:rPr>
+              <a:t>ces</a:t>
+            </a:r>
+            <a:endParaRPr b="0" lang="en-US" sz="2200" spc="-1" strike="noStrike">
               <a:solidFill>
                 <a:srgbClr val="000000"/>
               </a:solidFill>
@@ -25978,7 +26608,7 @@
         <p:spPr>
           <a:xfrm>
             <a:off x="542880" y="721800"/>
-            <a:ext cx="10355760" cy="496440"/>
+            <a:ext cx="10355400" cy="496080"/>
           </a:xfrm>
           <a:prstGeom prst="rect">
             <a:avLst/>
@@ -26014,7 +26644,7 @@
               </a:rPr>
               <a:t>Lecture 11: Traceability</a:t>
             </a:r>
-            <a:endParaRPr b="0" lang="en-GB" sz="2200" spc="-1" strike="noStrike">
+            <a:endParaRPr b="0" lang="en-US" sz="2200" spc="-1" strike="noStrike">
               <a:solidFill>
                 <a:srgbClr val="000000"/>
               </a:solidFill>
@@ -26032,7 +26662,7 @@
         <p:spPr>
           <a:xfrm>
             <a:off x="542880" y="1267200"/>
-            <a:ext cx="10355760" cy="496440"/>
+            <a:ext cx="10355400" cy="496080"/>
           </a:xfrm>
           <a:prstGeom prst="rect">
             <a:avLst/>
@@ -26068,7 +26698,7 @@
               </a:rPr>
               <a:t>Content</a:t>
             </a:r>
-            <a:endParaRPr b="0" lang="en-GB" sz="2200" spc="-1" strike="noStrike">
+            <a:endParaRPr b="0" lang="en-US" sz="2200" spc="-1" strike="noStrike">
               <a:solidFill>
                 <a:srgbClr val="000000"/>
               </a:solidFill>
@@ -26086,7 +26716,7 @@
         <p:spPr>
           <a:xfrm>
             <a:off x="451800" y="1709280"/>
-            <a:ext cx="8223120" cy="4351320"/>
+            <a:ext cx="8222760" cy="4350960"/>
           </a:xfrm>
           <a:prstGeom prst="rect">
             <a:avLst/>
@@ -26133,7 +26763,7 @@
               </a:rPr>
               <a:t>Introduction</a:t>
             </a:r>
-            <a:endParaRPr b="0" lang="en-GB" sz="1800" spc="-1" strike="noStrike">
+            <a:endParaRPr b="0" lang="en-US" sz="1800" spc="-1" strike="noStrike">
               <a:solidFill>
                 <a:srgbClr val="000000"/>
               </a:solidFill>
@@ -26167,7 +26797,7 @@
               </a:rPr>
               <a:t>Classification</a:t>
             </a:r>
-            <a:endParaRPr b="0" lang="en-GB" sz="1800" spc="-1" strike="noStrike">
+            <a:endParaRPr b="0" lang="en-US" sz="1800" spc="-1" strike="noStrike">
               <a:solidFill>
                 <a:srgbClr val="000000"/>
               </a:solidFill>
@@ -26201,7 +26831,7 @@
               </a:rPr>
               <a:t>Documentation</a:t>
             </a:r>
-            <a:endParaRPr b="0" lang="en-GB" sz="1800" spc="-1" strike="noStrike">
+            <a:endParaRPr b="0" lang="en-US" sz="1800" spc="-1" strike="noStrike">
               <a:solidFill>
                 <a:srgbClr val="000000"/>
               </a:solidFill>
@@ -26249,7 +26879,7 @@
         <p:spPr>
           <a:xfrm>
             <a:off x="335520" y="4406760"/>
-            <a:ext cx="10747440" cy="1356480"/>
+            <a:ext cx="10747080" cy="1356120"/>
           </a:xfrm>
           <a:prstGeom prst="rect">
             <a:avLst/>
@@ -26285,7 +26915,7 @@
               </a:rPr>
               <a:t>Introduction</a:t>
             </a:r>
-            <a:endParaRPr b="0" lang="en-GB" sz="3000" spc="-1" strike="noStrike">
+            <a:endParaRPr b="0" lang="en-US" sz="3000" spc="-1" strike="noStrike">
               <a:solidFill>
                 <a:srgbClr val="000000"/>
               </a:solidFill>
@@ -26303,7 +26933,7 @@
         <p:spPr>
           <a:xfrm>
             <a:off x="335520" y="2906640"/>
-            <a:ext cx="10747440" cy="1494360"/>
+            <a:ext cx="10747080" cy="1494000"/>
           </a:xfrm>
           <a:prstGeom prst="rect">
             <a:avLst/>
@@ -26324,11 +26954,17 @@
             <a:noAutofit/>
           </a:bodyPr>
           <a:p>
+            <a:pPr>
+              <a:lnSpc>
+                <a:spcPct val="100000"/>
+              </a:lnSpc>
+            </a:pPr>
             <a:endParaRPr b="0" lang="en-GB" sz="1800" spc="-1" strike="noStrike">
               <a:solidFill>
                 <a:srgbClr val="000000"/>
               </a:solidFill>
               <a:latin typeface="Arial"/>
+              <a:ea typeface="DejaVu Sans"/>
             </a:endParaRPr>
           </a:p>
         </p:txBody>
@@ -26372,7 +27008,7 @@
         <p:spPr>
           <a:xfrm>
             <a:off x="542880" y="721800"/>
-            <a:ext cx="10355760" cy="496440"/>
+            <a:ext cx="10355400" cy="496080"/>
           </a:xfrm>
           <a:prstGeom prst="rect">
             <a:avLst/>
@@ -26408,7 +27044,7 @@
               </a:rPr>
               <a:t>Introduction</a:t>
             </a:r>
-            <a:endParaRPr b="0" lang="en-GB" sz="2200" spc="-1" strike="noStrike">
+            <a:endParaRPr b="0" lang="en-US" sz="2200" spc="-1" strike="noStrike">
               <a:solidFill>
                 <a:srgbClr val="000000"/>
               </a:solidFill>
@@ -26426,7 +27062,7 @@
         <p:spPr>
           <a:xfrm>
             <a:off x="542880" y="1267200"/>
-            <a:ext cx="10355760" cy="496440"/>
+            <a:ext cx="10355400" cy="496080"/>
           </a:xfrm>
           <a:prstGeom prst="rect">
             <a:avLst/>
@@ -26462,7 +27098,7 @@
               </a:rPr>
               <a:t>Traceability in a Nutshell</a:t>
             </a:r>
-            <a:endParaRPr b="0" lang="en-GB" sz="2200" spc="-1" strike="noStrike">
+            <a:endParaRPr b="0" lang="en-US" sz="2200" spc="-1" strike="noStrike">
               <a:solidFill>
                 <a:srgbClr val="000000"/>
               </a:solidFill>
@@ -26480,7 +27116,7 @@
         <p:spPr>
           <a:xfrm>
             <a:off x="451800" y="1709280"/>
-            <a:ext cx="8223120" cy="4351320"/>
+            <a:ext cx="8222760" cy="4350960"/>
           </a:xfrm>
           <a:prstGeom prst="rect">
             <a:avLst/>
@@ -26501,11 +27137,17 @@
             <a:noAutofit/>
           </a:bodyPr>
           <a:p>
+            <a:pPr>
+              <a:lnSpc>
+                <a:spcPct val="100000"/>
+              </a:lnSpc>
+            </a:pPr>
             <a:endParaRPr b="0" lang="en-GB" sz="1800" spc="-1" strike="noStrike">
               <a:solidFill>
                 <a:srgbClr val="000000"/>
               </a:solidFill>
               <a:latin typeface="Arial"/>
+              <a:ea typeface="DejaVu Sans"/>
             </a:endParaRPr>
           </a:p>
         </p:txBody>
@@ -26523,7 +27165,7 @@
         <p:spPr>
           <a:xfrm>
             <a:off x="609480" y="1769400"/>
-            <a:ext cx="10586160" cy="4854240"/>
+            <a:ext cx="10585800" cy="4853880"/>
           </a:xfrm>
           <a:prstGeom prst="rect">
             <a:avLst/>
@@ -26590,7 +27232,7 @@
               </a:rPr>
               <a:t> to a/the requirement(s)?</a:t>
             </a:r>
-            <a:endParaRPr b="0" lang="en-GB" sz="2000" spc="-1" strike="noStrike">
+            <a:endParaRPr b="0" lang="en-US" sz="2000" spc="-1" strike="noStrike">
               <a:solidFill>
                 <a:srgbClr val="000000"/>
               </a:solidFill>
@@ -26608,7 +27250,7 @@
         <p:spPr>
           <a:xfrm>
             <a:off x="602640" y="3174480"/>
-            <a:ext cx="10578960" cy="1878120"/>
+            <a:ext cx="10578600" cy="1877760"/>
           </a:xfrm>
           <a:prstGeom prst="roundRect">
             <a:avLst>
@@ -26640,11 +27282,17 @@
             <a:noAutofit/>
           </a:bodyPr>
           <a:p>
+            <a:pPr>
+              <a:lnSpc>
+                <a:spcPct val="100000"/>
+              </a:lnSpc>
+            </a:pPr>
             <a:endParaRPr b="0" lang="en-GB" sz="1800" spc="-1" strike="noStrike">
               <a:solidFill>
                 <a:srgbClr val="000000"/>
               </a:solidFill>
               <a:latin typeface="Arial"/>
+              <a:ea typeface="DejaVu Sans"/>
             </a:endParaRPr>
           </a:p>
         </p:txBody>
@@ -26688,7 +27336,7 @@
         <p:spPr>
           <a:xfrm>
             <a:off x="542880" y="721800"/>
-            <a:ext cx="10355760" cy="496440"/>
+            <a:ext cx="10355400" cy="496080"/>
           </a:xfrm>
           <a:prstGeom prst="rect">
             <a:avLst/>
@@ -26724,7 +27372,7 @@
               </a:rPr>
               <a:t>Introduction</a:t>
             </a:r>
-            <a:endParaRPr b="0" lang="en-GB" sz="2200" spc="-1" strike="noStrike">
+            <a:endParaRPr b="0" lang="en-US" sz="2200" spc="-1" strike="noStrike">
               <a:solidFill>
                 <a:srgbClr val="000000"/>
               </a:solidFill>
@@ -26742,7 +27390,7 @@
         <p:spPr>
           <a:xfrm>
             <a:off x="542880" y="1267200"/>
-            <a:ext cx="10355760" cy="496440"/>
+            <a:ext cx="10355400" cy="496080"/>
           </a:xfrm>
           <a:prstGeom prst="rect">
             <a:avLst/>
@@ -26778,7 +27426,7 @@
               </a:rPr>
               <a:t>Definition – Requirements Traceability</a:t>
             </a:r>
-            <a:endParaRPr b="0" lang="en-GB" sz="2200" spc="-1" strike="noStrike">
+            <a:endParaRPr b="0" lang="en-US" sz="2200" spc="-1" strike="noStrike">
               <a:solidFill>
                 <a:srgbClr val="000000"/>
               </a:solidFill>
@@ -26796,7 +27444,7 @@
         <p:spPr>
           <a:xfrm>
             <a:off x="451800" y="1709280"/>
-            <a:ext cx="8223120" cy="4351320"/>
+            <a:ext cx="8222760" cy="4350960"/>
           </a:xfrm>
           <a:prstGeom prst="rect">
             <a:avLst/>
@@ -26817,11 +27465,17 @@
             <a:noAutofit/>
           </a:bodyPr>
           <a:p>
+            <a:pPr>
+              <a:lnSpc>
+                <a:spcPct val="100000"/>
+              </a:lnSpc>
+            </a:pPr>
             <a:endParaRPr b="0" lang="en-GB" sz="1800" spc="-1" strike="noStrike">
               <a:solidFill>
                 <a:srgbClr val="000000"/>
               </a:solidFill>
               <a:latin typeface="Arial"/>
+              <a:ea typeface="DejaVu Sans"/>
             </a:endParaRPr>
           </a:p>
         </p:txBody>
@@ -26839,7 +27493,7 @@
         <p:spPr>
           <a:xfrm>
             <a:off x="588240" y="1769400"/>
-            <a:ext cx="10607400" cy="4637160"/>
+            <a:ext cx="10607040" cy="4636800"/>
           </a:xfrm>
           <a:prstGeom prst="rect">
             <a:avLst/>
@@ -26886,7 +27540,7 @@
               </a:rPr>
               <a:t>Requirements traceability refers to the ability to describe and follow the life of a requirement, in both a forwards and backwards direction (i.e., from its origins, through its development and specification, to its subsequent deployment and use, and through all periods of on-going refinement and iteration in any of these phases).”</a:t>
             </a:r>
-            <a:endParaRPr b="0" lang="en-GB" sz="2000" spc="-1" strike="noStrike">
+            <a:endParaRPr b="0" lang="en-US" sz="2000" spc="-1" strike="noStrike">
               <a:solidFill>
                 <a:srgbClr val="000000"/>
               </a:solidFill>
@@ -26904,7 +27558,7 @@
         <p:spPr>
           <a:xfrm>
             <a:off x="602640" y="3174480"/>
-            <a:ext cx="10578960" cy="1878120"/>
+            <a:ext cx="10578600" cy="1877760"/>
           </a:xfrm>
           <a:prstGeom prst="roundRect">
             <a:avLst>
@@ -26936,11 +27590,17 @@
             <a:noAutofit/>
           </a:bodyPr>
           <a:p>
+            <a:pPr>
+              <a:lnSpc>
+                <a:spcPct val="100000"/>
+              </a:lnSpc>
+            </a:pPr>
             <a:endParaRPr b="0" lang="en-GB" sz="1800" spc="-1" strike="noStrike">
               <a:solidFill>
                 <a:srgbClr val="000000"/>
               </a:solidFill>
               <a:latin typeface="Arial"/>
+              <a:ea typeface="DejaVu Sans"/>
             </a:endParaRPr>
           </a:p>
         </p:txBody>
@@ -26954,7 +27614,7 @@
         <p:spPr>
           <a:xfrm>
             <a:off x="263520" y="6411600"/>
-            <a:ext cx="10918080" cy="226800"/>
+            <a:ext cx="10917720" cy="226800"/>
           </a:xfrm>
           <a:prstGeom prst="rect">
             <a:avLst/>
@@ -27000,7 +27660,7 @@
               </a:rPr>
               <a:t>An Analysis of the Requirements Traceability Problem</a:t>
             </a:r>
-            <a:endParaRPr b="0" lang="en-GB" sz="900" spc="-1" strike="noStrike">
+            <a:endParaRPr b="0" lang="en-US" sz="900" spc="-1" strike="noStrike">
               <a:solidFill>
                 <a:srgbClr val="000000"/>
               </a:solidFill>
@@ -27048,7 +27708,7 @@
         <p:spPr>
           <a:xfrm>
             <a:off x="542880" y="721800"/>
-            <a:ext cx="10355760" cy="496440"/>
+            <a:ext cx="10355400" cy="496080"/>
           </a:xfrm>
           <a:prstGeom prst="rect">
             <a:avLst/>
@@ -27084,7 +27744,7 @@
               </a:rPr>
               <a:t>Introduction</a:t>
             </a:r>
-            <a:endParaRPr b="0" lang="en-GB" sz="2200" spc="-1" strike="noStrike">
+            <a:endParaRPr b="0" lang="en-US" sz="2200" spc="-1" strike="noStrike">
               <a:solidFill>
                 <a:srgbClr val="000000"/>
               </a:solidFill>
@@ -27102,7 +27762,7 @@
         <p:spPr>
           <a:xfrm>
             <a:off x="542880" y="1267200"/>
-            <a:ext cx="10355760" cy="496440"/>
+            <a:ext cx="10355400" cy="496080"/>
           </a:xfrm>
           <a:prstGeom prst="rect">
             <a:avLst/>
@@ -27138,7 +27798,7 @@
               </a:rPr>
               <a:t>Advantages of Traceable Requirements</a:t>
             </a:r>
-            <a:endParaRPr b="0" lang="en-GB" sz="2200" spc="-1" strike="noStrike">
+            <a:endParaRPr b="0" lang="en-US" sz="2200" spc="-1" strike="noStrike">
               <a:solidFill>
                 <a:srgbClr val="000000"/>
               </a:solidFill>
@@ -27156,7 +27816,7 @@
         <p:spPr>
           <a:xfrm>
             <a:off x="451800" y="1709280"/>
-            <a:ext cx="8223120" cy="4351320"/>
+            <a:ext cx="8222760" cy="4350960"/>
           </a:xfrm>
           <a:prstGeom prst="rect">
             <a:avLst/>
@@ -27177,11 +27837,17 @@
             <a:noAutofit/>
           </a:bodyPr>
           <a:p>
+            <a:pPr>
+              <a:lnSpc>
+                <a:spcPct val="100000"/>
+              </a:lnSpc>
+            </a:pPr>
             <a:endParaRPr b="0" lang="en-GB" sz="1800" spc="-1" strike="noStrike">
               <a:solidFill>
                 <a:srgbClr val="000000"/>
               </a:solidFill>
               <a:latin typeface="Arial"/>
+              <a:ea typeface="DejaVu Sans"/>
             </a:endParaRPr>
           </a:p>
         </p:txBody>
@@ -27199,7 +27865,7 @@
         <p:spPr>
           <a:xfrm>
             <a:off x="609480" y="1769400"/>
-            <a:ext cx="10586160" cy="4854240"/>
+            <a:ext cx="10585800" cy="4853880"/>
           </a:xfrm>
           <a:prstGeom prst="rect">
             <a:avLst/>
@@ -27238,7 +27904,7 @@
               </a:rPr>
               <a:t>Change management → Which other artefacts are affected by a change?</a:t>
             </a:r>
-            <a:endParaRPr b="0" lang="en-GB" sz="2000" spc="-1" strike="noStrike">
+            <a:endParaRPr b="0" lang="en-US" sz="2000" spc="-1" strike="noStrike">
               <a:solidFill>
                 <a:srgbClr val="000000"/>
               </a:solidFill>
@@ -27270,7 +27936,7 @@
               </a:rPr>
               <a:t>Process improvements → Trace problems in the development process back to their cause</a:t>
             </a:r>
-            <a:endParaRPr b="0" lang="en-GB" sz="2000" spc="-1" strike="noStrike">
+            <a:endParaRPr b="0" lang="en-US" sz="2000" spc="-1" strike="noStrike">
               <a:solidFill>
                 <a:srgbClr val="000000"/>
               </a:solidFill>
@@ -27302,7 +27968,7 @@
               </a:rPr>
               <a:t>Reuse</a:t>
             </a:r>
-            <a:endParaRPr b="0" lang="en-GB" sz="2000" spc="-1" strike="noStrike">
+            <a:endParaRPr b="0" lang="en-US" sz="2000" spc="-1" strike="noStrike">
               <a:solidFill>
                 <a:srgbClr val="000000"/>
               </a:solidFill>
@@ -27334,7 +28000,7 @@
               </a:rPr>
               <a:t>Identify development artefacts associated with a requirement → If requirement is reused, the development artefact might also be reused</a:t>
             </a:r>
-            <a:endParaRPr b="0" lang="en-GB" sz="1800" spc="-1" strike="noStrike">
+            <a:endParaRPr b="0" lang="en-US" sz="1800" spc="-1" strike="noStrike">
               <a:solidFill>
                 <a:srgbClr val="000000"/>
               </a:solidFill>
@@ -27366,7 +28032,7 @@
               </a:rPr>
               <a:t>Accountability</a:t>
             </a:r>
-            <a:endParaRPr b="0" lang="en-GB" sz="2000" spc="-1" strike="noStrike">
+            <a:endParaRPr b="0" lang="en-US" sz="2000" spc="-1" strike="noStrike">
               <a:solidFill>
                 <a:srgbClr val="000000"/>
               </a:solidFill>
@@ -27398,7 +28064,7 @@
               </a:rPr>
               <a:t>Calculate/estimate the development effort to implement a requirement</a:t>
             </a:r>
-            <a:endParaRPr b="0" lang="en-GB" sz="1800" spc="-1" strike="noStrike">
+            <a:endParaRPr b="0" lang="en-US" sz="1800" spc="-1" strike="noStrike">
               <a:solidFill>
                 <a:srgbClr val="000000"/>
               </a:solidFill>
@@ -27430,7 +28096,7 @@
               </a:rPr>
               <a:t>Maintenance</a:t>
             </a:r>
-            <a:endParaRPr b="0" lang="en-GB" sz="2000" spc="-1" strike="noStrike">
+            <a:endParaRPr b="0" lang="en-US" sz="2000" spc="-1" strike="noStrike">
               <a:solidFill>
                 <a:srgbClr val="000000"/>
               </a:solidFill>
@@ -27462,7 +28128,7 @@
               </a:rPr>
               <a:t>Simplified cause-effect analysis, impact analysis, etc.</a:t>
             </a:r>
-            <a:endParaRPr b="0" lang="en-GB" sz="1800" spc="-1" strike="noStrike">
+            <a:endParaRPr b="0" lang="en-US" sz="1800" spc="-1" strike="noStrike">
               <a:solidFill>
                 <a:srgbClr val="000000"/>
               </a:solidFill>
@@ -27510,7 +28176,7 @@
         <p:spPr>
           <a:xfrm>
             <a:off x="542880" y="721800"/>
-            <a:ext cx="10355760" cy="496440"/>
+            <a:ext cx="10355400" cy="496080"/>
           </a:xfrm>
           <a:prstGeom prst="rect">
             <a:avLst/>
@@ -27546,7 +28212,7 @@
               </a:rPr>
               <a:t>Introduction</a:t>
             </a:r>
-            <a:endParaRPr b="0" lang="en-GB" sz="2200" spc="-1" strike="noStrike">
+            <a:endParaRPr b="0" lang="en-US" sz="2200" spc="-1" strike="noStrike">
               <a:solidFill>
                 <a:srgbClr val="000000"/>
               </a:solidFill>
@@ -27564,7 +28230,7 @@
         <p:spPr>
           <a:xfrm>
             <a:off x="542880" y="1267200"/>
-            <a:ext cx="10355760" cy="496440"/>
+            <a:ext cx="10355400" cy="496080"/>
           </a:xfrm>
           <a:prstGeom prst="rect">
             <a:avLst/>
@@ -27600,7 +28266,7 @@
               </a:rPr>
               <a:t>Advantages of Traceable Requirements</a:t>
             </a:r>
-            <a:endParaRPr b="0" lang="en-GB" sz="2200" spc="-1" strike="noStrike">
+            <a:endParaRPr b="0" lang="en-US" sz="2200" spc="-1" strike="noStrike">
               <a:solidFill>
                 <a:srgbClr val="000000"/>
               </a:solidFill>
@@ -27618,7 +28284,7 @@
         <p:spPr>
           <a:xfrm>
             <a:off x="451800" y="1709280"/>
-            <a:ext cx="8223120" cy="4351320"/>
+            <a:ext cx="8222760" cy="4350960"/>
           </a:xfrm>
           <a:prstGeom prst="rect">
             <a:avLst/>
@@ -27639,11 +28305,17 @@
             <a:noAutofit/>
           </a:bodyPr>
           <a:p>
+            <a:pPr>
+              <a:lnSpc>
+                <a:spcPct val="100000"/>
+              </a:lnSpc>
+            </a:pPr>
             <a:endParaRPr b="0" lang="en-GB" sz="1800" spc="-1" strike="noStrike">
               <a:solidFill>
                 <a:srgbClr val="000000"/>
               </a:solidFill>
               <a:latin typeface="Arial"/>
+              <a:ea typeface="DejaVu Sans"/>
             </a:endParaRPr>
           </a:p>
         </p:txBody>
@@ -27661,7 +28333,7 @@
         <p:spPr>
           <a:xfrm>
             <a:off x="609480" y="1769400"/>
-            <a:ext cx="10586160" cy="4854240"/>
+            <a:ext cx="10585800" cy="4853880"/>
           </a:xfrm>
           <a:prstGeom prst="rect">
             <a:avLst/>
@@ -27700,7 +28372,7 @@
               </a:rPr>
               <a:t>Verifiability</a:t>
             </a:r>
-            <a:endParaRPr b="0" lang="en-GB" sz="2000" spc="-1" strike="noStrike">
+            <a:endParaRPr b="0" lang="en-US" sz="2000" spc="-1" strike="noStrike">
               <a:solidFill>
                 <a:srgbClr val="000000"/>
               </a:solidFill>
@@ -27732,7 +28404,7 @@
               </a:rPr>
               <a:t>Easy to verify whether a requirement has been implemented or not</a:t>
             </a:r>
-            <a:endParaRPr b="0" lang="en-GB" sz="1800" spc="-1" strike="noStrike">
+            <a:endParaRPr b="0" lang="en-US" sz="1800" spc="-1" strike="noStrike">
               <a:solidFill>
                 <a:srgbClr val="000000"/>
               </a:solidFill>
@@ -27764,7 +28436,7 @@
               </a:rPr>
               <a:t>Identification of gold-plated solutions in the system</a:t>
             </a:r>
-            <a:endParaRPr b="0" lang="en-GB" sz="2000" spc="-1" strike="noStrike">
+            <a:endParaRPr b="0" lang="en-US" sz="2000" spc="-1" strike="noStrike">
               <a:solidFill>
                 <a:srgbClr val="000000"/>
               </a:solidFill>
@@ -27796,7 +28468,7 @@
               </a:rPr>
               <a:t>Gold-plated = unnecessary attention to details</a:t>
             </a:r>
-            <a:endParaRPr b="0" lang="en-GB" sz="1800" spc="-1" strike="noStrike">
+            <a:endParaRPr b="0" lang="en-US" sz="1800" spc="-1" strike="noStrike">
               <a:solidFill>
                 <a:srgbClr val="000000"/>
               </a:solidFill>
@@ -27828,7 +28500,7 @@
               </a:rPr>
               <a:t>Reverse function to “verifiability” → Checks for each function whether it implements a requirement</a:t>
             </a:r>
-            <a:endParaRPr b="0" lang="en-GB" sz="1800" spc="-1" strike="noStrike">
+            <a:endParaRPr b="0" lang="en-US" sz="1800" spc="-1" strike="noStrike">
               <a:solidFill>
                 <a:srgbClr val="000000"/>
               </a:solidFill>
@@ -27860,7 +28532,7 @@
               </a:rPr>
               <a:t>Identification of gold-plated solutions in the requirements</a:t>
             </a:r>
-            <a:endParaRPr b="0" lang="en-GB" sz="2000" spc="-1" strike="noStrike">
+            <a:endParaRPr b="0" lang="en-US" sz="2000" spc="-1" strike="noStrike">
               <a:solidFill>
                 <a:srgbClr val="000000"/>
               </a:solidFill>
@@ -27892,7 +28564,7 @@
               </a:rPr>
               <a:t>Tracing requirements to their origin</a:t>
             </a:r>
-            <a:endParaRPr b="0" lang="en-GB" sz="1800" spc="-1" strike="noStrike">
+            <a:endParaRPr b="0" lang="en-US" sz="1800" spc="-1" strike="noStrike">
               <a:solidFill>
                 <a:srgbClr val="000000"/>
               </a:solidFill>
@@ -27924,7 +28596,7 @@
               </a:rPr>
               <a:t>Analysis whether a requirement contributes to a goal</a:t>
             </a:r>
-            <a:endParaRPr b="0" lang="en-GB" sz="1800" spc="-1" strike="noStrike">
+            <a:endParaRPr b="0" lang="en-US" sz="1800" spc="-1" strike="noStrike">
               <a:solidFill>
                 <a:srgbClr val="000000"/>
               </a:solidFill>
@@ -28052,7 +28724,7 @@
         </a:gradFill>
       </a:fillStyleLst>
       <a:lnStyleLst>
-        <a:ln w="9525" cap="flat" cmpd="sng" algn="ctr">
+        <a:ln w="6350" cap="flat" cmpd="sng" algn="ctr">
           <a:solidFill>
             <a:schemeClr val="phClr">
               <a:shade val="95000"/>
@@ -28062,14 +28734,14 @@
           <a:prstDash val="solid"/>
           <a:miter/>
         </a:ln>
-        <a:ln w="25400" cap="flat" cmpd="sng" algn="ctr">
+        <a:ln w="12700" cap="flat" cmpd="sng" algn="ctr">
           <a:solidFill>
             <a:schemeClr val="phClr"/>
           </a:solidFill>
           <a:prstDash val="solid"/>
           <a:miter/>
         </a:ln>
-        <a:ln w="38100" cap="flat" cmpd="sng" algn="ctr">
+        <a:ln w="19050" cap="flat" cmpd="sng" algn="ctr">
           <a:solidFill>
             <a:schemeClr val="phClr"/>
           </a:solidFill>
@@ -28079,22 +28751,10 @@
       </a:lnStyleLst>
       <a:effectStyleLst>
         <a:effectStyle>
-          <a:effectLst>
-            <a:outerShdw blurRad="40000" dist="20000" dir="5400000" rotWithShape="0">
-              <a:srgbClr val="000000">
-                <a:alpha val="38000"/>
-              </a:srgbClr>
-            </a:outerShdw>
-          </a:effectLst>
+          <a:effectLst/>
         </a:effectStyle>
         <a:effectStyle>
-          <a:effectLst>
-            <a:outerShdw blurRad="40000" dist="23000" dir="5400000" rotWithShape="0">
-              <a:srgbClr val="000000">
-                <a:alpha val="35000"/>
-              </a:srgbClr>
-            </a:outerShdw>
-          </a:effectLst>
+          <a:effectLst/>
         </a:effectStyle>
         <a:effectStyle>
           <a:effectLst>
@@ -28278,7 +28938,7 @@
         </a:gradFill>
       </a:fillStyleLst>
       <a:lnStyleLst>
-        <a:ln w="9525" cap="flat" cmpd="sng" algn="ctr">
+        <a:ln w="6350" cap="flat" cmpd="sng" algn="ctr">
           <a:solidFill>
             <a:schemeClr val="phClr">
               <a:shade val="95000"/>
@@ -28288,14 +28948,14 @@
           <a:prstDash val="solid"/>
           <a:miter/>
         </a:ln>
-        <a:ln w="25400" cap="flat" cmpd="sng" algn="ctr">
+        <a:ln w="12700" cap="flat" cmpd="sng" algn="ctr">
           <a:solidFill>
             <a:schemeClr val="phClr"/>
           </a:solidFill>
           <a:prstDash val="solid"/>
           <a:miter/>
         </a:ln>
-        <a:ln w="38100" cap="flat" cmpd="sng" algn="ctr">
+        <a:ln w="19050" cap="flat" cmpd="sng" algn="ctr">
           <a:solidFill>
             <a:schemeClr val="phClr"/>
           </a:solidFill>
@@ -28305,22 +28965,10 @@
       </a:lnStyleLst>
       <a:effectStyleLst>
         <a:effectStyle>
-          <a:effectLst>
-            <a:outerShdw blurRad="40000" dist="20000" dir="5400000" rotWithShape="0">
-              <a:srgbClr val="000000">
-                <a:alpha val="38000"/>
-              </a:srgbClr>
-            </a:outerShdw>
-          </a:effectLst>
+          <a:effectLst/>
         </a:effectStyle>
         <a:effectStyle>
-          <a:effectLst>
-            <a:outerShdw blurRad="40000" dist="23000" dir="5400000" rotWithShape="0">
-              <a:srgbClr val="000000">
-                <a:alpha val="35000"/>
-              </a:srgbClr>
-            </a:outerShdw>
-          </a:effectLst>
+          <a:effectLst/>
         </a:effectStyle>
         <a:effectStyle>
           <a:effectLst>
@@ -28504,7 +29152,7 @@
         </a:gradFill>
       </a:fillStyleLst>
       <a:lnStyleLst>
-        <a:ln w="9525" cap="flat" cmpd="sng" algn="ctr">
+        <a:ln w="6350" cap="flat" cmpd="sng" algn="ctr">
           <a:solidFill>
             <a:schemeClr val="phClr">
               <a:shade val="95000"/>
@@ -28514,14 +29162,14 @@
           <a:prstDash val="solid"/>
           <a:miter/>
         </a:ln>
-        <a:ln w="25400" cap="flat" cmpd="sng" algn="ctr">
+        <a:ln w="12700" cap="flat" cmpd="sng" algn="ctr">
           <a:solidFill>
             <a:schemeClr val="phClr"/>
           </a:solidFill>
           <a:prstDash val="solid"/>
           <a:miter/>
         </a:ln>
-        <a:ln w="38100" cap="flat" cmpd="sng" algn="ctr">
+        <a:ln w="19050" cap="flat" cmpd="sng" algn="ctr">
           <a:solidFill>
             <a:schemeClr val="phClr"/>
           </a:solidFill>
@@ -28531,22 +29179,10 @@
       </a:lnStyleLst>
       <a:effectStyleLst>
         <a:effectStyle>
-          <a:effectLst>
-            <a:outerShdw blurRad="40000" dist="20000" dir="5400000" rotWithShape="0">
-              <a:srgbClr val="000000">
-                <a:alpha val="38000"/>
-              </a:srgbClr>
-            </a:outerShdw>
-          </a:effectLst>
+          <a:effectLst/>
         </a:effectStyle>
         <a:effectStyle>
-          <a:effectLst>
-            <a:outerShdw blurRad="40000" dist="23000" dir="5400000" rotWithShape="0">
-              <a:srgbClr val="000000">
-                <a:alpha val="35000"/>
-              </a:srgbClr>
-            </a:outerShdw>
-          </a:effectLst>
+          <a:effectLst/>
         </a:effectStyle>
         <a:effectStyle>
           <a:effectLst>
@@ -28730,7 +29366,7 @@
         </a:gradFill>
       </a:fillStyleLst>
       <a:lnStyleLst>
-        <a:ln w="9525" cap="flat" cmpd="sng" algn="ctr">
+        <a:ln w="6350" cap="flat" cmpd="sng" algn="ctr">
           <a:solidFill>
             <a:schemeClr val="phClr">
               <a:shade val="95000"/>
@@ -28740,14 +29376,14 @@
           <a:prstDash val="solid"/>
           <a:miter/>
         </a:ln>
-        <a:ln w="25400" cap="flat" cmpd="sng" algn="ctr">
+        <a:ln w="12700" cap="flat" cmpd="sng" algn="ctr">
           <a:solidFill>
             <a:schemeClr val="phClr"/>
           </a:solidFill>
           <a:prstDash val="solid"/>
           <a:miter/>
         </a:ln>
-        <a:ln w="38100" cap="flat" cmpd="sng" algn="ctr">
+        <a:ln w="19050" cap="flat" cmpd="sng" algn="ctr">
           <a:solidFill>
             <a:schemeClr val="phClr"/>
           </a:solidFill>
@@ -28757,22 +29393,10 @@
       </a:lnStyleLst>
       <a:effectStyleLst>
         <a:effectStyle>
-          <a:effectLst>
-            <a:outerShdw blurRad="40000" dist="20000" dir="5400000" rotWithShape="0">
-              <a:srgbClr val="000000">
-                <a:alpha val="38000"/>
-              </a:srgbClr>
-            </a:outerShdw>
-          </a:effectLst>
+          <a:effectLst/>
         </a:effectStyle>
         <a:effectStyle>
-          <a:effectLst>
-            <a:outerShdw blurRad="40000" dist="23000" dir="5400000" rotWithShape="0">
-              <a:srgbClr val="000000">
-                <a:alpha val="35000"/>
-              </a:srgbClr>
-            </a:outerShdw>
-          </a:effectLst>
+          <a:effectLst/>
         </a:effectStyle>
         <a:effectStyle>
           <a:effectLst>
@@ -28956,7 +29580,7 @@
         </a:gradFill>
       </a:fillStyleLst>
       <a:lnStyleLst>
-        <a:ln w="9525" cap="flat" cmpd="sng" algn="ctr">
+        <a:ln w="6350" cap="flat" cmpd="sng" algn="ctr">
           <a:solidFill>
             <a:schemeClr val="phClr">
               <a:shade val="95000"/>
@@ -28966,14 +29590,14 @@
           <a:prstDash val="solid"/>
           <a:miter/>
         </a:ln>
-        <a:ln w="25400" cap="flat" cmpd="sng" algn="ctr">
+        <a:ln w="12700" cap="flat" cmpd="sng" algn="ctr">
           <a:solidFill>
             <a:schemeClr val="phClr"/>
           </a:solidFill>
           <a:prstDash val="solid"/>
           <a:miter/>
         </a:ln>
-        <a:ln w="38100" cap="flat" cmpd="sng" algn="ctr">
+        <a:ln w="19050" cap="flat" cmpd="sng" algn="ctr">
           <a:solidFill>
             <a:schemeClr val="phClr"/>
           </a:solidFill>
@@ -28983,22 +29607,10 @@
       </a:lnStyleLst>
       <a:effectStyleLst>
         <a:effectStyle>
-          <a:effectLst>
-            <a:outerShdw blurRad="40000" dist="20000" dir="5400000" rotWithShape="0">
-              <a:srgbClr val="000000">
-                <a:alpha val="38000"/>
-              </a:srgbClr>
-            </a:outerShdw>
-          </a:effectLst>
+          <a:effectLst/>
         </a:effectStyle>
         <a:effectStyle>
-          <a:effectLst>
-            <a:outerShdw blurRad="40000" dist="23000" dir="5400000" rotWithShape="0">
-              <a:srgbClr val="000000">
-                <a:alpha val="35000"/>
-              </a:srgbClr>
-            </a:outerShdw>
-          </a:effectLst>
+          <a:effectLst/>
         </a:effectStyle>
         <a:effectStyle>
           <a:effectLst>
